--- a/courses/sysprog/slides/lec06-pointer.pptx
+++ b/courses/sysprog/slides/lec06-pointer.pptx
@@ -5346,7 +5346,7 @@
                 </a:solidFill>
                 <a:latin typeface="Courier New" panose="02070309020205020404" pitchFamily="49" charset="0"/>
               </a:rPr>
-              <a:t>swap (a=3, b=5);</a:t>
+              <a:t>swap(a=3, b=5);</a:t>
             </a:r>
           </a:p>
         </p:txBody>
@@ -6000,7 +6000,7 @@
                 </a:solidFill>
                 <a:latin typeface="Courier New" panose="02070309020205020404" pitchFamily="49" charset="0"/>
               </a:rPr>
-              <a:t>swap (&amp;a, &amp;b);</a:t>
+              <a:t>swap(&amp;a, &amp;b);</a:t>
             </a:r>
           </a:p>
         </p:txBody>
@@ -6656,7 +6656,7 @@
                 </a:solidFill>
                 <a:latin typeface="Courier New" panose="02070309020205020404" pitchFamily="49" charset="0"/>
               </a:rPr>
-              <a:t>swap (&amp;a, &amp;b);</a:t>
+              <a:t>swap(&amp;a, &amp;b);</a:t>
             </a:r>
           </a:p>
         </p:txBody>
@@ -7404,7 +7404,7 @@
                 </a:solidFill>
                 <a:latin typeface="Courier New" panose="02070309020205020404" pitchFamily="49" charset="0"/>
               </a:rPr>
-              <a:t>void sum (int x, int y, int *result){</a:t>
+              <a:t>void sum(int x, int y, int *result){</a:t>
             </a:r>
           </a:p>
           <a:p>
@@ -7503,7 +7503,7 @@
                 </a:solidFill>
                 <a:latin typeface="Courier New" panose="02070309020205020404" pitchFamily="49" charset="0"/>
               </a:rPr>
-              <a:t>sum (3, 4, &amp;s);</a:t>
+              <a:t>sum(3, 4, &amp;s);</a:t>
             </a:r>
           </a:p>
           <a:p>
@@ -11847,22 +11847,7 @@
                 </a:solidFill>
                 <a:latin typeface="Courier New" panose="02070309020205020404" pitchFamily="49" charset="0"/>
               </a:rPr>
-              <a:t>void foo(int *a)</a:t>
-            </a:r>
-          </a:p>
-          <a:p>
-            <a:pPr>
-              <a:buFont typeface="Wingdings" panose="05000000000000000000" pitchFamily="2" charset="2"/>
-              <a:buNone/>
-            </a:pPr>
-            <a:r>
-              <a:rPr lang="en-US" altLang="zh-CN" sz="2000" b="1" dirty="0">
-                <a:solidFill>
-                  <a:schemeClr val="folHlink"/>
-                </a:solidFill>
-                <a:latin typeface="Courier New" panose="02070309020205020404" pitchFamily="49" charset="0"/>
-              </a:rPr>
-              <a:t>{</a:t>
+              <a:t>void foo(int *a){</a:t>
             </a:r>
           </a:p>
           <a:p>
@@ -17917,7 +17902,7 @@
                 </a:solidFill>
                 <a:latin typeface="Courier New" panose="02070309020205020404" pitchFamily="49" charset="0"/>
               </a:rPr>
-              <a:t>) (type1, …, </a:t>
+              <a:t>)(type1, …, </a:t>
             </a:r>
             <a:r>
               <a:rPr lang="en-US" altLang="zh-CN" sz="2000" b="1" dirty="0" err="1">
@@ -18031,7 +18016,7 @@
                 </a:solidFill>
                 <a:latin typeface="Courier New" panose="02070309020205020404" pitchFamily="49" charset="0"/>
               </a:rPr>
-              <a:t>) (int, int);</a:t>
+              <a:t>)(int, int);</a:t>
             </a:r>
           </a:p>
           <a:p>
@@ -18797,25 +18782,7 @@
                 </a:solidFill>
                 <a:latin typeface="Courier New" panose="02070309020205020404" pitchFamily="49" charset="0"/>
               </a:rPr>
-              <a:t>int main() </a:t>
-            </a:r>
-          </a:p>
-          <a:p>
-            <a:pPr>
-              <a:lnSpc>
-                <a:spcPct val="80000"/>
-              </a:lnSpc>
-              <a:buFont typeface="Wingdings" panose="05000000000000000000" pitchFamily="2" charset="2"/>
-              <a:buNone/>
-            </a:pPr>
-            <a:r>
-              <a:rPr lang="en-US" altLang="zh-CN" sz="2000" b="1" dirty="0">
-                <a:solidFill>
-                  <a:schemeClr val="folHlink"/>
-                </a:solidFill>
-                <a:latin typeface="Courier New" panose="02070309020205020404" pitchFamily="49" charset="0"/>
-              </a:rPr>
-              <a:t>{</a:t>
+              <a:t>int main(){</a:t>
             </a:r>
           </a:p>
           <a:p>
@@ -20421,13 +20388,22 @@
               <a:buNone/>
             </a:pPr>
             <a:r>
+              <a:rPr lang="en-US" altLang="zh-CN" sz="2000" b="1">
+                <a:solidFill>
+                  <a:schemeClr val="folHlink"/>
+                </a:solidFill>
+                <a:latin typeface="Courier New" panose="02070309020205020404" pitchFamily="49" charset="0"/>
+              </a:rPr>
+              <a:t>	f(</a:t>
+            </a:r>
+            <a:r>
               <a:rPr lang="en-US" altLang="zh-CN" sz="2000" b="1" dirty="0">
                 <a:solidFill>
                   <a:schemeClr val="folHlink"/>
                 </a:solidFill>
                 <a:latin typeface="Courier New" panose="02070309020205020404" pitchFamily="49" charset="0"/>
               </a:rPr>
-              <a:t>	f (3, 4);</a:t>
+              <a:t>3, 4);</a:t>
             </a:r>
           </a:p>
           <a:p>
@@ -28428,7 +28404,7 @@
                 </a:solidFill>
                 <a:latin typeface="Courier New" panose="02070309020205020404" pitchFamily="49" charset="0"/>
               </a:rPr>
-              <a:t>swap (a=3, b=5);</a:t>
+              <a:t>swap(a=3, b=5);</a:t>
             </a:r>
           </a:p>
         </p:txBody>

--- a/courses/sysprog/slides/lec06-pointer.pptx
+++ b/courses/sysprog/slides/lec06-pointer.pptx
@@ -15244,7 +15244,7 @@
                 </a:solidFill>
                 <a:latin typeface="Courier New" panose="02070309020205020404" pitchFamily="49" charset="0"/>
               </a:rPr>
-              <a:t>	for (int </a:t>
+              <a:t>	for(int </a:t>
             </a:r>
             <a:r>
               <a:rPr lang="en-US" altLang="zh-CN" sz="2000" b="1" dirty="0" err="1">
@@ -15352,7 +15352,7 @@
                 </a:solidFill>
                 <a:latin typeface="Courier New" panose="02070309020205020404" pitchFamily="49" charset="0"/>
               </a:rPr>
-              <a:t> (“</a:t>
+              <a:t>(“</a:t>
             </a:r>
             <a:r>
               <a:rPr lang="en-US" altLang="zh-CN" sz="2000" b="1" dirty="0" err="1">
@@ -15505,7 +15505,7 @@
               <a:rPr lang="en-US" altLang="zh-CN" sz="2000" b="1" dirty="0">
                 <a:latin typeface="Courier New" panose="02070309020205020404" pitchFamily="49" charset="0"/>
               </a:rPr>
-              <a:t>// Compile this program, and</a:t>
+              <a:t>// Compile this program, and run it (on Linux):</a:t>
             </a:r>
           </a:p>
           <a:p>
@@ -15517,28 +15517,13 @@
               <a:buNone/>
             </a:pPr>
             <a:r>
-              <a:rPr lang="en-US" altLang="zh-CN" sz="2000" b="1" dirty="0">
-                <a:latin typeface="Courier New" panose="02070309020205020404" pitchFamily="49" charset="0"/>
-              </a:rPr>
-              <a:t>// run it (on Linux):</a:t>
-            </a:r>
-          </a:p>
-          <a:p>
-            <a:pPr>
-              <a:lnSpc>
-                <a:spcPct val="80000"/>
-              </a:lnSpc>
-              <a:buFont typeface="Wingdings" panose="05000000000000000000" pitchFamily="2" charset="2"/>
-              <a:buNone/>
-            </a:pPr>
-            <a:r>
-              <a:rPr lang="en-US" altLang="zh-CN" sz="2000" b="1" dirty="0">
-                <a:solidFill>
-                  <a:schemeClr val="folHlink"/>
-                </a:solidFill>
-                <a:latin typeface="Courier New" panose="02070309020205020404" pitchFamily="49" charset="0"/>
-              </a:rPr>
-              <a:t>$./</a:t>
+              <a:rPr lang="en-US" altLang="zh-CN" sz="2000" b="1">
+                <a:solidFill>
+                  <a:schemeClr val="folHlink"/>
+                </a:solidFill>
+                <a:latin typeface="Courier New" panose="02070309020205020404" pitchFamily="49" charset="0"/>
+              </a:rPr>
+              <a:t>$ ./</a:t>
             </a:r>
             <a:r>
               <a:rPr lang="en-US" altLang="zh-CN" sz="2000" b="1" dirty="0" err="1">

--- a/courses/sysprog/slides/lec06-pointer.pptx
+++ b/courses/sysprog/slides/lec06-pointer.pptx
@@ -16960,7 +16960,7 @@
               <a:buNone/>
             </a:pPr>
             <a:r>
-              <a:rPr lang="en-US" altLang="zh-CN" sz="2000" b="1">
+              <a:rPr lang="en-US" altLang="zh-CN" sz="2000" b="1" dirty="0">
                 <a:latin typeface="Courier New" panose="02070309020205020404" pitchFamily="49" charset="0"/>
               </a:rPr>
               <a:t>// in C’s syntax:</a:t>
@@ -16972,7 +16972,7 @@
               <a:buNone/>
             </a:pPr>
             <a:r>
-              <a:rPr lang="en-US" altLang="zh-CN" sz="2000" b="1">
+              <a:rPr lang="en-US" altLang="zh-CN" sz="2000" b="1" dirty="0">
                 <a:latin typeface="Courier New" panose="02070309020205020404" pitchFamily="49" charset="0"/>
               </a:rPr>
               <a:t>// x is declared as an integer</a:t>
@@ -16984,9 +16984,9 @@
               <a:buNone/>
             </a:pPr>
             <a:r>
-              <a:rPr lang="en-US" altLang="zh-CN" sz="2000" b="1">
-                <a:solidFill>
-                  <a:schemeClr val="folHlink"/>
+              <a:rPr lang="en-US" altLang="zh-CN" sz="2000" b="1" dirty="0">
+                <a:solidFill>
+                  <a:srgbClr val="0432FF"/>
                 </a:solidFill>
                 <a:latin typeface="Courier New" panose="02070309020205020404" pitchFamily="49" charset="0"/>
               </a:rPr>
@@ -16998,7 +16998,7 @@
               <a:buFont typeface="Wingdings" panose="05000000000000000000" pitchFamily="2" charset="2"/>
               <a:buNone/>
             </a:pPr>
-            <a:endParaRPr lang="en-US" altLang="zh-CN" sz="2000" b="1">
+            <a:endParaRPr lang="en-US" altLang="zh-CN" sz="2000" b="1" dirty="0">
               <a:solidFill>
                 <a:schemeClr val="folHlink"/>
               </a:solidFill>

--- a/courses/sysprog/slides/lec06-pointer.pptx
+++ b/courses/sysprog/slides/lec06-pointer.pptx
@@ -5240,7 +5240,7 @@
             <a:r>
               <a:rPr lang="en-US" altLang="zh-CN" sz="2000" b="1" dirty="0">
                 <a:solidFill>
-                  <a:schemeClr val="folHlink"/>
+                  <a:srgbClr val="0432FF"/>
                 </a:solidFill>
                 <a:latin typeface="Courier New" panose="02070309020205020404" pitchFamily="49" charset="0"/>
               </a:rPr>
@@ -5255,7 +5255,7 @@
             <a:r>
               <a:rPr lang="en-US" altLang="zh-CN" sz="2000" b="1" dirty="0">
                 <a:solidFill>
-                  <a:schemeClr val="folHlink"/>
+                  <a:srgbClr val="0432FF"/>
                 </a:solidFill>
                 <a:latin typeface="Courier New" panose="02070309020205020404" pitchFamily="49" charset="0"/>
               </a:rPr>
@@ -5270,7 +5270,7 @@
             <a:r>
               <a:rPr lang="en-US" altLang="zh-CN" sz="2000" b="1" dirty="0">
                 <a:solidFill>
-                  <a:schemeClr val="folHlink"/>
+                  <a:srgbClr val="0432FF"/>
                 </a:solidFill>
                 <a:latin typeface="Courier New" panose="02070309020205020404" pitchFamily="49" charset="0"/>
               </a:rPr>
@@ -5285,7 +5285,7 @@
             <a:r>
               <a:rPr lang="en-US" altLang="zh-CN" sz="2000" b="1" dirty="0">
                 <a:solidFill>
-                  <a:schemeClr val="folHlink"/>
+                  <a:srgbClr val="0432FF"/>
                 </a:solidFill>
                 <a:latin typeface="Courier New" panose="02070309020205020404" pitchFamily="49" charset="0"/>
               </a:rPr>
@@ -5300,7 +5300,7 @@
             <a:r>
               <a:rPr lang="en-US" altLang="zh-CN" sz="2000" b="1" dirty="0">
                 <a:solidFill>
-                  <a:schemeClr val="folHlink"/>
+                  <a:srgbClr val="0432FF"/>
                 </a:solidFill>
                 <a:latin typeface="Courier New" panose="02070309020205020404" pitchFamily="49" charset="0"/>
               </a:rPr>
@@ -5315,7 +5315,7 @@
             <a:r>
               <a:rPr lang="en-US" altLang="zh-CN" sz="2000" b="1" dirty="0">
                 <a:solidFill>
-                  <a:schemeClr val="folHlink"/>
+                  <a:srgbClr val="0432FF"/>
                 </a:solidFill>
                 <a:latin typeface="Courier New" panose="02070309020205020404" pitchFamily="49" charset="0"/>
               </a:rPr>
@@ -5342,7 +5342,7 @@
             <a:r>
               <a:rPr lang="en-US" altLang="zh-CN" sz="2000" b="1" dirty="0">
                 <a:solidFill>
-                  <a:schemeClr val="folHlink"/>
+                  <a:srgbClr val="0432FF"/>
                 </a:solidFill>
                 <a:latin typeface="Courier New" panose="02070309020205020404" pitchFamily="49" charset="0"/>
               </a:rPr>
@@ -5888,7 +5888,7 @@
             <a:r>
               <a:rPr lang="en-US" altLang="zh-CN" sz="2000" b="1" dirty="0">
                 <a:solidFill>
-                  <a:schemeClr val="folHlink"/>
+                  <a:srgbClr val="0432FF"/>
                 </a:solidFill>
                 <a:latin typeface="Courier New" panose="02070309020205020404" pitchFamily="49" charset="0"/>
               </a:rPr>
@@ -5903,7 +5903,7 @@
             <a:r>
               <a:rPr lang="en-US" altLang="zh-CN" sz="2000" b="1" dirty="0">
                 <a:solidFill>
-                  <a:schemeClr val="folHlink"/>
+                  <a:srgbClr val="0432FF"/>
                 </a:solidFill>
                 <a:latin typeface="Courier New" panose="02070309020205020404" pitchFamily="49" charset="0"/>
               </a:rPr>
@@ -5918,7 +5918,7 @@
             <a:r>
               <a:rPr lang="en-US" altLang="zh-CN" sz="2000" b="1" dirty="0">
                 <a:solidFill>
-                  <a:schemeClr val="folHlink"/>
+                  <a:srgbClr val="0432FF"/>
                 </a:solidFill>
                 <a:latin typeface="Courier New" panose="02070309020205020404" pitchFamily="49" charset="0"/>
               </a:rPr>
@@ -5933,7 +5933,7 @@
             <a:r>
               <a:rPr lang="en-US" altLang="zh-CN" sz="2000" b="1" dirty="0">
                 <a:solidFill>
-                  <a:schemeClr val="folHlink"/>
+                  <a:srgbClr val="0432FF"/>
                 </a:solidFill>
                 <a:latin typeface="Courier New" panose="02070309020205020404" pitchFamily="49" charset="0"/>
               </a:rPr>
@@ -5948,7 +5948,7 @@
             <a:r>
               <a:rPr lang="en-US" altLang="zh-CN" sz="2000" b="1" dirty="0">
                 <a:solidFill>
-                  <a:schemeClr val="folHlink"/>
+                  <a:srgbClr val="0432FF"/>
                 </a:solidFill>
                 <a:latin typeface="Courier New" panose="02070309020205020404" pitchFamily="49" charset="0"/>
               </a:rPr>
@@ -5963,17 +5963,11 @@
             <a:r>
               <a:rPr lang="en-US" altLang="zh-CN" sz="2000" b="1" dirty="0">
                 <a:solidFill>
-                  <a:schemeClr val="folHlink"/>
-                </a:solidFill>
-                <a:latin typeface="Courier New" panose="02070309020205020404" pitchFamily="49" charset="0"/>
-              </a:rPr>
-              <a:t>}</a:t>
-            </a:r>
-            <a:r>
-              <a:rPr lang="en-US" altLang="zh-CN" sz="2000" b="1" dirty="0">
-                <a:latin typeface="Courier New" panose="02070309020205020404" pitchFamily="49" charset="0"/>
-              </a:rPr>
-              <a:t> </a:t>
+                  <a:srgbClr val="0432FF"/>
+                </a:solidFill>
+                <a:latin typeface="Courier New" panose="02070309020205020404" pitchFamily="49" charset="0"/>
+              </a:rPr>
+              <a:t>} </a:t>
             </a:r>
           </a:p>
           <a:p>
@@ -5996,7 +5990,7 @@
             <a:r>
               <a:rPr lang="en-US" altLang="zh-CN" sz="2000" b="1" dirty="0">
                 <a:solidFill>
-                  <a:schemeClr val="folHlink"/>
+                  <a:srgbClr val="0432FF"/>
                 </a:solidFill>
                 <a:latin typeface="Courier New" panose="02070309020205020404" pitchFamily="49" charset="0"/>
               </a:rPr>
@@ -6544,7 +6538,7 @@
             <a:r>
               <a:rPr lang="en-US" altLang="zh-CN" sz="2000" b="1" dirty="0">
                 <a:solidFill>
-                  <a:schemeClr val="folHlink"/>
+                  <a:srgbClr val="0432FF"/>
                 </a:solidFill>
                 <a:latin typeface="Courier New" panose="02070309020205020404" pitchFamily="49" charset="0"/>
               </a:rPr>
@@ -6559,7 +6553,7 @@
             <a:r>
               <a:rPr lang="en-US" altLang="zh-CN" sz="2000" b="1" dirty="0">
                 <a:solidFill>
-                  <a:schemeClr val="folHlink"/>
+                  <a:srgbClr val="0432FF"/>
                 </a:solidFill>
                 <a:latin typeface="Courier New" panose="02070309020205020404" pitchFamily="49" charset="0"/>
               </a:rPr>
@@ -6574,7 +6568,7 @@
             <a:r>
               <a:rPr lang="en-US" altLang="zh-CN" sz="2000" b="1" dirty="0">
                 <a:solidFill>
-                  <a:schemeClr val="folHlink"/>
+                  <a:srgbClr val="0432FF"/>
                 </a:solidFill>
                 <a:latin typeface="Courier New" panose="02070309020205020404" pitchFamily="49" charset="0"/>
               </a:rPr>
@@ -6589,7 +6583,7 @@
             <a:r>
               <a:rPr lang="en-US" altLang="zh-CN" sz="2000" b="1" dirty="0">
                 <a:solidFill>
-                  <a:schemeClr val="folHlink"/>
+                  <a:srgbClr val="0432FF"/>
                 </a:solidFill>
                 <a:latin typeface="Courier New" panose="02070309020205020404" pitchFamily="49" charset="0"/>
               </a:rPr>
@@ -6604,7 +6598,7 @@
             <a:r>
               <a:rPr lang="en-US" altLang="zh-CN" sz="2000" b="1" dirty="0">
                 <a:solidFill>
-                  <a:schemeClr val="folHlink"/>
+                  <a:srgbClr val="0432FF"/>
                 </a:solidFill>
                 <a:latin typeface="Courier New" panose="02070309020205020404" pitchFamily="49" charset="0"/>
               </a:rPr>
@@ -6619,17 +6613,11 @@
             <a:r>
               <a:rPr lang="en-US" altLang="zh-CN" sz="2000" b="1" dirty="0">
                 <a:solidFill>
-                  <a:schemeClr val="folHlink"/>
-                </a:solidFill>
-                <a:latin typeface="Courier New" panose="02070309020205020404" pitchFamily="49" charset="0"/>
-              </a:rPr>
-              <a:t>}</a:t>
-            </a:r>
-            <a:r>
-              <a:rPr lang="en-US" altLang="zh-CN" sz="2000" b="1" dirty="0">
-                <a:latin typeface="Courier New" panose="02070309020205020404" pitchFamily="49" charset="0"/>
-              </a:rPr>
-              <a:t> </a:t>
+                  <a:srgbClr val="0432FF"/>
+                </a:solidFill>
+                <a:latin typeface="Courier New" panose="02070309020205020404" pitchFamily="49" charset="0"/>
+              </a:rPr>
+              <a:t>} </a:t>
             </a:r>
           </a:p>
           <a:p>
@@ -6652,7 +6640,7 @@
             <a:r>
               <a:rPr lang="en-US" altLang="zh-CN" sz="2000" b="1" dirty="0">
                 <a:solidFill>
-                  <a:schemeClr val="folHlink"/>
+                  <a:srgbClr val="0432FF"/>
                 </a:solidFill>
                 <a:latin typeface="Courier New" panose="02070309020205020404" pitchFamily="49" charset="0"/>
               </a:rPr>
@@ -7400,7 +7388,7 @@
             <a:r>
               <a:rPr lang="en-US" altLang="zh-CN" sz="2000" b="1" dirty="0">
                 <a:solidFill>
-                  <a:schemeClr val="folHlink"/>
+                  <a:srgbClr val="0432FF"/>
                 </a:solidFill>
                 <a:latin typeface="Courier New" panose="02070309020205020404" pitchFamily="49" charset="0"/>
               </a:rPr>
@@ -7415,7 +7403,7 @@
             <a:r>
               <a:rPr lang="en-US" altLang="zh-CN" sz="2000" b="1" dirty="0">
                 <a:solidFill>
-                  <a:schemeClr val="folHlink"/>
+                  <a:srgbClr val="0432FF"/>
                 </a:solidFill>
                 <a:latin typeface="Courier New" panose="02070309020205020404" pitchFamily="49" charset="0"/>
               </a:rPr>
@@ -7430,7 +7418,7 @@
             <a:r>
               <a:rPr lang="en-US" altLang="zh-CN" sz="2000" b="1" dirty="0">
                 <a:solidFill>
-                  <a:schemeClr val="folHlink"/>
+                  <a:srgbClr val="0432FF"/>
                 </a:solidFill>
                 <a:latin typeface="Courier New" panose="02070309020205020404" pitchFamily="49" charset="0"/>
               </a:rPr>
@@ -7445,7 +7433,7 @@
             <a:r>
               <a:rPr lang="en-US" altLang="zh-CN" sz="2000" b="1" dirty="0">
                 <a:solidFill>
-                  <a:schemeClr val="folHlink"/>
+                  <a:srgbClr val="0432FF"/>
                 </a:solidFill>
                 <a:latin typeface="Courier New" panose="02070309020205020404" pitchFamily="49" charset="0"/>
               </a:rPr>
@@ -7484,7 +7472,7 @@
             <a:r>
               <a:rPr lang="en-US" altLang="zh-CN" sz="2000" b="1" dirty="0">
                 <a:solidFill>
-                  <a:schemeClr val="folHlink"/>
+                  <a:srgbClr val="0432FF"/>
                 </a:solidFill>
                 <a:latin typeface="Courier New" panose="02070309020205020404" pitchFamily="49" charset="0"/>
               </a:rPr>
@@ -7499,7 +7487,7 @@
             <a:r>
               <a:rPr lang="en-US" altLang="zh-CN" sz="2000" b="1" dirty="0">
                 <a:solidFill>
-                  <a:schemeClr val="folHlink"/>
+                  <a:srgbClr val="0432FF"/>
                 </a:solidFill>
                 <a:latin typeface="Courier New" panose="02070309020205020404" pitchFamily="49" charset="0"/>
               </a:rPr>
@@ -7515,7 +7503,7 @@
               <a:rPr lang="en-US" altLang="zh-CN" sz="2000" b="1" dirty="0">
                 <a:latin typeface="Courier New" panose="02070309020205020404" pitchFamily="49" charset="0"/>
               </a:rPr>
-              <a:t>// everywhere in system code</a:t>
+              <a:t>// ubiquitous in system code</a:t>
             </a:r>
           </a:p>
         </p:txBody>
@@ -7599,9 +7587,9 @@
               <a:buNone/>
             </a:pPr>
             <a:r>
-              <a:rPr lang="en-US" altLang="zh-CN" sz="2000" b="1">
-                <a:solidFill>
-                  <a:schemeClr val="folHlink"/>
+              <a:rPr lang="en-US" altLang="zh-CN" sz="2000" b="1" dirty="0">
+                <a:solidFill>
+                  <a:srgbClr val="0432FF"/>
                 </a:solidFill>
                 <a:latin typeface="Courier New" panose="02070309020205020404" pitchFamily="49" charset="0"/>
               </a:rPr>
@@ -7614,9 +7602,9 @@
               <a:buNone/>
             </a:pPr>
             <a:r>
-              <a:rPr lang="en-US" altLang="zh-CN" sz="2000" b="1">
-                <a:solidFill>
-                  <a:schemeClr val="folHlink"/>
+              <a:rPr lang="en-US" altLang="zh-CN" sz="2000" b="1" dirty="0">
+                <a:solidFill>
+                  <a:srgbClr val="0432FF"/>
                 </a:solidFill>
                 <a:latin typeface="Courier New" panose="02070309020205020404" pitchFamily="49" charset="0"/>
               </a:rPr>
@@ -7628,9 +7616,9 @@
               <a:buFont typeface="Wingdings" panose="05000000000000000000" pitchFamily="2" charset="2"/>
               <a:buNone/>
             </a:pPr>
-            <a:endParaRPr lang="en-US" altLang="zh-CN" sz="2000" b="1">
+            <a:endParaRPr lang="en-US" altLang="zh-CN" sz="2000" b="1" dirty="0">
               <a:solidFill>
-                <a:schemeClr val="folHlink"/>
+                <a:srgbClr val="0432FF"/>
               </a:solidFill>
               <a:latin typeface="Courier New" panose="02070309020205020404" pitchFamily="49" charset="0"/>
             </a:endParaRPr>
@@ -7641,9 +7629,9 @@
               <a:buNone/>
             </a:pPr>
             <a:r>
-              <a:rPr lang="en-US" altLang="zh-CN" sz="2000" b="1">
-                <a:solidFill>
-                  <a:schemeClr val="folHlink"/>
+              <a:rPr lang="en-US" altLang="zh-CN" sz="2000" b="1" dirty="0">
+                <a:solidFill>
+                  <a:srgbClr val="0432FF"/>
                 </a:solidFill>
                 <a:latin typeface="Courier New" panose="02070309020205020404" pitchFamily="49" charset="0"/>
               </a:rPr>
@@ -8580,9 +8568,9 @@
               <a:buNone/>
             </a:pPr>
             <a:r>
-              <a:rPr lang="en-US" altLang="zh-CN" sz="2000" b="1">
-                <a:solidFill>
-                  <a:schemeClr val="folHlink"/>
+              <a:rPr lang="en-US" altLang="zh-CN" sz="2000" b="1" dirty="0">
+                <a:solidFill>
+                  <a:srgbClr val="0432FF"/>
                 </a:solidFill>
                 <a:latin typeface="Courier New" panose="02070309020205020404" pitchFamily="49" charset="0"/>
               </a:rPr>
@@ -8595,9 +8583,9 @@
               <a:buNone/>
             </a:pPr>
             <a:r>
-              <a:rPr lang="en-US" altLang="zh-CN" sz="2000" b="1">
-                <a:solidFill>
-                  <a:schemeClr val="folHlink"/>
+              <a:rPr lang="en-US" altLang="zh-CN" sz="2000" b="1" dirty="0">
+                <a:solidFill>
+                  <a:srgbClr val="0432FF"/>
                 </a:solidFill>
                 <a:latin typeface="Courier New" panose="02070309020205020404" pitchFamily="49" charset="0"/>
               </a:rPr>
@@ -8609,9 +8597,9 @@
               <a:buFont typeface="Wingdings" panose="05000000000000000000" pitchFamily="2" charset="2"/>
               <a:buNone/>
             </a:pPr>
-            <a:endParaRPr lang="en-US" altLang="zh-CN" sz="2000" b="1">
+            <a:endParaRPr lang="en-US" altLang="zh-CN" sz="2000" b="1" dirty="0">
               <a:solidFill>
-                <a:schemeClr val="folHlink"/>
+                <a:srgbClr val="0432FF"/>
               </a:solidFill>
               <a:latin typeface="Courier New" panose="02070309020205020404" pitchFamily="49" charset="0"/>
             </a:endParaRPr>
@@ -8622,9 +8610,9 @@
               <a:buNone/>
             </a:pPr>
             <a:r>
-              <a:rPr lang="en-US" altLang="zh-CN" sz="2000" b="1">
-                <a:solidFill>
-                  <a:schemeClr val="folHlink"/>
+              <a:rPr lang="en-US" altLang="zh-CN" sz="2000" b="1" dirty="0">
+                <a:solidFill>
+                  <a:srgbClr val="0432FF"/>
                 </a:solidFill>
                 <a:latin typeface="Courier New" panose="02070309020205020404" pitchFamily="49" charset="0"/>
               </a:rPr>
@@ -8637,7 +8625,7 @@
               <a:buNone/>
             </a:pPr>
             <a:r>
-              <a:rPr lang="en-US" altLang="zh-CN" sz="2000" b="1">
+              <a:rPr lang="en-US" altLang="zh-CN" sz="2000" b="1" dirty="0">
                 <a:latin typeface="Courier New" panose="02070309020205020404" pitchFamily="49" charset="0"/>
               </a:rPr>
               <a:t>// the assignments</a:t>
@@ -8649,9 +8637,9 @@
               <a:buNone/>
             </a:pPr>
             <a:r>
-              <a:rPr lang="en-US" altLang="zh-CN" sz="2000" b="1">
-                <a:solidFill>
-                  <a:schemeClr val="folHlink"/>
+              <a:rPr lang="en-US" altLang="zh-CN" sz="2000" b="1" dirty="0">
+                <a:solidFill>
+                  <a:srgbClr val="0432FF"/>
                 </a:solidFill>
                 <a:latin typeface="Courier New" panose="02070309020205020404" pitchFamily="49" charset="0"/>
               </a:rPr>
@@ -8664,7 +8652,7 @@
               <a:buNone/>
             </a:pPr>
             <a:r>
-              <a:rPr lang="en-US" altLang="zh-CN" sz="2000" b="1">
+              <a:rPr lang="en-US" altLang="zh-CN" sz="2000" b="1" dirty="0">
                 <a:latin typeface="Courier New" panose="02070309020205020404" pitchFamily="49" charset="0"/>
               </a:rPr>
               <a:t>// and</a:t>
@@ -8676,9 +8664,9 @@
               <a:buNone/>
             </a:pPr>
             <a:r>
-              <a:rPr lang="en-US" altLang="zh-CN" sz="2000" b="1">
-                <a:solidFill>
-                  <a:schemeClr val="folHlink"/>
+              <a:rPr lang="en-US" altLang="zh-CN" sz="2000" b="1" dirty="0">
+                <a:solidFill>
+                  <a:srgbClr val="0432FF"/>
                 </a:solidFill>
                 <a:latin typeface="Courier New" panose="02070309020205020404" pitchFamily="49" charset="0"/>
               </a:rPr>
@@ -8691,18 +8679,18 @@
               <a:buNone/>
             </a:pPr>
             <a:r>
-              <a:rPr lang="en-US" altLang="zh-CN" sz="2000" b="1">
-                <a:latin typeface="Courier New" panose="02070309020205020404" pitchFamily="49" charset="0"/>
-              </a:rPr>
-              <a:t>// take the same effect</a:t>
-            </a:r>
-          </a:p>
-          <a:p>
-            <a:pPr>
-              <a:buFont typeface="Wingdings" panose="05000000000000000000" pitchFamily="2" charset="2"/>
-              <a:buNone/>
-            </a:pPr>
-            <a:endParaRPr lang="en-US" altLang="zh-CN" sz="2000" b="1">
+              <a:rPr lang="en-US" altLang="zh-CN" sz="2000" b="1" dirty="0">
+                <a:latin typeface="Courier New" panose="02070309020205020404" pitchFamily="49" charset="0"/>
+              </a:rPr>
+              <a:t>// takes the same effect</a:t>
+            </a:r>
+          </a:p>
+          <a:p>
+            <a:pPr>
+              <a:buFont typeface="Wingdings" panose="05000000000000000000" pitchFamily="2" charset="2"/>
+              <a:buNone/>
+            </a:pPr>
+            <a:endParaRPr lang="en-US" altLang="zh-CN" sz="2000" b="1" dirty="0">
               <a:latin typeface="Courier New" panose="02070309020205020404" pitchFamily="49" charset="0"/>
             </a:endParaRPr>
           </a:p>
@@ -9636,9 +9624,9 @@
               <a:buNone/>
             </a:pPr>
             <a:r>
-              <a:rPr lang="en-US" altLang="zh-CN" sz="2000" b="1">
-                <a:solidFill>
-                  <a:schemeClr val="folHlink"/>
+              <a:rPr lang="en-US" altLang="zh-CN" sz="2000" b="1" dirty="0">
+                <a:solidFill>
+                  <a:srgbClr val="0432FF"/>
                 </a:solidFill>
                 <a:latin typeface="Courier New" panose="02070309020205020404" pitchFamily="49" charset="0"/>
               </a:rPr>
@@ -9651,9 +9639,9 @@
               <a:buNone/>
             </a:pPr>
             <a:r>
-              <a:rPr lang="en-US" altLang="zh-CN" sz="2000" b="1">
-                <a:solidFill>
-                  <a:schemeClr val="folHlink"/>
+              <a:rPr lang="en-US" altLang="zh-CN" sz="2000" b="1" dirty="0">
+                <a:solidFill>
+                  <a:srgbClr val="0432FF"/>
                 </a:solidFill>
                 <a:latin typeface="Courier New" panose="02070309020205020404" pitchFamily="49" charset="0"/>
               </a:rPr>
@@ -9665,9 +9653,9 @@
               <a:buFont typeface="Wingdings" panose="05000000000000000000" pitchFamily="2" charset="2"/>
               <a:buNone/>
             </a:pPr>
-            <a:endParaRPr lang="en-US" altLang="zh-CN" sz="2000" b="1">
+            <a:endParaRPr lang="en-US" altLang="zh-CN" sz="2000" b="1" dirty="0">
               <a:solidFill>
-                <a:schemeClr val="folHlink"/>
+                <a:srgbClr val="0432FF"/>
               </a:solidFill>
               <a:latin typeface="Courier New" panose="02070309020205020404" pitchFamily="49" charset="0"/>
             </a:endParaRPr>
@@ -9678,9 +9666,9 @@
               <a:buNone/>
             </a:pPr>
             <a:r>
-              <a:rPr lang="en-US" altLang="zh-CN" sz="2000" b="1">
-                <a:solidFill>
-                  <a:schemeClr val="folHlink"/>
+              <a:rPr lang="en-US" altLang="zh-CN" sz="2000" b="1" dirty="0">
+                <a:solidFill>
+                  <a:srgbClr val="0432FF"/>
                 </a:solidFill>
                 <a:latin typeface="Courier New" panose="02070309020205020404" pitchFamily="49" charset="0"/>
               </a:rPr>
@@ -9693,7 +9681,7 @@
               <a:buNone/>
             </a:pPr>
             <a:r>
-              <a:rPr lang="en-US" altLang="zh-CN" sz="2000" b="1">
+              <a:rPr lang="en-US" altLang="zh-CN" sz="2000" b="1" dirty="0">
                 <a:latin typeface="Courier New" panose="02070309020205020404" pitchFamily="49" charset="0"/>
               </a:rPr>
               <a:t>// we could also do arithmetic</a:t>
@@ -9705,7 +9693,7 @@
               <a:buNone/>
             </a:pPr>
             <a:r>
-              <a:rPr lang="en-US" altLang="zh-CN" sz="2000" b="1">
+              <a:rPr lang="en-US" altLang="zh-CN" sz="2000" b="1" dirty="0">
                 <a:latin typeface="Courier New" panose="02070309020205020404" pitchFamily="49" charset="0"/>
               </a:rPr>
               <a:t>// operations on pointers, as in:</a:t>
@@ -9717,9 +9705,9 @@
               <a:buNone/>
             </a:pPr>
             <a:r>
-              <a:rPr lang="en-US" altLang="zh-CN" sz="2000" b="1">
-                <a:solidFill>
-                  <a:schemeClr val="folHlink"/>
+              <a:rPr lang="en-US" altLang="zh-CN" sz="2000" b="1" dirty="0">
+                <a:solidFill>
+                  <a:srgbClr val="0432FF"/>
                 </a:solidFill>
                 <a:latin typeface="Courier New" panose="02070309020205020404" pitchFamily="49" charset="0"/>
               </a:rPr>
@@ -9732,7 +9720,7 @@
               <a:buNone/>
             </a:pPr>
             <a:r>
-              <a:rPr lang="en-US" altLang="zh-CN" sz="2000" b="1">
+              <a:rPr lang="en-US" altLang="zh-CN" sz="2000" b="1" dirty="0">
                 <a:latin typeface="Courier New" panose="02070309020205020404" pitchFamily="49" charset="0"/>
               </a:rPr>
               <a:t>// recall that the compiler automatically moves</a:t>
@@ -9744,7 +9732,7 @@
               <a:buNone/>
             </a:pPr>
             <a:r>
-              <a:rPr lang="en-US" altLang="zh-CN" sz="2000" b="1">
+              <a:rPr lang="en-US" altLang="zh-CN" sz="2000" b="1" dirty="0">
                 <a:latin typeface="Courier New" panose="02070309020205020404" pitchFamily="49" charset="0"/>
               </a:rPr>
               <a:t>// the pointer p to an appropriate location. </a:t>
@@ -9755,7 +9743,7 @@
               <a:buFont typeface="Wingdings" panose="05000000000000000000" pitchFamily="2" charset="2"/>
               <a:buNone/>
             </a:pPr>
-            <a:endParaRPr lang="en-US" altLang="zh-CN" sz="2000" b="1">
+            <a:endParaRPr lang="en-US" altLang="zh-CN" sz="2000" b="1" dirty="0">
               <a:latin typeface="Courier New" panose="02070309020205020404" pitchFamily="49" charset="0"/>
             </a:endParaRPr>
           </a:p>
@@ -10689,9 +10677,9 @@
               <a:buNone/>
             </a:pPr>
             <a:r>
-              <a:rPr lang="en-US" altLang="zh-CN" sz="2000" b="1">
-                <a:solidFill>
-                  <a:schemeClr val="folHlink"/>
+              <a:rPr lang="en-US" altLang="zh-CN" sz="2000" b="1" dirty="0">
+                <a:solidFill>
+                  <a:srgbClr val="0432FF"/>
                 </a:solidFill>
                 <a:latin typeface="Courier New" panose="02070309020205020404" pitchFamily="49" charset="0"/>
               </a:rPr>
@@ -10704,9 +10692,9 @@
               <a:buNone/>
             </a:pPr>
             <a:r>
-              <a:rPr lang="en-US" altLang="zh-CN" sz="2000" b="1">
-                <a:solidFill>
-                  <a:schemeClr val="folHlink"/>
+              <a:rPr lang="en-US" altLang="zh-CN" sz="2000" b="1" dirty="0">
+                <a:solidFill>
+                  <a:srgbClr val="0432FF"/>
                 </a:solidFill>
                 <a:latin typeface="Courier New" panose="02070309020205020404" pitchFamily="49" charset="0"/>
               </a:rPr>
@@ -10718,9 +10706,9 @@
               <a:buFont typeface="Wingdings" panose="05000000000000000000" pitchFamily="2" charset="2"/>
               <a:buNone/>
             </a:pPr>
-            <a:endParaRPr lang="en-US" altLang="zh-CN" sz="2000" b="1">
+            <a:endParaRPr lang="en-US" altLang="zh-CN" sz="2000" b="1" dirty="0">
               <a:solidFill>
-                <a:schemeClr val="folHlink"/>
+                <a:srgbClr val="0432FF"/>
               </a:solidFill>
               <a:latin typeface="Courier New" panose="02070309020205020404" pitchFamily="49" charset="0"/>
             </a:endParaRPr>
@@ -10731,9 +10719,9 @@
               <a:buNone/>
             </a:pPr>
             <a:r>
-              <a:rPr lang="en-US" altLang="zh-CN" sz="2000" b="1">
-                <a:solidFill>
-                  <a:schemeClr val="folHlink"/>
+              <a:rPr lang="en-US" altLang="zh-CN" sz="2000" b="1" dirty="0">
+                <a:solidFill>
+                  <a:srgbClr val="0432FF"/>
                 </a:solidFill>
                 <a:latin typeface="Courier New" panose="02070309020205020404" pitchFamily="49" charset="0"/>
               </a:rPr>
@@ -10746,7 +10734,7 @@
               <a:buNone/>
             </a:pPr>
             <a:r>
-              <a:rPr lang="en-US" altLang="zh-CN" sz="2000" b="1">
+              <a:rPr lang="en-US" altLang="zh-CN" sz="2000" b="1" dirty="0">
                 <a:latin typeface="Courier New" panose="02070309020205020404" pitchFamily="49" charset="0"/>
               </a:rPr>
               <a:t>// By definition, the value of an</a:t>
@@ -10758,7 +10746,7 @@
               <a:buNone/>
             </a:pPr>
             <a:r>
-              <a:rPr lang="en-US" altLang="zh-CN" sz="2000" b="1">
+              <a:rPr lang="en-US" altLang="zh-CN" sz="2000" b="1" dirty="0">
                 <a:latin typeface="Courier New" panose="02070309020205020404" pitchFamily="49" charset="0"/>
               </a:rPr>
               <a:t>// array variable a equals the address</a:t>
@@ -10770,7 +10758,7 @@
               <a:buNone/>
             </a:pPr>
             <a:r>
-              <a:rPr lang="en-US" altLang="zh-CN" sz="2000" b="1">
+              <a:rPr lang="en-US" altLang="zh-CN" sz="2000" b="1" dirty="0">
                 <a:latin typeface="Courier New" panose="02070309020205020404" pitchFamily="49" charset="0"/>
               </a:rPr>
               <a:t>// of a’s first element. So the above</a:t>
@@ -10782,7 +10770,7 @@
               <a:buNone/>
             </a:pPr>
             <a:r>
-              <a:rPr lang="en-US" altLang="zh-CN" sz="2000" b="1">
+              <a:rPr lang="en-US" altLang="zh-CN" sz="2000" b="1" dirty="0">
                 <a:latin typeface="Courier New" panose="02070309020205020404" pitchFamily="49" charset="0"/>
               </a:rPr>
               <a:t>// code is equivalent to:</a:t>
@@ -10794,9 +10782,9 @@
               <a:buNone/>
             </a:pPr>
             <a:r>
-              <a:rPr lang="en-US" altLang="zh-CN" sz="2000" b="1">
-                <a:solidFill>
-                  <a:schemeClr val="folHlink"/>
+              <a:rPr lang="en-US" altLang="zh-CN" sz="2000" b="1" dirty="0">
+                <a:solidFill>
+                  <a:srgbClr val="0432FF"/>
                 </a:solidFill>
                 <a:latin typeface="Courier New" panose="02070309020205020404" pitchFamily="49" charset="0"/>
               </a:rPr>
@@ -10809,7 +10797,7 @@
               <a:buNone/>
             </a:pPr>
             <a:r>
-              <a:rPr lang="en-US" altLang="zh-CN" sz="2000" b="1">
+              <a:rPr lang="en-US" altLang="zh-CN" sz="2000" b="1" dirty="0">
                 <a:latin typeface="Courier New" panose="02070309020205020404" pitchFamily="49" charset="0"/>
               </a:rPr>
               <a:t>// However, a is not changeable, this is illegal:</a:t>
@@ -10821,9 +10809,9 @@
               <a:buNone/>
             </a:pPr>
             <a:r>
-              <a:rPr lang="en-US" altLang="zh-CN" sz="2000" b="1">
-                <a:solidFill>
-                  <a:schemeClr val="folHlink"/>
+              <a:rPr lang="en-US" altLang="zh-CN" sz="2000" b="1" dirty="0">
+                <a:solidFill>
+                  <a:srgbClr val="0432FF"/>
                 </a:solidFill>
                 <a:latin typeface="Courier New" panose="02070309020205020404" pitchFamily="49" charset="0"/>
               </a:rPr>
@@ -11786,7 +11774,7 @@
             <a:r>
               <a:rPr lang="en-US" altLang="zh-CN" sz="2000" b="1" dirty="0">
                 <a:solidFill>
-                  <a:schemeClr val="folHlink"/>
+                  <a:srgbClr val="0432FF"/>
                 </a:solidFill>
                 <a:latin typeface="Courier New" panose="02070309020205020404" pitchFamily="49" charset="0"/>
               </a:rPr>
@@ -11801,7 +11789,7 @@
             <a:r>
               <a:rPr lang="en-US" altLang="zh-CN" sz="2000" b="1" dirty="0">
                 <a:solidFill>
-                  <a:schemeClr val="folHlink"/>
+                  <a:srgbClr val="0432FF"/>
                 </a:solidFill>
                 <a:latin typeface="Courier New" panose="02070309020205020404" pitchFamily="49" charset="0"/>
               </a:rPr>
@@ -11816,7 +11804,7 @@
             <a:r>
               <a:rPr lang="en-US" altLang="zh-CN" sz="2000" b="1" dirty="0">
                 <a:solidFill>
-                  <a:schemeClr val="folHlink"/>
+                  <a:srgbClr val="0432FF"/>
                 </a:solidFill>
                 <a:latin typeface="Courier New" panose="02070309020205020404" pitchFamily="49" charset="0"/>
               </a:rPr>
@@ -11843,7 +11831,7 @@
             <a:r>
               <a:rPr lang="en-US" altLang="zh-CN" sz="2000" b="1" dirty="0">
                 <a:solidFill>
-                  <a:schemeClr val="folHlink"/>
+                  <a:srgbClr val="0432FF"/>
                 </a:solidFill>
                 <a:latin typeface="Courier New" panose="02070309020205020404" pitchFamily="49" charset="0"/>
               </a:rPr>
@@ -11858,7 +11846,7 @@
             <a:r>
               <a:rPr lang="en-US" altLang="zh-CN" sz="2000" b="1" dirty="0">
                 <a:solidFill>
-                  <a:schemeClr val="folHlink"/>
+                  <a:srgbClr val="0432FF"/>
                 </a:solidFill>
                 <a:latin typeface="Courier New" panose="02070309020205020404" pitchFamily="49" charset="0"/>
               </a:rPr>
@@ -11873,15 +11861,12 @@
             <a:r>
               <a:rPr lang="en-US" altLang="zh-CN" sz="2000" b="1" dirty="0">
                 <a:solidFill>
-                  <a:schemeClr val="folHlink"/>
+                  <a:srgbClr val="0432FF"/>
                 </a:solidFill>
                 <a:latin typeface="Courier New" panose="02070309020205020404" pitchFamily="49" charset="0"/>
               </a:rPr>
               <a:t>}</a:t>
             </a:r>
-            <a:endParaRPr lang="en-US" altLang="zh-CN" sz="2000" b="1" dirty="0">
-              <a:latin typeface="Courier New" panose="02070309020205020404" pitchFamily="49" charset="0"/>
-            </a:endParaRPr>
           </a:p>
         </p:txBody>
       </p:sp>
@@ -12853,7 +12838,7 @@
               <a:buNone/>
             </a:pPr>
             <a:r>
-              <a:rPr lang="en-US" altLang="zh-CN" sz="2000" b="1">
+              <a:rPr lang="en-US" altLang="zh-CN" sz="2000" b="1" dirty="0">
                 <a:latin typeface="Courier New" panose="02070309020205020404" pitchFamily="49" charset="0"/>
               </a:rPr>
               <a:t>// More forms of address arithmetic:</a:t>
@@ -12868,9 +12853,9 @@
               <a:buNone/>
             </a:pPr>
             <a:r>
-              <a:rPr lang="en-US" altLang="zh-CN" sz="2000" b="1">
-                <a:solidFill>
-                  <a:schemeClr val="folHlink"/>
+              <a:rPr lang="en-US" altLang="zh-CN" sz="2000" b="1" dirty="0">
+                <a:solidFill>
+                  <a:srgbClr val="0432FF"/>
                 </a:solidFill>
                 <a:latin typeface="Courier New" panose="02070309020205020404" pitchFamily="49" charset="0"/>
               </a:rPr>
@@ -12886,13 +12871,31 @@
               <a:buNone/>
             </a:pPr>
             <a:r>
-              <a:rPr lang="en-US" altLang="zh-CN" sz="2000" b="1">
-                <a:solidFill>
-                  <a:schemeClr val="folHlink"/>
-                </a:solidFill>
-                <a:latin typeface="Courier New" panose="02070309020205020404" pitchFamily="49" charset="0"/>
-              </a:rPr>
-              <a:t>int i;</a:t>
+              <a:rPr lang="en-US" altLang="zh-CN" sz="2000" b="1" dirty="0">
+                <a:solidFill>
+                  <a:srgbClr val="0432FF"/>
+                </a:solidFill>
+                <a:latin typeface="Courier New" panose="02070309020205020404" pitchFamily="49" charset="0"/>
+              </a:rPr>
+              <a:t>int </a:t>
+            </a:r>
+            <a:r>
+              <a:rPr lang="en-US" altLang="zh-CN" sz="2000" b="1" dirty="0" err="1">
+                <a:solidFill>
+                  <a:srgbClr val="0432FF"/>
+                </a:solidFill>
+                <a:latin typeface="Courier New" panose="02070309020205020404" pitchFamily="49" charset="0"/>
+              </a:rPr>
+              <a:t>i</a:t>
+            </a:r>
+            <a:r>
+              <a:rPr lang="en-US" altLang="zh-CN" sz="2000" b="1" dirty="0">
+                <a:solidFill>
+                  <a:srgbClr val="0432FF"/>
+                </a:solidFill>
+                <a:latin typeface="Courier New" panose="02070309020205020404" pitchFamily="49" charset="0"/>
+              </a:rPr>
+              <a:t>;</a:t>
             </a:r>
           </a:p>
           <a:p>
@@ -12904,10 +12907,10 @@
               <a:buNone/>
             </a:pPr>
             <a:r>
-              <a:rPr lang="en-US" altLang="zh-CN" sz="2000" b="1">
-                <a:latin typeface="Courier New" panose="02070309020205020404" pitchFamily="49" charset="0"/>
-              </a:rPr>
-              <a:t>// increment:</a:t>
+              <a:rPr lang="en-US" altLang="zh-CN" sz="2000" b="1" dirty="0">
+                <a:latin typeface="Courier New" panose="02070309020205020404" pitchFamily="49" charset="0"/>
+              </a:rPr>
+              <a:t>// addition:</a:t>
             </a:r>
           </a:p>
           <a:p>
@@ -12919,13 +12922,31 @@
               <a:buNone/>
             </a:pPr>
             <a:r>
-              <a:rPr lang="en-US" altLang="zh-CN" sz="2000" b="1">
-                <a:solidFill>
-                  <a:schemeClr val="folHlink"/>
-                </a:solidFill>
-                <a:latin typeface="Courier New" panose="02070309020205020404" pitchFamily="49" charset="0"/>
-              </a:rPr>
-              <a:t>p + i;</a:t>
+              <a:rPr lang="en-US" altLang="zh-CN" sz="2000" b="1" dirty="0">
+                <a:solidFill>
+                  <a:srgbClr val="0432FF"/>
+                </a:solidFill>
+                <a:latin typeface="Courier New" panose="02070309020205020404" pitchFamily="49" charset="0"/>
+              </a:rPr>
+              <a:t>p + </a:t>
+            </a:r>
+            <a:r>
+              <a:rPr lang="en-US" altLang="zh-CN" sz="2000" b="1" dirty="0" err="1">
+                <a:solidFill>
+                  <a:srgbClr val="0432FF"/>
+                </a:solidFill>
+                <a:latin typeface="Courier New" panose="02070309020205020404" pitchFamily="49" charset="0"/>
+              </a:rPr>
+              <a:t>i</a:t>
+            </a:r>
+            <a:r>
+              <a:rPr lang="en-US" altLang="zh-CN" sz="2000" b="1" dirty="0">
+                <a:solidFill>
+                  <a:srgbClr val="0432FF"/>
+                </a:solidFill>
+                <a:latin typeface="Courier New" panose="02070309020205020404" pitchFamily="49" charset="0"/>
+              </a:rPr>
+              <a:t>;</a:t>
             </a:r>
           </a:p>
           <a:p>
@@ -12937,10 +12958,10 @@
               <a:buNone/>
             </a:pPr>
             <a:r>
-              <a:rPr lang="en-US" altLang="zh-CN" sz="2000" b="1">
-                <a:latin typeface="Courier New" panose="02070309020205020404" pitchFamily="49" charset="0"/>
-              </a:rPr>
-              <a:t>// decrement:</a:t>
+              <a:rPr lang="en-US" altLang="zh-CN" sz="2000" b="1" dirty="0">
+                <a:latin typeface="Courier New" panose="02070309020205020404" pitchFamily="49" charset="0"/>
+              </a:rPr>
+              <a:t>// subtraction:</a:t>
             </a:r>
           </a:p>
           <a:p>
@@ -12952,13 +12973,31 @@
               <a:buNone/>
             </a:pPr>
             <a:r>
-              <a:rPr lang="en-US" altLang="zh-CN" sz="2000" b="1">
-                <a:solidFill>
-                  <a:schemeClr val="folHlink"/>
-                </a:solidFill>
-                <a:latin typeface="Courier New" panose="02070309020205020404" pitchFamily="49" charset="0"/>
-              </a:rPr>
-              <a:t>p – i;</a:t>
+              <a:rPr lang="en-US" altLang="zh-CN" sz="2000" b="1" dirty="0">
+                <a:solidFill>
+                  <a:srgbClr val="0432FF"/>
+                </a:solidFill>
+                <a:latin typeface="Courier New" panose="02070309020205020404" pitchFamily="49" charset="0"/>
+              </a:rPr>
+              <a:t>p – </a:t>
+            </a:r>
+            <a:r>
+              <a:rPr lang="en-US" altLang="zh-CN" sz="2000" b="1" dirty="0" err="1">
+                <a:solidFill>
+                  <a:srgbClr val="0432FF"/>
+                </a:solidFill>
+                <a:latin typeface="Courier New" panose="02070309020205020404" pitchFamily="49" charset="0"/>
+              </a:rPr>
+              <a:t>i</a:t>
+            </a:r>
+            <a:r>
+              <a:rPr lang="en-US" altLang="zh-CN" sz="2000" b="1" dirty="0">
+                <a:solidFill>
+                  <a:srgbClr val="0432FF"/>
+                </a:solidFill>
+                <a:latin typeface="Courier New" panose="02070309020205020404" pitchFamily="49" charset="0"/>
+              </a:rPr>
+              <a:t>;</a:t>
             </a:r>
           </a:p>
           <a:p>
@@ -12970,10 +13009,34 @@
               <a:buNone/>
             </a:pPr>
             <a:r>
-              <a:rPr lang="en-US" altLang="zh-CN" sz="2000" b="1">
-                <a:latin typeface="Courier New" panose="02070309020205020404" pitchFamily="49" charset="0"/>
-              </a:rPr>
-              <a:t>// substraction</a:t>
+              <a:rPr lang="en-US" altLang="zh-CN" sz="2000" b="1" dirty="0">
+                <a:latin typeface="Courier New" panose="02070309020205020404" pitchFamily="49" charset="0"/>
+              </a:rPr>
+              <a:t>// subtraction</a:t>
+            </a:r>
+            <a:r>
+              <a:rPr lang="zh-CN" altLang="en-US" sz="2000" b="1" dirty="0">
+                <a:latin typeface="Courier New" panose="02070309020205020404" pitchFamily="49" charset="0"/>
+              </a:rPr>
+              <a:t> </a:t>
+            </a:r>
+            <a:r>
+              <a:rPr lang="en-US" altLang="zh-CN" sz="2000" b="1" dirty="0">
+                <a:latin typeface="Courier New" panose="02070309020205020404" pitchFamily="49" charset="0"/>
+              </a:rPr>
+              <a:t>between</a:t>
+            </a:r>
+            <a:r>
+              <a:rPr lang="zh-CN" altLang="en-US" sz="2000" b="1" dirty="0">
+                <a:latin typeface="Courier New" panose="02070309020205020404" pitchFamily="49" charset="0"/>
+              </a:rPr>
+              <a:t> </a:t>
+            </a:r>
+            <a:r>
+              <a:rPr lang="en-US" altLang="zh-CN" sz="2000" b="1" dirty="0">
+                <a:latin typeface="Courier New" panose="02070309020205020404" pitchFamily="49" charset="0"/>
+              </a:rPr>
+              <a:t>pointers:</a:t>
             </a:r>
           </a:p>
           <a:p>
@@ -12985,9 +13048,9 @@
               <a:buNone/>
             </a:pPr>
             <a:r>
-              <a:rPr lang="en-US" altLang="zh-CN" sz="2000" b="1">
-                <a:solidFill>
-                  <a:schemeClr val="folHlink"/>
+              <a:rPr lang="en-US" altLang="zh-CN" sz="2000" b="1" dirty="0">
+                <a:solidFill>
+                  <a:srgbClr val="0432FF"/>
                 </a:solidFill>
                 <a:latin typeface="Courier New" panose="02070309020205020404" pitchFamily="49" charset="0"/>
               </a:rPr>
@@ -13003,9 +13066,9 @@
               <a:buNone/>
             </a:pPr>
             <a:r>
-              <a:rPr lang="en-US" altLang="zh-CN" sz="2000" b="1">
-                <a:solidFill>
-                  <a:schemeClr val="folHlink"/>
+              <a:rPr lang="en-US" altLang="zh-CN" sz="2000" b="1" dirty="0">
+                <a:solidFill>
+                  <a:srgbClr val="0432FF"/>
                 </a:solidFill>
                 <a:latin typeface="Courier New" panose="02070309020205020404" pitchFamily="49" charset="0"/>
               </a:rPr>
@@ -13021,7 +13084,7 @@
               <a:buNone/>
             </a:pPr>
             <a:r>
-              <a:rPr lang="en-US" altLang="zh-CN" sz="2000" b="1">
+              <a:rPr lang="en-US" altLang="zh-CN" sz="2000" b="1" dirty="0">
                 <a:latin typeface="Courier New" panose="02070309020205020404" pitchFamily="49" charset="0"/>
               </a:rPr>
               <a:t>// or:</a:t>
@@ -13036,9 +13099,9 @@
               <a:buNone/>
             </a:pPr>
             <a:r>
-              <a:rPr lang="en-US" altLang="zh-CN" sz="2000" b="1">
-                <a:solidFill>
-                  <a:schemeClr val="folHlink"/>
+              <a:rPr lang="en-US" altLang="zh-CN" sz="2000" b="1" dirty="0">
+                <a:solidFill>
+                  <a:srgbClr val="0432FF"/>
                 </a:solidFill>
                 <a:latin typeface="Courier New" panose="02070309020205020404" pitchFamily="49" charset="0"/>
               </a:rPr>
@@ -13191,7 +13254,7 @@
             <a:r>
               <a:rPr lang="en-US" altLang="zh-CN" sz="2000" b="1" dirty="0">
                 <a:solidFill>
-                  <a:schemeClr val="folHlink"/>
+                  <a:srgbClr val="0432FF"/>
                 </a:solidFill>
                 <a:latin typeface="Courier New" panose="02070309020205020404" pitchFamily="49" charset="0"/>
               </a:rPr>
@@ -13266,7 +13329,7 @@
             <a:r>
               <a:rPr lang="en-US" altLang="zh-CN" sz="2000" b="1" dirty="0" err="1">
                 <a:solidFill>
-                  <a:schemeClr val="folHlink"/>
+                  <a:srgbClr val="0432FF"/>
                 </a:solidFill>
                 <a:latin typeface="Courier New" panose="02070309020205020404" pitchFamily="49" charset="0"/>
               </a:rPr>
@@ -13275,7 +13338,7 @@
             <a:r>
               <a:rPr lang="en-US" altLang="zh-CN" sz="2000" b="1" dirty="0">
                 <a:solidFill>
-                  <a:schemeClr val="folHlink"/>
+                  <a:srgbClr val="0432FF"/>
                 </a:solidFill>
                 <a:latin typeface="Courier New" panose="02070309020205020404" pitchFamily="49" charset="0"/>
               </a:rPr>
@@ -13308,7 +13371,7 @@
             <a:r>
               <a:rPr lang="en-US" altLang="zh-CN" sz="2000" b="1" dirty="0">
                 <a:solidFill>
-                  <a:schemeClr val="folHlink"/>
+                  <a:srgbClr val="0432FF"/>
                 </a:solidFill>
                 <a:latin typeface="Courier New" panose="02070309020205020404" pitchFamily="49" charset="0"/>
               </a:rPr>
@@ -13326,7 +13389,7 @@
             <a:r>
               <a:rPr lang="en-US" altLang="zh-CN" sz="2000" b="1" dirty="0" err="1">
                 <a:solidFill>
-                  <a:schemeClr val="folHlink"/>
+                  <a:srgbClr val="0432FF"/>
                 </a:solidFill>
                 <a:latin typeface="Courier New" panose="02070309020205020404" pitchFamily="49" charset="0"/>
               </a:rPr>
@@ -13335,11 +13398,29 @@
             <a:r>
               <a:rPr lang="en-US" altLang="zh-CN" sz="2000" b="1" dirty="0">
                 <a:solidFill>
-                  <a:schemeClr val="folHlink"/>
-                </a:solidFill>
-                <a:latin typeface="Courier New" panose="02070309020205020404" pitchFamily="49" charset="0"/>
-              </a:rPr>
-              <a:t>(s);</a:t>
+                  <a:srgbClr val="0432FF"/>
+                </a:solidFill>
+                <a:latin typeface="Courier New" panose="02070309020205020404" pitchFamily="49" charset="0"/>
+              </a:rPr>
+              <a:t>(“%s\n”,</a:t>
+            </a:r>
+            <a:r>
+              <a:rPr lang="zh-CN" altLang="en-US" sz="2000" b="1" dirty="0">
+                <a:solidFill>
+                  <a:srgbClr val="0432FF"/>
+                </a:solidFill>
+                <a:latin typeface="Courier New" panose="02070309020205020404" pitchFamily="49" charset="0"/>
+              </a:rPr>
+              <a:t> </a:t>
+            </a:r>
+            <a:r>
+              <a:rPr lang="en-US" altLang="zh-CN" sz="2000" b="1" dirty="0">
+                <a:solidFill>
+                  <a:srgbClr val="0432FF"/>
+                </a:solidFill>
+                <a:latin typeface="Courier New" panose="02070309020205020404" pitchFamily="49" charset="0"/>
+              </a:rPr>
+              <a:t>s);</a:t>
             </a:r>
           </a:p>
         </p:txBody>
@@ -13429,7 +13510,7 @@
               <a:rPr lang="en-US" altLang="zh-CN" sz="2000" b="1" dirty="0">
                 <a:latin typeface="Courier New" panose="02070309020205020404" pitchFamily="49" charset="0"/>
               </a:rPr>
-              <a:t>// copy from </a:t>
+              <a:t>// copy from “</a:t>
             </a:r>
             <a:r>
               <a:rPr lang="en-US" altLang="zh-CN" sz="2000" b="1" dirty="0" err="1">
@@ -13441,7 +13522,7 @@
               <a:rPr lang="en-US" altLang="zh-CN" sz="2000" b="1" dirty="0">
                 <a:latin typeface="Courier New" panose="02070309020205020404" pitchFamily="49" charset="0"/>
               </a:rPr>
-              <a:t> to </a:t>
+              <a:t>” into “</a:t>
             </a:r>
             <a:r>
               <a:rPr lang="en-US" altLang="zh-CN" sz="2000" b="1" dirty="0" err="1">
@@ -13449,9 +13530,12 @@
               </a:rPr>
               <a:t>dst</a:t>
             </a:r>
-            <a:endParaRPr lang="en-US" altLang="zh-CN" sz="2000" b="1" dirty="0">
-              <a:latin typeface="Courier New" panose="02070309020205020404" pitchFamily="49" charset="0"/>
-            </a:endParaRPr>
+            <a:r>
+              <a:rPr lang="en-US" altLang="zh-CN" sz="2000" b="1" dirty="0">
+                <a:latin typeface="Courier New" panose="02070309020205020404" pitchFamily="49" charset="0"/>
+              </a:rPr>
+              <a:t>”</a:t>
+            </a:r>
           </a:p>
           <a:p>
             <a:pPr>
@@ -13464,7 +13548,7 @@
             <a:r>
               <a:rPr lang="en-US" altLang="zh-CN" sz="2000" b="1" dirty="0">
                 <a:solidFill>
-                  <a:schemeClr val="folHlink"/>
+                  <a:srgbClr val="0432FF"/>
                 </a:solidFill>
                 <a:latin typeface="Courier New" panose="02070309020205020404" pitchFamily="49" charset="0"/>
               </a:rPr>
@@ -13473,7 +13557,7 @@
             <a:r>
               <a:rPr lang="en-US" altLang="zh-CN" sz="2000" b="1" dirty="0" err="1">
                 <a:solidFill>
-                  <a:schemeClr val="folHlink"/>
+                  <a:srgbClr val="0432FF"/>
                 </a:solidFill>
                 <a:latin typeface="Courier New" panose="02070309020205020404" pitchFamily="49" charset="0"/>
               </a:rPr>
@@ -13482,7 +13566,7 @@
             <a:r>
               <a:rPr lang="en-US" altLang="zh-CN" sz="2000" b="1" dirty="0">
                 <a:solidFill>
-                  <a:schemeClr val="folHlink"/>
+                  <a:srgbClr val="0432FF"/>
                 </a:solidFill>
                 <a:latin typeface="Courier New" panose="02070309020205020404" pitchFamily="49" charset="0"/>
               </a:rPr>
@@ -13491,7 +13575,7 @@
             <a:r>
               <a:rPr lang="en-US" altLang="zh-CN" sz="2000" b="1" dirty="0" err="1">
                 <a:solidFill>
-                  <a:schemeClr val="folHlink"/>
+                  <a:srgbClr val="0432FF"/>
                 </a:solidFill>
                 <a:latin typeface="Courier New" panose="02070309020205020404" pitchFamily="49" charset="0"/>
               </a:rPr>
@@ -13500,7 +13584,7 @@
             <a:r>
               <a:rPr lang="en-US" altLang="zh-CN" sz="2000" b="1" dirty="0">
                 <a:solidFill>
-                  <a:schemeClr val="folHlink"/>
+                  <a:srgbClr val="0432FF"/>
                 </a:solidFill>
                 <a:latin typeface="Courier New" panose="02070309020205020404" pitchFamily="49" charset="0"/>
               </a:rPr>
@@ -13509,7 +13593,7 @@
             <a:r>
               <a:rPr lang="en-US" altLang="zh-CN" sz="2000" b="1" dirty="0" err="1">
                 <a:solidFill>
-                  <a:schemeClr val="folHlink"/>
+                  <a:srgbClr val="0432FF"/>
                 </a:solidFill>
                 <a:latin typeface="Courier New" panose="02070309020205020404" pitchFamily="49" charset="0"/>
               </a:rPr>
@@ -13518,7 +13602,7 @@
             <a:r>
               <a:rPr lang="en-US" altLang="zh-CN" sz="2000" b="1" dirty="0">
                 <a:solidFill>
-                  <a:schemeClr val="folHlink"/>
+                  <a:srgbClr val="0432FF"/>
                 </a:solidFill>
                 <a:latin typeface="Courier New" panose="02070309020205020404" pitchFamily="49" charset="0"/>
               </a:rPr>
@@ -13536,7 +13620,7 @@
             <a:r>
               <a:rPr lang="en-US" altLang="zh-CN" sz="2000" b="1" dirty="0">
                 <a:solidFill>
-                  <a:schemeClr val="folHlink"/>
+                  <a:srgbClr val="0432FF"/>
                 </a:solidFill>
                 <a:latin typeface="Courier New" panose="02070309020205020404" pitchFamily="49" charset="0"/>
               </a:rPr>
@@ -13545,7 +13629,7 @@
             <a:r>
               <a:rPr lang="en-US" altLang="zh-CN" sz="2000" b="1" dirty="0" err="1">
                 <a:solidFill>
-                  <a:schemeClr val="folHlink"/>
+                  <a:srgbClr val="0432FF"/>
                 </a:solidFill>
                 <a:latin typeface="Courier New" panose="02070309020205020404" pitchFamily="49" charset="0"/>
               </a:rPr>
@@ -13554,7 +13638,7 @@
             <a:r>
               <a:rPr lang="en-US" altLang="zh-CN" sz="2000" b="1" dirty="0">
                 <a:solidFill>
-                  <a:schemeClr val="folHlink"/>
+                  <a:srgbClr val="0432FF"/>
                 </a:solidFill>
                 <a:latin typeface="Courier New" panose="02070309020205020404" pitchFamily="49" charset="0"/>
               </a:rPr>
@@ -13630,12 +13714,21 @@
                 </a:solidFill>
                 <a:latin typeface="Courier New" panose="02070309020205020404" pitchFamily="49" charset="0"/>
               </a:rPr>
-              <a:t>  while(</a:t>
+              <a:t>  </a:t>
+            </a:r>
+            <a:r>
+              <a:rPr lang="en-US" altLang="zh-CN" sz="2000" b="1" dirty="0">
+                <a:solidFill>
+                  <a:srgbClr val="0432FF"/>
+                </a:solidFill>
+                <a:latin typeface="Courier New" panose="02070309020205020404" pitchFamily="49" charset="0"/>
+              </a:rPr>
+              <a:t>while(</a:t>
             </a:r>
             <a:r>
               <a:rPr lang="en-US" altLang="zh-CN" sz="2000" b="1" dirty="0" err="1">
                 <a:solidFill>
-                  <a:schemeClr val="folHlink"/>
+                  <a:srgbClr val="0432FF"/>
                 </a:solidFill>
                 <a:latin typeface="Courier New" panose="02070309020205020404" pitchFamily="49" charset="0"/>
               </a:rPr>
@@ -13644,7 +13737,7 @@
             <a:r>
               <a:rPr lang="en-US" altLang="zh-CN" sz="2000" b="1" dirty="0">
                 <a:solidFill>
-                  <a:schemeClr val="folHlink"/>
+                  <a:srgbClr val="0432FF"/>
                 </a:solidFill>
                 <a:latin typeface="Courier New" panose="02070309020205020404" pitchFamily="49" charset="0"/>
               </a:rPr>
@@ -13653,7 +13746,7 @@
             <a:r>
               <a:rPr lang="en-US" altLang="zh-CN" sz="2000" b="1" dirty="0" err="1">
                 <a:solidFill>
-                  <a:schemeClr val="folHlink"/>
+                  <a:srgbClr val="0432FF"/>
                 </a:solidFill>
                 <a:latin typeface="Courier New" panose="02070309020205020404" pitchFamily="49" charset="0"/>
               </a:rPr>
@@ -13662,7 +13755,7 @@
             <a:r>
               <a:rPr lang="en-US" altLang="zh-CN" sz="2000" b="1" dirty="0">
                 <a:solidFill>
-                  <a:schemeClr val="folHlink"/>
+                  <a:srgbClr val="0432FF"/>
                 </a:solidFill>
                 <a:latin typeface="Courier New" panose="02070309020205020404" pitchFamily="49" charset="0"/>
               </a:rPr>
@@ -13671,7 +13764,7 @@
             <a:r>
               <a:rPr lang="en-US" altLang="zh-CN" sz="2000" b="1" dirty="0" err="1">
                 <a:solidFill>
-                  <a:schemeClr val="folHlink"/>
+                  <a:srgbClr val="0432FF"/>
                 </a:solidFill>
                 <a:latin typeface="Courier New" panose="02070309020205020404" pitchFamily="49" charset="0"/>
               </a:rPr>
@@ -13680,7 +13773,7 @@
             <a:r>
               <a:rPr lang="en-US" altLang="zh-CN" sz="2000" b="1" dirty="0">
                 <a:solidFill>
-                  <a:schemeClr val="folHlink"/>
+                  <a:srgbClr val="0432FF"/>
                 </a:solidFill>
                 <a:latin typeface="Courier New" panose="02070309020205020404" pitchFamily="49" charset="0"/>
               </a:rPr>
@@ -13689,7 +13782,7 @@
             <a:r>
               <a:rPr lang="en-US" altLang="zh-CN" sz="2000" b="1" dirty="0" err="1">
                 <a:solidFill>
-                  <a:schemeClr val="folHlink"/>
+                  <a:srgbClr val="0432FF"/>
                 </a:solidFill>
                 <a:latin typeface="Courier New" panose="02070309020205020404" pitchFamily="49" charset="0"/>
               </a:rPr>
@@ -13698,7 +13791,7 @@
             <a:r>
               <a:rPr lang="en-US" altLang="zh-CN" sz="2000" b="1" dirty="0">
                 <a:solidFill>
-                  <a:schemeClr val="folHlink"/>
+                  <a:srgbClr val="0432FF"/>
                 </a:solidFill>
                 <a:latin typeface="Courier New" panose="02070309020205020404" pitchFamily="49" charset="0"/>
               </a:rPr>
@@ -13716,7 +13809,7 @@
             <a:r>
               <a:rPr lang="en-US" altLang="zh-CN" sz="2000" b="1" dirty="0">
                 <a:solidFill>
-                  <a:schemeClr val="folHlink"/>
+                  <a:srgbClr val="0432FF"/>
                 </a:solidFill>
                 <a:latin typeface="Courier New" panose="02070309020205020404" pitchFamily="49" charset="0"/>
               </a:rPr>
@@ -13725,7 +13818,7 @@
             <a:r>
               <a:rPr lang="en-US" altLang="zh-CN" sz="2000" b="1" dirty="0" err="1">
                 <a:solidFill>
-                  <a:schemeClr val="folHlink"/>
+                  <a:srgbClr val="0432FF"/>
                 </a:solidFill>
                 <a:latin typeface="Courier New" panose="02070309020205020404" pitchFamily="49" charset="0"/>
               </a:rPr>
@@ -13734,7 +13827,7 @@
             <a:r>
               <a:rPr lang="en-US" altLang="zh-CN" sz="2000" b="1" dirty="0">
                 <a:solidFill>
-                  <a:schemeClr val="folHlink"/>
+                  <a:srgbClr val="0432FF"/>
                 </a:solidFill>
                 <a:latin typeface="Courier New" panose="02070309020205020404" pitchFamily="49" charset="0"/>
               </a:rPr>
@@ -13752,7 +13845,7 @@
             <a:r>
               <a:rPr lang="en-US" altLang="zh-CN" sz="2000" b="1" dirty="0">
                 <a:solidFill>
-                  <a:schemeClr val="folHlink"/>
+                  <a:srgbClr val="0432FF"/>
                 </a:solidFill>
                 <a:latin typeface="Courier New" panose="02070309020205020404" pitchFamily="49" charset="0"/>
               </a:rPr>
@@ -13770,7 +13863,7 @@
             <a:r>
               <a:rPr lang="en-US" altLang="zh-CN" sz="2000" b="1" dirty="0">
                 <a:solidFill>
-                  <a:schemeClr val="folHlink"/>
+                  <a:srgbClr val="0432FF"/>
                 </a:solidFill>
                 <a:latin typeface="Courier New" panose="02070309020205020404" pitchFamily="49" charset="0"/>
               </a:rPr>
@@ -13788,7 +13881,7 @@
             <a:r>
               <a:rPr lang="en-US" altLang="zh-CN" sz="2000" b="1" dirty="0">
                 <a:solidFill>
-                  <a:schemeClr val="folHlink"/>
+                  <a:srgbClr val="0432FF"/>
                 </a:solidFill>
                 <a:latin typeface="Courier New" panose="02070309020205020404" pitchFamily="49" charset="0"/>
               </a:rPr>
@@ -13896,7 +13989,7 @@
             <a:r>
               <a:rPr lang="en-US" altLang="zh-CN" sz="2000" b="1" dirty="0">
                 <a:solidFill>
-                  <a:schemeClr val="folHlink"/>
+                  <a:srgbClr val="0432FF"/>
                 </a:solidFill>
                 <a:latin typeface="Courier New" panose="02070309020205020404" pitchFamily="49" charset="0"/>
               </a:rPr>
@@ -13905,7 +13998,7 @@
             <a:r>
               <a:rPr lang="en-US" altLang="zh-CN" sz="2000" b="1" dirty="0" err="1">
                 <a:solidFill>
-                  <a:schemeClr val="folHlink"/>
+                  <a:srgbClr val="0432FF"/>
                 </a:solidFill>
                 <a:latin typeface="Courier New" panose="02070309020205020404" pitchFamily="49" charset="0"/>
               </a:rPr>
@@ -13914,7 +14007,7 @@
             <a:r>
               <a:rPr lang="en-US" altLang="zh-CN" sz="2000" b="1" dirty="0">
                 <a:solidFill>
-                  <a:schemeClr val="folHlink"/>
+                  <a:srgbClr val="0432FF"/>
                 </a:solidFill>
                 <a:latin typeface="Courier New" panose="02070309020205020404" pitchFamily="49" charset="0"/>
               </a:rPr>
@@ -13923,7 +14016,7 @@
             <a:r>
               <a:rPr lang="en-US" altLang="zh-CN" sz="2000" b="1" dirty="0" err="1">
                 <a:solidFill>
-                  <a:schemeClr val="folHlink"/>
+                  <a:srgbClr val="0432FF"/>
                 </a:solidFill>
                 <a:latin typeface="Courier New" panose="02070309020205020404" pitchFamily="49" charset="0"/>
               </a:rPr>
@@ -13932,7 +14025,7 @@
             <a:r>
               <a:rPr lang="en-US" altLang="zh-CN" sz="2000" b="1" dirty="0">
                 <a:solidFill>
-                  <a:schemeClr val="folHlink"/>
+                  <a:srgbClr val="0432FF"/>
                 </a:solidFill>
                 <a:latin typeface="Courier New" panose="02070309020205020404" pitchFamily="49" charset="0"/>
               </a:rPr>
@@ -13941,7 +14034,7 @@
             <a:r>
               <a:rPr lang="en-US" altLang="zh-CN" sz="2000" b="1" dirty="0" err="1">
                 <a:solidFill>
-                  <a:schemeClr val="folHlink"/>
+                  <a:srgbClr val="0432FF"/>
                 </a:solidFill>
                 <a:latin typeface="Courier New" panose="02070309020205020404" pitchFamily="49" charset="0"/>
               </a:rPr>
@@ -13950,7 +14043,7 @@
             <a:r>
               <a:rPr lang="en-US" altLang="zh-CN" sz="2000" b="1" dirty="0">
                 <a:solidFill>
-                  <a:schemeClr val="folHlink"/>
+                  <a:srgbClr val="0432FF"/>
                 </a:solidFill>
                 <a:latin typeface="Courier New" panose="02070309020205020404" pitchFamily="49" charset="0"/>
               </a:rPr>
@@ -13968,7 +14061,7 @@
             <a:r>
               <a:rPr lang="en-US" altLang="zh-CN" sz="2000" b="1" dirty="0">
                 <a:solidFill>
-                  <a:schemeClr val="folHlink"/>
+                  <a:srgbClr val="0432FF"/>
                 </a:solidFill>
                 <a:latin typeface="Courier New" panose="02070309020205020404" pitchFamily="49" charset="0"/>
               </a:rPr>
@@ -13977,7 +14070,7 @@
             <a:r>
               <a:rPr lang="en-US" altLang="zh-CN" sz="2000" b="1" dirty="0" err="1">
                 <a:solidFill>
-                  <a:schemeClr val="folHlink"/>
+                  <a:srgbClr val="0432FF"/>
                 </a:solidFill>
                 <a:latin typeface="Courier New" panose="02070309020205020404" pitchFamily="49" charset="0"/>
               </a:rPr>
@@ -13986,7 +14079,7 @@
             <a:r>
               <a:rPr lang="en-US" altLang="zh-CN" sz="2000" b="1" dirty="0">
                 <a:solidFill>
-                  <a:schemeClr val="folHlink"/>
+                  <a:srgbClr val="0432FF"/>
                 </a:solidFill>
                 <a:latin typeface="Courier New" panose="02070309020205020404" pitchFamily="49" charset="0"/>
               </a:rPr>
@@ -13995,7 +14088,7 @@
             <a:r>
               <a:rPr lang="en-US" altLang="zh-CN" sz="2000" b="1" dirty="0" err="1">
                 <a:solidFill>
-                  <a:schemeClr val="folHlink"/>
+                  <a:srgbClr val="0432FF"/>
                 </a:solidFill>
                 <a:latin typeface="Courier New" panose="02070309020205020404" pitchFamily="49" charset="0"/>
               </a:rPr>
@@ -14004,7 +14097,7 @@
             <a:r>
               <a:rPr lang="en-US" altLang="zh-CN" sz="2000" b="1" dirty="0">
                 <a:solidFill>
-                  <a:schemeClr val="folHlink"/>
+                  <a:srgbClr val="0432FF"/>
                 </a:solidFill>
                 <a:latin typeface="Courier New" panose="02070309020205020404" pitchFamily="49" charset="0"/>
               </a:rPr>
@@ -14022,7 +14115,7 @@
             <a:r>
               <a:rPr lang="en-US" altLang="zh-CN" sz="2000" b="1" dirty="0">
                 <a:solidFill>
-                  <a:schemeClr val="folHlink"/>
+                  <a:srgbClr val="0432FF"/>
                 </a:solidFill>
                 <a:latin typeface="Courier New" panose="02070309020205020404" pitchFamily="49" charset="0"/>
               </a:rPr>
@@ -14031,7 +14124,7 @@
             <a:r>
               <a:rPr lang="en-US" altLang="zh-CN" sz="2000" b="1" dirty="0" err="1">
                 <a:solidFill>
-                  <a:schemeClr val="folHlink"/>
+                  <a:srgbClr val="0432FF"/>
                 </a:solidFill>
                 <a:latin typeface="Courier New" panose="02070309020205020404" pitchFamily="49" charset="0"/>
               </a:rPr>
@@ -14040,7 +14133,7 @@
             <a:r>
               <a:rPr lang="en-US" altLang="zh-CN" sz="2000" b="1" dirty="0">
                 <a:solidFill>
-                  <a:schemeClr val="folHlink"/>
+                  <a:srgbClr val="0432FF"/>
                 </a:solidFill>
                 <a:latin typeface="Courier New" panose="02070309020205020404" pitchFamily="49" charset="0"/>
               </a:rPr>
@@ -14058,7 +14151,7 @@
             <a:r>
               <a:rPr lang="en-US" altLang="zh-CN" sz="2000" b="1" dirty="0">
                 <a:solidFill>
-                  <a:schemeClr val="folHlink"/>
+                  <a:srgbClr val="0432FF"/>
                 </a:solidFill>
                 <a:latin typeface="Courier New" panose="02070309020205020404" pitchFamily="49" charset="0"/>
               </a:rPr>
@@ -14067,7 +14160,7 @@
             <a:r>
               <a:rPr lang="en-US" altLang="zh-CN" sz="2000" b="1" dirty="0" err="1">
                 <a:solidFill>
-                  <a:schemeClr val="folHlink"/>
+                  <a:srgbClr val="0432FF"/>
                 </a:solidFill>
                 <a:latin typeface="Courier New" panose="02070309020205020404" pitchFamily="49" charset="0"/>
               </a:rPr>
@@ -14076,7 +14169,7 @@
             <a:r>
               <a:rPr lang="en-US" altLang="zh-CN" sz="2000" b="1" dirty="0">
                 <a:solidFill>
-                  <a:schemeClr val="folHlink"/>
+                  <a:srgbClr val="0432FF"/>
                 </a:solidFill>
                 <a:latin typeface="Courier New" panose="02070309020205020404" pitchFamily="49" charset="0"/>
               </a:rPr>
@@ -14094,7 +14187,7 @@
             <a:r>
               <a:rPr lang="en-US" altLang="zh-CN" sz="2000" b="1" dirty="0">
                 <a:solidFill>
-                  <a:schemeClr val="folHlink"/>
+                  <a:srgbClr val="0432FF"/>
                 </a:solidFill>
                 <a:latin typeface="Courier New" panose="02070309020205020404" pitchFamily="49" charset="0"/>
               </a:rPr>
@@ -14112,7 +14205,7 @@
             <a:r>
               <a:rPr lang="en-US" altLang="zh-CN" sz="2000" b="1" dirty="0">
                 <a:solidFill>
-                  <a:schemeClr val="folHlink"/>
+                  <a:srgbClr val="0432FF"/>
                 </a:solidFill>
                 <a:latin typeface="Courier New" panose="02070309020205020404" pitchFamily="49" charset="0"/>
               </a:rPr>
@@ -14130,7 +14223,7 @@
             <a:r>
               <a:rPr lang="en-US" altLang="zh-CN" sz="2000" b="1" dirty="0">
                 <a:solidFill>
-                  <a:schemeClr val="folHlink"/>
+                  <a:srgbClr val="0432FF"/>
                 </a:solidFill>
                 <a:latin typeface="Courier New" panose="02070309020205020404" pitchFamily="49" charset="0"/>
               </a:rPr>
@@ -14224,7 +14317,19 @@
               <a:rPr lang="en-US" altLang="zh-CN" sz="2000" b="1" dirty="0">
                 <a:latin typeface="Courier New" panose="02070309020205020404" pitchFamily="49" charset="0"/>
               </a:rPr>
-              <a:t>// Or even:</a:t>
+              <a:t>// Or even</a:t>
+            </a:r>
+            <a:r>
+              <a:rPr lang="zh-CN" altLang="en-US" sz="2000" b="1" dirty="0">
+                <a:latin typeface="Courier New" panose="02070309020205020404" pitchFamily="49" charset="0"/>
+              </a:rPr>
+              <a:t> </a:t>
+            </a:r>
+            <a:r>
+              <a:rPr lang="en-US" altLang="zh-CN" sz="2000" b="1" dirty="0">
+                <a:latin typeface="Courier New" panose="02070309020205020404" pitchFamily="49" charset="0"/>
+              </a:rPr>
+              <a:t>simpler:</a:t>
             </a:r>
           </a:p>
           <a:p>
@@ -14238,7 +14343,7 @@
             <a:r>
               <a:rPr lang="en-US" altLang="zh-CN" sz="2000" b="1" dirty="0">
                 <a:solidFill>
-                  <a:schemeClr val="folHlink"/>
+                  <a:srgbClr val="0432FF"/>
                 </a:solidFill>
                 <a:latin typeface="Courier New" panose="02070309020205020404" pitchFamily="49" charset="0"/>
               </a:rPr>
@@ -14247,7 +14352,7 @@
             <a:r>
               <a:rPr lang="en-US" altLang="zh-CN" sz="2000" b="1" dirty="0" err="1">
                 <a:solidFill>
-                  <a:schemeClr val="folHlink"/>
+                  <a:srgbClr val="0432FF"/>
                 </a:solidFill>
                 <a:latin typeface="Courier New" panose="02070309020205020404" pitchFamily="49" charset="0"/>
               </a:rPr>
@@ -14256,7 +14361,7 @@
             <a:r>
               <a:rPr lang="en-US" altLang="zh-CN" sz="2000" b="1" dirty="0">
                 <a:solidFill>
-                  <a:schemeClr val="folHlink"/>
+                  <a:srgbClr val="0432FF"/>
                 </a:solidFill>
                 <a:latin typeface="Courier New" panose="02070309020205020404" pitchFamily="49" charset="0"/>
               </a:rPr>
@@ -14265,7 +14370,7 @@
             <a:r>
               <a:rPr lang="en-US" altLang="zh-CN" sz="2000" b="1" dirty="0" err="1">
                 <a:solidFill>
-                  <a:schemeClr val="folHlink"/>
+                  <a:srgbClr val="0432FF"/>
                 </a:solidFill>
                 <a:latin typeface="Courier New" panose="02070309020205020404" pitchFamily="49" charset="0"/>
               </a:rPr>
@@ -14274,7 +14379,7 @@
             <a:r>
               <a:rPr lang="en-US" altLang="zh-CN" sz="2000" b="1" dirty="0">
                 <a:solidFill>
-                  <a:schemeClr val="folHlink"/>
+                  <a:srgbClr val="0432FF"/>
                 </a:solidFill>
                 <a:latin typeface="Courier New" panose="02070309020205020404" pitchFamily="49" charset="0"/>
               </a:rPr>
@@ -14283,7 +14388,7 @@
             <a:r>
               <a:rPr lang="en-US" altLang="zh-CN" sz="2000" b="1" dirty="0" err="1">
                 <a:solidFill>
-                  <a:schemeClr val="folHlink"/>
+                  <a:srgbClr val="0432FF"/>
                 </a:solidFill>
                 <a:latin typeface="Courier New" panose="02070309020205020404" pitchFamily="49" charset="0"/>
               </a:rPr>
@@ -14292,7 +14397,7 @@
             <a:r>
               <a:rPr lang="en-US" altLang="zh-CN" sz="2000" b="1" dirty="0">
                 <a:solidFill>
-                  <a:schemeClr val="folHlink"/>
+                  <a:srgbClr val="0432FF"/>
                 </a:solidFill>
                 <a:latin typeface="Courier New" panose="02070309020205020404" pitchFamily="49" charset="0"/>
               </a:rPr>
@@ -14310,7 +14415,7 @@
             <a:r>
               <a:rPr lang="en-US" altLang="zh-CN" sz="2000" b="1" dirty="0">
                 <a:solidFill>
-                  <a:schemeClr val="folHlink"/>
+                  <a:srgbClr val="0432FF"/>
                 </a:solidFill>
                 <a:latin typeface="Courier New" panose="02070309020205020404" pitchFamily="49" charset="0"/>
               </a:rPr>
@@ -14319,7 +14424,7 @@
             <a:r>
               <a:rPr lang="en-US" altLang="zh-CN" sz="2000" b="1" dirty="0" err="1">
                 <a:solidFill>
-                  <a:schemeClr val="folHlink"/>
+                  <a:srgbClr val="0432FF"/>
                 </a:solidFill>
                 <a:latin typeface="Courier New" panose="02070309020205020404" pitchFamily="49" charset="0"/>
               </a:rPr>
@@ -14328,7 +14433,7 @@
             <a:r>
               <a:rPr lang="en-US" altLang="zh-CN" sz="2000" b="1" dirty="0">
                 <a:solidFill>
-                  <a:schemeClr val="folHlink"/>
+                  <a:srgbClr val="0432FF"/>
                 </a:solidFill>
                 <a:latin typeface="Courier New" panose="02070309020205020404" pitchFamily="49" charset="0"/>
               </a:rPr>
@@ -14337,7 +14442,7 @@
             <a:r>
               <a:rPr lang="en-US" altLang="zh-CN" sz="2000" b="1" dirty="0" err="1">
                 <a:solidFill>
-                  <a:schemeClr val="folHlink"/>
+                  <a:srgbClr val="0432FF"/>
                 </a:solidFill>
                 <a:latin typeface="Courier New" panose="02070309020205020404" pitchFamily="49" charset="0"/>
               </a:rPr>
@@ -14346,7 +14451,7 @@
             <a:r>
               <a:rPr lang="en-US" altLang="zh-CN" sz="2000" b="1" dirty="0">
                 <a:solidFill>
-                  <a:schemeClr val="folHlink"/>
+                  <a:srgbClr val="0432FF"/>
                 </a:solidFill>
                 <a:latin typeface="Courier New" panose="02070309020205020404" pitchFamily="49" charset="0"/>
               </a:rPr>
@@ -14364,7 +14469,7 @@
             <a:r>
               <a:rPr lang="en-US" altLang="zh-CN" sz="2000" b="1" dirty="0">
                 <a:solidFill>
-                  <a:schemeClr val="folHlink"/>
+                  <a:srgbClr val="0432FF"/>
                 </a:solidFill>
                 <a:latin typeface="Courier New" panose="02070309020205020404" pitchFamily="49" charset="0"/>
               </a:rPr>
@@ -14382,7 +14487,7 @@
             <a:r>
               <a:rPr lang="en-US" altLang="zh-CN" sz="2400" b="1" dirty="0">
                 <a:solidFill>
-                  <a:schemeClr val="folHlink"/>
+                  <a:srgbClr val="0432FF"/>
                 </a:solidFill>
                 <a:latin typeface="Courier New" panose="02070309020205020404" pitchFamily="49" charset="0"/>
               </a:rPr>
@@ -14391,7 +14496,7 @@
             <a:r>
               <a:rPr lang="en-US" altLang="zh-CN" sz="2000" b="1" dirty="0">
                 <a:solidFill>
-                  <a:schemeClr val="folHlink"/>
+                  <a:srgbClr val="0432FF"/>
                 </a:solidFill>
                 <a:latin typeface="Courier New" panose="02070309020205020404" pitchFamily="49" charset="0"/>
               </a:rPr>
@@ -14409,7 +14514,7 @@
             <a:r>
               <a:rPr lang="en-US" altLang="zh-CN" sz="2000" b="1" dirty="0">
                 <a:solidFill>
-                  <a:schemeClr val="folHlink"/>
+                  <a:srgbClr val="0432FF"/>
                 </a:solidFill>
                 <a:latin typeface="Courier New" panose="02070309020205020404" pitchFamily="49" charset="0"/>
               </a:rPr>
@@ -14523,7 +14628,7 @@
             <a:r>
               <a:rPr lang="en-US" altLang="zh-CN" sz="2000" b="1" dirty="0">
                 <a:solidFill>
-                  <a:schemeClr val="folHlink"/>
+                  <a:srgbClr val="0432FF"/>
                 </a:solidFill>
                 <a:latin typeface="Courier New" panose="02070309020205020404" pitchFamily="49" charset="0"/>
               </a:rPr>
@@ -14574,7 +14679,25 @@
             <a:r>
               <a:rPr lang="en-US" altLang="zh-CN" sz="2000" b="1" dirty="0">
                 <a:solidFill>
-                  <a:schemeClr val="folHlink"/>
+                  <a:srgbClr val="0432FF"/>
+                </a:solidFill>
+                <a:latin typeface="Courier New" panose="02070309020205020404" pitchFamily="49" charset="0"/>
+              </a:rPr>
+              <a:t>int</a:t>
+            </a:r>
+            <a:r>
+              <a:rPr lang="zh-CN" altLang="en-US" sz="2000" b="1" dirty="0">
+                <a:solidFill>
+                  <a:srgbClr val="0432FF"/>
+                </a:solidFill>
+                <a:latin typeface="Courier New" panose="02070309020205020404" pitchFamily="49" charset="0"/>
+              </a:rPr>
+              <a:t> </a:t>
+            </a:r>
+            <a:r>
+              <a:rPr lang="en-US" altLang="zh-CN" sz="2000" b="1" dirty="0">
+                <a:solidFill>
+                  <a:srgbClr val="0432FF"/>
                 </a:solidFill>
                 <a:latin typeface="Courier New" panose="02070309020205020404" pitchFamily="49" charset="0"/>
               </a:rPr>
@@ -14589,7 +14712,7 @@
             <a:r>
               <a:rPr lang="en-US" altLang="zh-CN" sz="2000" b="1" dirty="0">
                 <a:solidFill>
-                  <a:schemeClr val="folHlink"/>
+                  <a:srgbClr val="0432FF"/>
                 </a:solidFill>
                 <a:latin typeface="Courier New" panose="02070309020205020404" pitchFamily="49" charset="0"/>
               </a:rPr>
@@ -14598,7 +14721,7 @@
             <a:r>
               <a:rPr lang="en-US" altLang="zh-CN" sz="2000" b="1" dirty="0" err="1">
                 <a:solidFill>
-                  <a:schemeClr val="folHlink"/>
+                  <a:srgbClr val="0432FF"/>
                 </a:solidFill>
                 <a:latin typeface="Courier New" panose="02070309020205020404" pitchFamily="49" charset="0"/>
               </a:rPr>
@@ -14607,7 +14730,7 @@
             <a:r>
               <a:rPr lang="en-US" altLang="zh-CN" sz="2000" b="1" dirty="0">
                 <a:solidFill>
-                  <a:schemeClr val="folHlink"/>
+                  <a:srgbClr val="0432FF"/>
                 </a:solidFill>
                 <a:latin typeface="Courier New" panose="02070309020205020404" pitchFamily="49" charset="0"/>
               </a:rPr>
@@ -14616,7 +14739,7 @@
             <a:r>
               <a:rPr lang="en-US" altLang="zh-CN" sz="2000" b="1" dirty="0" err="1">
                 <a:solidFill>
-                  <a:schemeClr val="folHlink"/>
+                  <a:srgbClr val="0432FF"/>
                 </a:solidFill>
                 <a:latin typeface="Courier New" panose="02070309020205020404" pitchFamily="49" charset="0"/>
               </a:rPr>
@@ -14625,7 +14748,7 @@
             <a:r>
               <a:rPr lang="en-US" altLang="zh-CN" sz="2000" b="1" dirty="0">
                 <a:solidFill>
-                  <a:schemeClr val="folHlink"/>
+                  <a:srgbClr val="0432FF"/>
                 </a:solidFill>
                 <a:latin typeface="Courier New" panose="02070309020205020404" pitchFamily="49" charset="0"/>
               </a:rPr>
@@ -14634,7 +14757,7 @@
             <a:r>
               <a:rPr lang="en-US" altLang="zh-CN" sz="2000" b="1" dirty="0" err="1">
                 <a:solidFill>
-                  <a:schemeClr val="folHlink"/>
+                  <a:srgbClr val="0432FF"/>
                 </a:solidFill>
                 <a:latin typeface="Courier New" panose="02070309020205020404" pitchFamily="49" charset="0"/>
               </a:rPr>
@@ -14643,7 +14766,7 @@
             <a:r>
               <a:rPr lang="en-US" altLang="zh-CN" sz="2000" b="1" dirty="0">
                 <a:solidFill>
-                  <a:schemeClr val="folHlink"/>
+                  <a:srgbClr val="0432FF"/>
                 </a:solidFill>
                 <a:latin typeface="Courier New" panose="02070309020205020404" pitchFamily="49" charset="0"/>
               </a:rPr>
@@ -14658,7 +14781,7 @@
             <a:r>
               <a:rPr lang="en-US" altLang="zh-CN" sz="2000" b="1" dirty="0">
                 <a:solidFill>
-                  <a:schemeClr val="folHlink"/>
+                  <a:srgbClr val="0432FF"/>
                 </a:solidFill>
                 <a:latin typeface="Courier New" panose="02070309020205020404" pitchFamily="49" charset="0"/>
               </a:rPr>
@@ -14667,7 +14790,7 @@
             <a:r>
               <a:rPr lang="en-US" altLang="zh-CN" sz="2000" b="1" dirty="0" err="1">
                 <a:solidFill>
-                  <a:schemeClr val="folHlink"/>
+                  <a:srgbClr val="0432FF"/>
                 </a:solidFill>
                 <a:latin typeface="Courier New" panose="02070309020205020404" pitchFamily="49" charset="0"/>
               </a:rPr>
@@ -14676,7 +14799,7 @@
             <a:r>
               <a:rPr lang="en-US" altLang="zh-CN" sz="2000" b="1" dirty="0">
                 <a:solidFill>
-                  <a:schemeClr val="folHlink"/>
+                  <a:srgbClr val="0432FF"/>
                 </a:solidFill>
                 <a:latin typeface="Courier New" panose="02070309020205020404" pitchFamily="49" charset="0"/>
               </a:rPr>
@@ -14784,7 +14907,7 @@
             <a:r>
               <a:rPr lang="en-US" altLang="zh-CN" sz="2000" b="1" dirty="0">
                 <a:solidFill>
-                  <a:schemeClr val="folHlink"/>
+                  <a:srgbClr val="0432FF"/>
                 </a:solidFill>
                 <a:latin typeface="Courier New" panose="02070309020205020404" pitchFamily="49" charset="0"/>
               </a:rPr>
@@ -14817,7 +14940,7 @@
             <a:r>
               <a:rPr lang="en-US" altLang="zh-CN" sz="2000" b="1" dirty="0">
                 <a:solidFill>
-                  <a:schemeClr val="folHlink"/>
+                  <a:srgbClr val="0432FF"/>
                 </a:solidFill>
                 <a:latin typeface="Courier New" panose="02070309020205020404" pitchFamily="49" charset="0"/>
               </a:rPr>
@@ -14826,7 +14949,7 @@
             <a:r>
               <a:rPr lang="en-US" altLang="zh-CN" sz="2000" b="1" dirty="0" err="1">
                 <a:solidFill>
-                  <a:schemeClr val="folHlink"/>
+                  <a:srgbClr val="0432FF"/>
                 </a:solidFill>
                 <a:latin typeface="Courier New" panose="02070309020205020404" pitchFamily="49" charset="0"/>
               </a:rPr>
@@ -14835,7 +14958,7 @@
             <a:r>
               <a:rPr lang="en-US" altLang="zh-CN" sz="2000" b="1" dirty="0">
                 <a:solidFill>
-                  <a:schemeClr val="folHlink"/>
+                  <a:srgbClr val="0432FF"/>
                 </a:solidFill>
                 <a:latin typeface="Courier New" panose="02070309020205020404" pitchFamily="49" charset="0"/>
               </a:rPr>
@@ -14844,7 +14967,7 @@
             <a:r>
               <a:rPr lang="en-US" altLang="zh-CN" sz="2000" b="1" dirty="0" err="1">
                 <a:solidFill>
-                  <a:schemeClr val="folHlink"/>
+                  <a:srgbClr val="0432FF"/>
                 </a:solidFill>
                 <a:latin typeface="Courier New" panose="02070309020205020404" pitchFamily="49" charset="0"/>
               </a:rPr>
@@ -14853,7 +14976,7 @@
             <a:r>
               <a:rPr lang="en-US" altLang="zh-CN" sz="2000" b="1" dirty="0">
                 <a:solidFill>
-                  <a:schemeClr val="folHlink"/>
+                  <a:srgbClr val="0432FF"/>
                 </a:solidFill>
                 <a:latin typeface="Courier New" panose="02070309020205020404" pitchFamily="49" charset="0"/>
               </a:rPr>
@@ -14862,7 +14985,7 @@
             <a:r>
               <a:rPr lang="en-US" altLang="zh-CN" sz="2000" b="1" dirty="0" err="1">
                 <a:solidFill>
-                  <a:schemeClr val="folHlink"/>
+                  <a:srgbClr val="0432FF"/>
                 </a:solidFill>
                 <a:latin typeface="Courier New" panose="02070309020205020404" pitchFamily="49" charset="0"/>
               </a:rPr>
@@ -14871,7 +14994,7 @@
             <a:r>
               <a:rPr lang="en-US" altLang="zh-CN" sz="2000" b="1" dirty="0">
                 <a:solidFill>
-                  <a:schemeClr val="folHlink"/>
+                  <a:srgbClr val="0432FF"/>
                 </a:solidFill>
                 <a:latin typeface="Courier New" panose="02070309020205020404" pitchFamily="49" charset="0"/>
               </a:rPr>
@@ -14889,7 +15012,7 @@
             <a:r>
               <a:rPr lang="en-US" altLang="zh-CN" sz="2000" b="1" dirty="0">
                 <a:solidFill>
-                  <a:schemeClr val="folHlink"/>
+                  <a:srgbClr val="0432FF"/>
                 </a:solidFill>
                 <a:latin typeface="Courier New" panose="02070309020205020404" pitchFamily="49" charset="0"/>
               </a:rPr>
@@ -14898,7 +15021,7 @@
             <a:r>
               <a:rPr lang="en-US" altLang="zh-CN" sz="2000" b="1" dirty="0" err="1">
                 <a:solidFill>
-                  <a:schemeClr val="folHlink"/>
+                  <a:srgbClr val="0432FF"/>
                 </a:solidFill>
                 <a:latin typeface="Courier New" panose="02070309020205020404" pitchFamily="49" charset="0"/>
               </a:rPr>
@@ -14907,7 +15030,7 @@
             <a:r>
               <a:rPr lang="en-US" altLang="zh-CN" sz="2000" b="1" dirty="0">
                 <a:solidFill>
-                  <a:schemeClr val="folHlink"/>
+                  <a:srgbClr val="0432FF"/>
                 </a:solidFill>
                 <a:latin typeface="Courier New" panose="02070309020205020404" pitchFamily="49" charset="0"/>
               </a:rPr>
@@ -14916,7 +15039,7 @@
             <a:r>
               <a:rPr lang="en-US" altLang="zh-CN" sz="2000" b="1" dirty="0" err="1">
                 <a:solidFill>
-                  <a:schemeClr val="folHlink"/>
+                  <a:srgbClr val="0432FF"/>
                 </a:solidFill>
                 <a:latin typeface="Courier New" panose="02070309020205020404" pitchFamily="49" charset="0"/>
               </a:rPr>
@@ -14925,7 +15048,7 @@
             <a:r>
               <a:rPr lang="en-US" altLang="zh-CN" sz="2000" b="1" dirty="0">
                 <a:solidFill>
-                  <a:schemeClr val="folHlink"/>
+                  <a:srgbClr val="0432FF"/>
                 </a:solidFill>
                 <a:latin typeface="Courier New" panose="02070309020205020404" pitchFamily="49" charset="0"/>
               </a:rPr>
@@ -14958,7 +15081,7 @@
             <a:r>
               <a:rPr lang="en-US" altLang="zh-CN" sz="2000" b="1" dirty="0">
                 <a:solidFill>
-                  <a:schemeClr val="folHlink"/>
+                  <a:srgbClr val="0432FF"/>
                 </a:solidFill>
                 <a:latin typeface="Courier New" panose="02070309020205020404" pitchFamily="49" charset="0"/>
               </a:rPr>
@@ -14967,7 +15090,7 @@
             <a:r>
               <a:rPr lang="en-US" altLang="zh-CN" sz="2000" b="1" dirty="0" err="1">
                 <a:solidFill>
-                  <a:schemeClr val="folHlink"/>
+                  <a:srgbClr val="0432FF"/>
                 </a:solidFill>
                 <a:latin typeface="Courier New" panose="02070309020205020404" pitchFamily="49" charset="0"/>
               </a:rPr>
@@ -14976,7 +15099,7 @@
             <a:r>
               <a:rPr lang="en-US" altLang="zh-CN" sz="2000" b="1" dirty="0">
                 <a:solidFill>
-                  <a:schemeClr val="folHlink"/>
+                  <a:srgbClr val="0432FF"/>
                 </a:solidFill>
                 <a:latin typeface="Courier New" panose="02070309020205020404" pitchFamily="49" charset="0"/>
               </a:rPr>
@@ -14985,7 +15108,7 @@
             <a:r>
               <a:rPr lang="en-US" altLang="zh-CN" sz="2000" b="1" dirty="0" err="1">
                 <a:solidFill>
-                  <a:schemeClr val="folHlink"/>
+                  <a:srgbClr val="0432FF"/>
                 </a:solidFill>
                 <a:latin typeface="Courier New" panose="02070309020205020404" pitchFamily="49" charset="0"/>
               </a:rPr>
@@ -14994,7 +15117,7 @@
             <a:r>
               <a:rPr lang="en-US" altLang="zh-CN" sz="2000" b="1" dirty="0">
                 <a:solidFill>
-                  <a:schemeClr val="folHlink"/>
+                  <a:srgbClr val="0432FF"/>
                 </a:solidFill>
                 <a:latin typeface="Courier New" panose="02070309020205020404" pitchFamily="49" charset="0"/>
               </a:rPr>
@@ -15186,7 +15309,7 @@
             <a:r>
               <a:rPr lang="en-US" altLang="zh-CN" sz="2000" b="1" dirty="0">
                 <a:solidFill>
-                  <a:schemeClr val="folHlink"/>
+                  <a:srgbClr val="0432FF"/>
                 </a:solidFill>
                 <a:latin typeface="Courier New" panose="02070309020205020404" pitchFamily="49" charset="0"/>
               </a:rPr>
@@ -15195,7 +15318,7 @@
             <a:r>
               <a:rPr lang="en-US" altLang="zh-CN" sz="2000" b="1" dirty="0" err="1">
                 <a:solidFill>
-                  <a:schemeClr val="folHlink"/>
+                  <a:srgbClr val="0432FF"/>
                 </a:solidFill>
                 <a:latin typeface="Courier New" panose="02070309020205020404" pitchFamily="49" charset="0"/>
               </a:rPr>
@@ -15204,7 +15327,7 @@
             <a:r>
               <a:rPr lang="en-US" altLang="zh-CN" sz="2000" b="1" dirty="0">
                 <a:solidFill>
-                  <a:schemeClr val="folHlink"/>
+                  <a:srgbClr val="0432FF"/>
                 </a:solidFill>
                 <a:latin typeface="Courier New" panose="02070309020205020404" pitchFamily="49" charset="0"/>
               </a:rPr>
@@ -15213,7 +15336,7 @@
             <a:r>
               <a:rPr lang="en-US" altLang="zh-CN" sz="2000" b="1" dirty="0" err="1">
                 <a:solidFill>
-                  <a:schemeClr val="folHlink"/>
+                  <a:srgbClr val="0432FF"/>
                 </a:solidFill>
                 <a:latin typeface="Courier New" panose="02070309020205020404" pitchFamily="49" charset="0"/>
               </a:rPr>
@@ -15222,7 +15345,7 @@
             <a:r>
               <a:rPr lang="en-US" altLang="zh-CN" sz="2000" b="1" dirty="0">
                 <a:solidFill>
-                  <a:schemeClr val="folHlink"/>
+                  <a:srgbClr val="0432FF"/>
                 </a:solidFill>
                 <a:latin typeface="Courier New" panose="02070309020205020404" pitchFamily="49" charset="0"/>
               </a:rPr>
@@ -15240,7 +15363,7 @@
             <a:r>
               <a:rPr lang="en-US" altLang="zh-CN" sz="2000" b="1" dirty="0">
                 <a:solidFill>
-                  <a:schemeClr val="folHlink"/>
+                  <a:srgbClr val="0432FF"/>
                 </a:solidFill>
                 <a:latin typeface="Courier New" panose="02070309020205020404" pitchFamily="49" charset="0"/>
               </a:rPr>
@@ -15249,7 +15372,7 @@
             <a:r>
               <a:rPr lang="en-US" altLang="zh-CN" sz="2000" b="1" dirty="0" err="1">
                 <a:solidFill>
-                  <a:schemeClr val="folHlink"/>
+                  <a:srgbClr val="0432FF"/>
                 </a:solidFill>
                 <a:latin typeface="Courier New" panose="02070309020205020404" pitchFamily="49" charset="0"/>
               </a:rPr>
@@ -15258,7 +15381,7 @@
             <a:r>
               <a:rPr lang="en-US" altLang="zh-CN" sz="2000" b="1" dirty="0">
                 <a:solidFill>
-                  <a:schemeClr val="folHlink"/>
+                  <a:srgbClr val="0432FF"/>
                 </a:solidFill>
                 <a:latin typeface="Courier New" panose="02070309020205020404" pitchFamily="49" charset="0"/>
               </a:rPr>
@@ -15267,7 +15390,7 @@
             <a:r>
               <a:rPr lang="en-US" altLang="zh-CN" sz="2000" b="1" dirty="0" err="1">
                 <a:solidFill>
-                  <a:schemeClr val="folHlink"/>
+                  <a:srgbClr val="0432FF"/>
                 </a:solidFill>
                 <a:latin typeface="Courier New" panose="02070309020205020404" pitchFamily="49" charset="0"/>
               </a:rPr>
@@ -15276,7 +15399,7 @@
             <a:r>
               <a:rPr lang="en-US" altLang="zh-CN" sz="2000" b="1" dirty="0">
                 <a:solidFill>
-                  <a:schemeClr val="folHlink"/>
+                  <a:srgbClr val="0432FF"/>
                 </a:solidFill>
                 <a:latin typeface="Courier New" panose="02070309020205020404" pitchFamily="49" charset="0"/>
               </a:rPr>
@@ -15285,7 +15408,7 @@
             <a:r>
               <a:rPr lang="en-US" altLang="zh-CN" sz="2000" b="1" dirty="0" err="1">
                 <a:solidFill>
-                  <a:schemeClr val="folHlink"/>
+                  <a:srgbClr val="0432FF"/>
                 </a:solidFill>
                 <a:latin typeface="Courier New" panose="02070309020205020404" pitchFamily="49" charset="0"/>
               </a:rPr>
@@ -15294,7 +15417,7 @@
             <a:r>
               <a:rPr lang="en-US" altLang="zh-CN" sz="2000" b="1" dirty="0">
                 <a:solidFill>
-                  <a:schemeClr val="folHlink"/>
+                  <a:srgbClr val="0432FF"/>
                 </a:solidFill>
                 <a:latin typeface="Courier New" panose="02070309020205020404" pitchFamily="49" charset="0"/>
               </a:rPr>
@@ -15303,7 +15426,7 @@
             <a:r>
               <a:rPr lang="en-US" altLang="zh-CN" sz="2000" b="1" dirty="0" err="1">
                 <a:solidFill>
-                  <a:schemeClr val="folHlink"/>
+                  <a:srgbClr val="0432FF"/>
                 </a:solidFill>
                 <a:latin typeface="Courier New" panose="02070309020205020404" pitchFamily="49" charset="0"/>
               </a:rPr>
@@ -15312,7 +15435,7 @@
             <a:r>
               <a:rPr lang="en-US" altLang="zh-CN" sz="2000" b="1" dirty="0">
                 <a:solidFill>
-                  <a:schemeClr val="folHlink"/>
+                  <a:srgbClr val="0432FF"/>
                 </a:solidFill>
                 <a:latin typeface="Courier New" panose="02070309020205020404" pitchFamily="49" charset="0"/>
               </a:rPr>
@@ -15330,7 +15453,7 @@
             <a:r>
               <a:rPr lang="en-US" altLang="zh-CN" sz="2000" b="1" dirty="0">
                 <a:solidFill>
-                  <a:schemeClr val="folHlink"/>
+                  <a:srgbClr val="0432FF"/>
                 </a:solidFill>
                 <a:latin typeface="Courier New" panose="02070309020205020404" pitchFamily="49" charset="0"/>
               </a:rPr>
@@ -15339,7 +15462,7 @@
             <a:r>
               <a:rPr lang="en-US" altLang="zh-CN" sz="2000" b="1" dirty="0" err="1">
                 <a:solidFill>
-                  <a:schemeClr val="folHlink"/>
+                  <a:srgbClr val="0432FF"/>
                 </a:solidFill>
                 <a:latin typeface="Courier New" panose="02070309020205020404" pitchFamily="49" charset="0"/>
               </a:rPr>
@@ -15348,7 +15471,7 @@
             <a:r>
               <a:rPr lang="en-US" altLang="zh-CN" sz="2000" b="1" dirty="0">
                 <a:solidFill>
-                  <a:schemeClr val="folHlink"/>
+                  <a:srgbClr val="0432FF"/>
                 </a:solidFill>
                 <a:latin typeface="Courier New" panose="02070309020205020404" pitchFamily="49" charset="0"/>
               </a:rPr>
@@ -15357,7 +15480,7 @@
             <a:r>
               <a:rPr lang="en-US" altLang="zh-CN" sz="2000" b="1" dirty="0" err="1">
                 <a:solidFill>
-                  <a:schemeClr val="folHlink"/>
+                  <a:srgbClr val="0432FF"/>
                 </a:solidFill>
                 <a:latin typeface="Courier New" panose="02070309020205020404" pitchFamily="49" charset="0"/>
               </a:rPr>
@@ -15366,7 +15489,7 @@
             <a:r>
               <a:rPr lang="en-US" altLang="zh-CN" sz="2000" b="1" dirty="0">
                 <a:solidFill>
-                  <a:schemeClr val="folHlink"/>
+                  <a:srgbClr val="0432FF"/>
                 </a:solidFill>
                 <a:latin typeface="Courier New" panose="02070309020205020404" pitchFamily="49" charset="0"/>
               </a:rPr>
@@ -15375,7 +15498,7 @@
             <a:r>
               <a:rPr lang="en-US" altLang="zh-CN" sz="2000" b="1" dirty="0" err="1">
                 <a:solidFill>
-                  <a:schemeClr val="folHlink"/>
+                  <a:srgbClr val="0432FF"/>
                 </a:solidFill>
                 <a:latin typeface="Courier New" panose="02070309020205020404" pitchFamily="49" charset="0"/>
               </a:rPr>
@@ -15384,7 +15507,7 @@
             <a:r>
               <a:rPr lang="en-US" altLang="zh-CN" sz="2000" b="1" dirty="0">
                 <a:solidFill>
-                  <a:schemeClr val="folHlink"/>
+                  <a:srgbClr val="0432FF"/>
                 </a:solidFill>
                 <a:latin typeface="Courier New" panose="02070309020205020404" pitchFamily="49" charset="0"/>
               </a:rPr>
@@ -15393,7 +15516,7 @@
             <a:r>
               <a:rPr lang="en-US" altLang="zh-CN" sz="2000" b="1" dirty="0" err="1">
                 <a:solidFill>
-                  <a:schemeClr val="folHlink"/>
+                  <a:srgbClr val="0432FF"/>
                 </a:solidFill>
                 <a:latin typeface="Courier New" panose="02070309020205020404" pitchFamily="49" charset="0"/>
               </a:rPr>
@@ -15402,7 +15525,7 @@
             <a:r>
               <a:rPr lang="en-US" altLang="zh-CN" sz="2000" b="1" dirty="0">
                 <a:solidFill>
-                  <a:schemeClr val="folHlink"/>
+                  <a:srgbClr val="0432FF"/>
                 </a:solidFill>
                 <a:latin typeface="Courier New" panose="02070309020205020404" pitchFamily="49" charset="0"/>
               </a:rPr>
@@ -15411,7 +15534,7 @@
             <a:r>
               <a:rPr lang="en-US" altLang="zh-CN" sz="2000" b="1" dirty="0" err="1">
                 <a:solidFill>
-                  <a:schemeClr val="folHlink"/>
+                  <a:srgbClr val="0432FF"/>
                 </a:solidFill>
                 <a:latin typeface="Courier New" panose="02070309020205020404" pitchFamily="49" charset="0"/>
               </a:rPr>
@@ -15420,11 +15543,62 @@
             <a:r>
               <a:rPr lang="en-US" altLang="zh-CN" sz="2000" b="1" dirty="0">
                 <a:solidFill>
-                  <a:schemeClr val="folHlink"/>
+                  <a:srgbClr val="0432FF"/>
                 </a:solidFill>
                 <a:latin typeface="Courier New" panose="02070309020205020404" pitchFamily="49" charset="0"/>
               </a:rPr>
               <a:t>]);</a:t>
+            </a:r>
+          </a:p>
+          <a:p>
+            <a:pPr>
+              <a:lnSpc>
+                <a:spcPct val="80000"/>
+              </a:lnSpc>
+              <a:buFont typeface="Wingdings" panose="05000000000000000000" pitchFamily="2" charset="2"/>
+              <a:buNone/>
+            </a:pPr>
+            <a:endParaRPr lang="en-US" altLang="zh-CN" sz="2000" b="1" dirty="0">
+              <a:solidFill>
+                <a:srgbClr val="0432FF"/>
+              </a:solidFill>
+              <a:latin typeface="Courier New" panose="02070309020205020404" pitchFamily="49" charset="0"/>
+            </a:endParaRPr>
+          </a:p>
+          <a:p>
+            <a:pPr>
+              <a:lnSpc>
+                <a:spcPct val="80000"/>
+              </a:lnSpc>
+              <a:buFont typeface="Wingdings" panose="05000000000000000000" pitchFamily="2" charset="2"/>
+              <a:buNone/>
+            </a:pPr>
+            <a:r>
+              <a:rPr lang="en-US" altLang="zh-CN" sz="2000" b="1" dirty="0">
+                <a:solidFill>
+                  <a:srgbClr val="0432FF"/>
+                </a:solidFill>
+                <a:latin typeface="Courier New" panose="02070309020205020404" pitchFamily="49" charset="0"/>
+              </a:rPr>
+              <a:t>	return 0;</a:t>
+            </a:r>
+          </a:p>
+          <a:p>
+            <a:pPr>
+              <a:lnSpc>
+                <a:spcPct val="80000"/>
+              </a:lnSpc>
+              <a:buFont typeface="Wingdings" panose="05000000000000000000" pitchFamily="2" charset="2"/>
+              <a:buNone/>
+            </a:pPr>
+            <a:r>
+              <a:rPr lang="en-US" altLang="zh-CN" sz="2000" b="1" dirty="0">
+                <a:solidFill>
+                  <a:srgbClr val="0432FF"/>
+                </a:solidFill>
+                <a:latin typeface="Courier New" panose="02070309020205020404" pitchFamily="49" charset="0"/>
+              </a:rPr>
+              <a:t>}</a:t>
             </a:r>
           </a:p>
           <a:p>
@@ -15452,12 +15626,9 @@
             </a:pPr>
             <a:r>
               <a:rPr lang="en-US" altLang="zh-CN" sz="2000" b="1" dirty="0">
-                <a:solidFill>
-                  <a:schemeClr val="folHlink"/>
-                </a:solidFill>
-                <a:latin typeface="Courier New" panose="02070309020205020404" pitchFamily="49" charset="0"/>
-              </a:rPr>
-              <a:t>	return 0;</a:t>
+                <a:latin typeface="Courier New" panose="02070309020205020404" pitchFamily="49" charset="0"/>
+              </a:rPr>
+              <a:t>// Compile this program, and run it (on Linux):</a:t>
             </a:r>
           </a:p>
           <a:p>
@@ -15471,55 +15642,7 @@
             <a:r>
               <a:rPr lang="en-US" altLang="zh-CN" sz="2000" b="1" dirty="0">
                 <a:solidFill>
-                  <a:schemeClr val="folHlink"/>
-                </a:solidFill>
-                <a:latin typeface="Courier New" panose="02070309020205020404" pitchFamily="49" charset="0"/>
-              </a:rPr>
-              <a:t>}</a:t>
-            </a:r>
-          </a:p>
-          <a:p>
-            <a:pPr>
-              <a:lnSpc>
-                <a:spcPct val="80000"/>
-              </a:lnSpc>
-              <a:buFont typeface="Wingdings" panose="05000000000000000000" pitchFamily="2" charset="2"/>
-              <a:buNone/>
-            </a:pPr>
-            <a:endParaRPr lang="en-US" altLang="zh-CN" sz="2000" b="1" dirty="0">
-              <a:solidFill>
-                <a:schemeClr val="folHlink"/>
-              </a:solidFill>
-              <a:latin typeface="Courier New" panose="02070309020205020404" pitchFamily="49" charset="0"/>
-            </a:endParaRPr>
-          </a:p>
-          <a:p>
-            <a:pPr>
-              <a:lnSpc>
-                <a:spcPct val="80000"/>
-              </a:lnSpc>
-              <a:buFont typeface="Wingdings" panose="05000000000000000000" pitchFamily="2" charset="2"/>
-              <a:buNone/>
-            </a:pPr>
-            <a:r>
-              <a:rPr lang="en-US" altLang="zh-CN" sz="2000" b="1" dirty="0">
-                <a:latin typeface="Courier New" panose="02070309020205020404" pitchFamily="49" charset="0"/>
-              </a:rPr>
-              <a:t>// Compile this program, and run it (on Linux):</a:t>
-            </a:r>
-          </a:p>
-          <a:p>
-            <a:pPr>
-              <a:lnSpc>
-                <a:spcPct val="80000"/>
-              </a:lnSpc>
-              <a:buFont typeface="Wingdings" panose="05000000000000000000" pitchFamily="2" charset="2"/>
-              <a:buNone/>
-            </a:pPr>
-            <a:r>
-              <a:rPr lang="en-US" altLang="zh-CN" sz="2000" b="1">
-                <a:solidFill>
-                  <a:schemeClr val="folHlink"/>
+                  <a:srgbClr val="0432FF"/>
                 </a:solidFill>
                 <a:latin typeface="Courier New" panose="02070309020205020404" pitchFamily="49" charset="0"/>
               </a:rPr>
@@ -15528,7 +15651,7 @@
             <a:r>
               <a:rPr lang="en-US" altLang="zh-CN" sz="2000" b="1" dirty="0" err="1">
                 <a:solidFill>
-                  <a:schemeClr val="folHlink"/>
+                  <a:srgbClr val="0432FF"/>
                 </a:solidFill>
                 <a:latin typeface="Courier New" panose="02070309020205020404" pitchFamily="49" charset="0"/>
               </a:rPr>
@@ -15537,44 +15660,11 @@
             <a:r>
               <a:rPr lang="en-US" altLang="zh-CN" sz="2000" b="1" dirty="0">
                 <a:solidFill>
-                  <a:schemeClr val="folHlink"/>
+                  <a:srgbClr val="0432FF"/>
                 </a:solidFill>
                 <a:latin typeface="Courier New" panose="02070309020205020404" pitchFamily="49" charset="0"/>
               </a:rPr>
               <a:t> hello world</a:t>
-            </a:r>
-          </a:p>
-          <a:p>
-            <a:pPr>
-              <a:lnSpc>
-                <a:spcPct val="80000"/>
-              </a:lnSpc>
-              <a:buFont typeface="Wingdings" panose="05000000000000000000" pitchFamily="2" charset="2"/>
-              <a:buNone/>
-            </a:pPr>
-            <a:r>
-              <a:rPr lang="en-US" altLang="zh-CN" sz="2000" b="1" dirty="0">
-                <a:latin typeface="Courier New" panose="02070309020205020404" pitchFamily="49" charset="0"/>
-              </a:rPr>
-              <a:t>// or (on Windows):</a:t>
-            </a:r>
-          </a:p>
-          <a:p>
-            <a:pPr>
-              <a:lnSpc>
-                <a:spcPct val="80000"/>
-              </a:lnSpc>
-              <a:buFont typeface="Wingdings" panose="05000000000000000000" pitchFamily="2" charset="2"/>
-              <a:buNone/>
-            </a:pPr>
-            <a:r>
-              <a:rPr lang="en-US" altLang="zh-CN" sz="2000" b="1" dirty="0">
-                <a:solidFill>
-                  <a:schemeClr val="folHlink"/>
-                </a:solidFill>
-                <a:latin typeface="Courier New" panose="02070309020205020404" pitchFamily="49" charset="0"/>
-              </a:rPr>
-              <a:t>c:\a.exe hello world</a:t>
             </a:r>
           </a:p>
         </p:txBody>
@@ -15918,7 +16008,7 @@
             <a:r>
               <a:rPr lang="en-US" altLang="zh-CN" sz="2000" b="1" dirty="0">
                 <a:solidFill>
-                  <a:schemeClr val="folHlink"/>
+                  <a:srgbClr val="0432FF"/>
                 </a:solidFill>
                 <a:latin typeface="Courier New" panose="02070309020205020404" pitchFamily="49" charset="0"/>
               </a:rPr>
@@ -15936,7 +16026,7 @@
             <a:r>
               <a:rPr lang="en-US" altLang="zh-CN" sz="2000" b="1" dirty="0">
                 <a:solidFill>
-                  <a:schemeClr val="folHlink"/>
+                  <a:srgbClr val="0432FF"/>
                 </a:solidFill>
                 <a:latin typeface="Courier New" panose="02070309020205020404" pitchFamily="49" charset="0"/>
               </a:rPr>
@@ -15953,7 +16043,7 @@
             </a:pPr>
             <a:endParaRPr lang="en-US" altLang="zh-CN" sz="2000" b="1" dirty="0">
               <a:solidFill>
-                <a:schemeClr val="folHlink"/>
+                <a:srgbClr val="0432FF"/>
               </a:solidFill>
               <a:latin typeface="Courier New" panose="02070309020205020404" pitchFamily="49" charset="0"/>
             </a:endParaRPr>
@@ -15969,7 +16059,7 @@
             <a:r>
               <a:rPr lang="en-US" altLang="zh-CN" sz="2000" b="1" dirty="0">
                 <a:solidFill>
-                  <a:schemeClr val="folHlink"/>
+                  <a:srgbClr val="0432FF"/>
                 </a:solidFill>
                 <a:latin typeface="Courier New" panose="02070309020205020404" pitchFamily="49" charset="0"/>
               </a:rPr>
@@ -15987,7 +16077,7 @@
             <a:r>
               <a:rPr lang="en-US" altLang="zh-CN" sz="2000" b="1" dirty="0">
                 <a:solidFill>
-                  <a:schemeClr val="folHlink"/>
+                  <a:srgbClr val="0432FF"/>
                 </a:solidFill>
                 <a:latin typeface="Courier New" panose="02070309020205020404" pitchFamily="49" charset="0"/>
               </a:rPr>
@@ -16005,7 +16095,7 @@
             <a:r>
               <a:rPr lang="en-US" altLang="zh-CN" sz="2000" b="1" dirty="0">
                 <a:solidFill>
-                  <a:schemeClr val="folHlink"/>
+                  <a:srgbClr val="0432FF"/>
                 </a:solidFill>
                 <a:latin typeface="Courier New" panose="02070309020205020404" pitchFamily="49" charset="0"/>
               </a:rPr>
@@ -17766,25 +17856,25 @@
             <a:r>
               <a:rPr lang="en-US" altLang="zh-CN" sz="2000" b="1" dirty="0">
                 <a:solidFill>
-                  <a:schemeClr val="folHlink"/>
-                </a:solidFill>
-                <a:latin typeface="Courier New" panose="02070309020205020404" pitchFamily="49" charset="0"/>
-              </a:rPr>
-              <a:t>type (*name)(type1, …, </a:t>
+                  <a:srgbClr val="0432FF"/>
+                </a:solidFill>
+                <a:latin typeface="Courier New" panose="02070309020205020404" pitchFamily="49" charset="0"/>
+              </a:rPr>
+              <a:t>type (*name)(type_1, …, </a:t>
             </a:r>
             <a:r>
               <a:rPr lang="en-US" altLang="zh-CN" sz="2000" b="1" dirty="0" err="1">
                 <a:solidFill>
-                  <a:schemeClr val="folHlink"/>
-                </a:solidFill>
-                <a:latin typeface="Courier New" panose="02070309020205020404" pitchFamily="49" charset="0"/>
-              </a:rPr>
-              <a:t>typen</a:t>
-            </a:r>
-            <a:r>
-              <a:rPr lang="en-US" altLang="zh-CN" sz="2000" b="1" dirty="0">
-                <a:solidFill>
-                  <a:schemeClr val="folHlink"/>
+                  <a:srgbClr val="0432FF"/>
+                </a:solidFill>
+                <a:latin typeface="Courier New" panose="02070309020205020404" pitchFamily="49" charset="0"/>
+              </a:rPr>
+              <a:t>type_n</a:t>
+            </a:r>
+            <a:r>
+              <a:rPr lang="en-US" altLang="zh-CN" sz="2000" b="1" dirty="0">
+                <a:solidFill>
+                  <a:srgbClr val="0432FF"/>
                 </a:solidFill>
                 <a:latin typeface="Courier New" panose="02070309020205020404" pitchFamily="49" charset="0"/>
               </a:rPr>
@@ -17817,7 +17907,7 @@
             <a:r>
               <a:rPr lang="en-US" altLang="zh-CN" sz="2000" b="1" dirty="0">
                 <a:solidFill>
-                  <a:schemeClr val="folHlink"/>
+                  <a:srgbClr val="0432FF"/>
                 </a:solidFill>
                 <a:latin typeface="Courier New" panose="02070309020205020404" pitchFamily="49" charset="0"/>
               </a:rPr>
@@ -17865,7 +17955,7 @@
             <a:r>
               <a:rPr lang="en-US" altLang="zh-CN" sz="2000" b="1" dirty="0">
                 <a:solidFill>
-                  <a:schemeClr val="folHlink"/>
+                  <a:srgbClr val="0432FF"/>
                 </a:solidFill>
                 <a:latin typeface="Courier New" panose="02070309020205020404" pitchFamily="49" charset="0"/>
               </a:rPr>
@@ -17874,34 +17964,34 @@
             <a:r>
               <a:rPr lang="en-US" altLang="zh-CN" sz="2000" b="1" dirty="0" err="1">
                 <a:solidFill>
-                  <a:schemeClr val="folHlink"/>
-                </a:solidFill>
-                <a:latin typeface="Courier New" panose="02070309020205020404" pitchFamily="49" charset="0"/>
-              </a:rPr>
-              <a:t>tyName</a:t>
-            </a:r>
-            <a:r>
-              <a:rPr lang="en-US" altLang="zh-CN" sz="2000" b="1" dirty="0">
-                <a:solidFill>
-                  <a:schemeClr val="folHlink"/>
-                </a:solidFill>
-                <a:latin typeface="Courier New" panose="02070309020205020404" pitchFamily="49" charset="0"/>
-              </a:rPr>
-              <a:t>)(type1, …, </a:t>
+                  <a:srgbClr val="0432FF"/>
+                </a:solidFill>
+                <a:latin typeface="Courier New" panose="02070309020205020404" pitchFamily="49" charset="0"/>
+              </a:rPr>
+              <a:t>ty_name</a:t>
+            </a:r>
+            <a:r>
+              <a:rPr lang="en-US" altLang="zh-CN" sz="2000" b="1" dirty="0">
+                <a:solidFill>
+                  <a:srgbClr val="0432FF"/>
+                </a:solidFill>
+                <a:latin typeface="Courier New" panose="02070309020205020404" pitchFamily="49" charset="0"/>
+              </a:rPr>
+              <a:t>)(type_1, …, </a:t>
             </a:r>
             <a:r>
               <a:rPr lang="en-US" altLang="zh-CN" sz="2000" b="1" dirty="0" err="1">
                 <a:solidFill>
-                  <a:schemeClr val="folHlink"/>
-                </a:solidFill>
-                <a:latin typeface="Courier New" panose="02070309020205020404" pitchFamily="49" charset="0"/>
-              </a:rPr>
-              <a:t>typen</a:t>
-            </a:r>
-            <a:r>
-              <a:rPr lang="en-US" altLang="zh-CN" sz="2000" b="1" dirty="0">
-                <a:solidFill>
-                  <a:schemeClr val="folHlink"/>
+                  <a:srgbClr val="0432FF"/>
+                </a:solidFill>
+                <a:latin typeface="Courier New" panose="02070309020205020404" pitchFamily="49" charset="0"/>
+              </a:rPr>
+              <a:t>type_n</a:t>
+            </a:r>
+            <a:r>
+              <a:rPr lang="en-US" altLang="zh-CN" sz="2000" b="1" dirty="0">
+                <a:solidFill>
+                  <a:srgbClr val="0432FF"/>
                 </a:solidFill>
                 <a:latin typeface="Courier New" panose="02070309020205020404" pitchFamily="49" charset="0"/>
               </a:rPr>
@@ -17919,16 +18009,16 @@
             <a:r>
               <a:rPr lang="en-US" altLang="zh-CN" sz="2000" b="1" dirty="0" err="1">
                 <a:solidFill>
-                  <a:schemeClr val="folHlink"/>
-                </a:solidFill>
-                <a:latin typeface="Courier New" panose="02070309020205020404" pitchFamily="49" charset="0"/>
-              </a:rPr>
-              <a:t>tyName</a:t>
-            </a:r>
-            <a:r>
-              <a:rPr lang="en-US" altLang="zh-CN" sz="2000" b="1" dirty="0">
-                <a:solidFill>
-                  <a:schemeClr val="folHlink"/>
+                  <a:srgbClr val="0432FF"/>
+                </a:solidFill>
+                <a:latin typeface="Courier New" panose="02070309020205020404" pitchFamily="49" charset="0"/>
+              </a:rPr>
+              <a:t>ty_name</a:t>
+            </a:r>
+            <a:r>
+              <a:rPr lang="en-US" altLang="zh-CN" sz="2000" b="1" dirty="0">
+                <a:solidFill>
+                  <a:srgbClr val="0432FF"/>
                 </a:solidFill>
                 <a:latin typeface="Courier New" panose="02070309020205020404" pitchFamily="49" charset="0"/>
               </a:rPr>
@@ -17937,16 +18027,16 @@
             <a:r>
               <a:rPr lang="en-US" altLang="zh-CN" sz="2000" b="1" dirty="0" err="1">
                 <a:solidFill>
-                  <a:schemeClr val="folHlink"/>
-                </a:solidFill>
-                <a:latin typeface="Courier New" panose="02070309020205020404" pitchFamily="49" charset="0"/>
-              </a:rPr>
-              <a:t>fName</a:t>
-            </a:r>
-            <a:r>
-              <a:rPr lang="en-US" altLang="zh-CN" sz="2000" b="1" dirty="0">
-                <a:solidFill>
-                  <a:schemeClr val="folHlink"/>
+                  <a:srgbClr val="0432FF"/>
+                </a:solidFill>
+                <a:latin typeface="Courier New" panose="02070309020205020404" pitchFamily="49" charset="0"/>
+              </a:rPr>
+              <a:t>fun_name</a:t>
+            </a:r>
+            <a:r>
+              <a:rPr lang="en-US" altLang="zh-CN" sz="2000" b="1" dirty="0">
+                <a:solidFill>
+                  <a:srgbClr val="0432FF"/>
                 </a:solidFill>
                 <a:latin typeface="Courier New" panose="02070309020205020404" pitchFamily="49" charset="0"/>
               </a:rPr>
@@ -17979,7 +18069,7 @@
             <a:r>
               <a:rPr lang="en-US" altLang="zh-CN" sz="2000" b="1" dirty="0">
                 <a:solidFill>
-                  <a:schemeClr val="folHlink"/>
+                  <a:srgbClr val="0432FF"/>
                 </a:solidFill>
                 <a:latin typeface="Courier New" panose="02070309020205020404" pitchFamily="49" charset="0"/>
               </a:rPr>
@@ -17988,16 +18078,16 @@
             <a:r>
               <a:rPr lang="en-US" altLang="zh-CN" sz="2000" b="1" dirty="0" err="1">
                 <a:solidFill>
-                  <a:schemeClr val="folHlink"/>
-                </a:solidFill>
-                <a:latin typeface="Courier New" panose="02070309020205020404" pitchFamily="49" charset="0"/>
-              </a:rPr>
-              <a:t>tyFun</a:t>
-            </a:r>
-            <a:r>
-              <a:rPr lang="en-US" altLang="zh-CN" sz="2000" b="1" dirty="0">
-                <a:solidFill>
-                  <a:schemeClr val="folHlink"/>
+                  <a:srgbClr val="0432FF"/>
+                </a:solidFill>
+                <a:latin typeface="Courier New" panose="02070309020205020404" pitchFamily="49" charset="0"/>
+              </a:rPr>
+              <a:t>ty_fun</a:t>
+            </a:r>
+            <a:r>
+              <a:rPr lang="en-US" altLang="zh-CN" sz="2000" b="1" dirty="0">
+                <a:solidFill>
+                  <a:srgbClr val="0432FF"/>
                 </a:solidFill>
                 <a:latin typeface="Courier New" panose="02070309020205020404" pitchFamily="49" charset="0"/>
               </a:rPr>
@@ -18015,16 +18105,16 @@
             <a:r>
               <a:rPr lang="en-US" altLang="zh-CN" sz="2000" b="1" dirty="0" err="1">
                 <a:solidFill>
-                  <a:schemeClr val="folHlink"/>
-                </a:solidFill>
-                <a:latin typeface="Courier New" panose="02070309020205020404" pitchFamily="49" charset="0"/>
-              </a:rPr>
-              <a:t>tyFun</a:t>
-            </a:r>
-            <a:r>
-              <a:rPr lang="en-US" altLang="zh-CN" sz="2000" b="1" dirty="0">
-                <a:solidFill>
-                  <a:schemeClr val="folHlink"/>
+                  <a:srgbClr val="0432FF"/>
+                </a:solidFill>
+                <a:latin typeface="Courier New" panose="02070309020205020404" pitchFamily="49" charset="0"/>
+              </a:rPr>
+              <a:t>ty_fun</a:t>
+            </a:r>
+            <a:r>
+              <a:rPr lang="en-US" altLang="zh-CN" sz="2000" b="1" dirty="0">
+                <a:solidFill>
+                  <a:srgbClr val="0432FF"/>
                 </a:solidFill>
                 <a:latin typeface="Courier New" panose="02070309020205020404" pitchFamily="49" charset="0"/>
               </a:rPr>
@@ -18676,7 +18766,7 @@
             <a:r>
               <a:rPr lang="en-US" altLang="zh-CN" sz="2000" b="1" dirty="0">
                 <a:solidFill>
-                  <a:schemeClr val="folHlink"/>
+                  <a:srgbClr val="0432FF"/>
                 </a:solidFill>
                 <a:latin typeface="Courier New" panose="02070309020205020404" pitchFamily="49" charset="0"/>
               </a:rPr>
@@ -18694,7 +18784,7 @@
             <a:r>
               <a:rPr lang="en-US" altLang="zh-CN" sz="2000" b="1" dirty="0">
                 <a:solidFill>
-                  <a:schemeClr val="folHlink"/>
+                  <a:srgbClr val="0432FF"/>
                 </a:solidFill>
                 <a:latin typeface="Courier New" panose="02070309020205020404" pitchFamily="49" charset="0"/>
               </a:rPr>
@@ -18712,7 +18802,7 @@
             <a:r>
               <a:rPr lang="en-US" altLang="zh-CN" sz="2000" b="1" dirty="0">
                 <a:solidFill>
-                  <a:schemeClr val="folHlink"/>
+                  <a:srgbClr val="0432FF"/>
                 </a:solidFill>
                 <a:latin typeface="Courier New" panose="02070309020205020404" pitchFamily="49" charset="0"/>
               </a:rPr>
@@ -18730,7 +18820,7 @@
             <a:r>
               <a:rPr lang="en-US" altLang="zh-CN" sz="2000" b="1" dirty="0">
                 <a:solidFill>
-                  <a:schemeClr val="folHlink"/>
+                  <a:srgbClr val="0432FF"/>
                 </a:solidFill>
                 <a:latin typeface="Courier New" panose="02070309020205020404" pitchFamily="49" charset="0"/>
               </a:rPr>
@@ -18747,7 +18837,7 @@
             </a:pPr>
             <a:endParaRPr lang="en-US" altLang="zh-CN" sz="2000" b="1" dirty="0">
               <a:solidFill>
-                <a:schemeClr val="folHlink"/>
+                <a:srgbClr val="0432FF"/>
               </a:solidFill>
               <a:latin typeface="Courier New" panose="02070309020205020404" pitchFamily="49" charset="0"/>
             </a:endParaRPr>
@@ -18763,7 +18853,7 @@
             <a:r>
               <a:rPr lang="en-US" altLang="zh-CN" sz="2000" b="1" dirty="0">
                 <a:solidFill>
-                  <a:schemeClr val="folHlink"/>
+                  <a:srgbClr val="0432FF"/>
                 </a:solidFill>
                 <a:latin typeface="Courier New" panose="02070309020205020404" pitchFamily="49" charset="0"/>
               </a:rPr>
@@ -18781,7 +18871,7 @@
             <a:r>
               <a:rPr lang="en-US" altLang="zh-CN" sz="2000" b="1" dirty="0">
                 <a:solidFill>
-                  <a:schemeClr val="folHlink"/>
+                  <a:srgbClr val="0432FF"/>
                 </a:solidFill>
                 <a:latin typeface="Courier New" panose="02070309020205020404" pitchFamily="49" charset="0"/>
               </a:rPr>
@@ -18799,7 +18889,7 @@
             <a:r>
               <a:rPr lang="en-US" altLang="zh-CN" sz="2000" b="1" dirty="0">
                 <a:solidFill>
-                  <a:schemeClr val="folHlink"/>
+                  <a:srgbClr val="0432FF"/>
                 </a:solidFill>
                 <a:latin typeface="Courier New" panose="02070309020205020404" pitchFamily="49" charset="0"/>
               </a:rPr>
@@ -18817,7 +18907,7 @@
             <a:r>
               <a:rPr lang="en-US" altLang="zh-CN" sz="2000" b="1" dirty="0">
                 <a:solidFill>
-                  <a:schemeClr val="folHlink"/>
+                  <a:srgbClr val="0432FF"/>
                 </a:solidFill>
                 <a:latin typeface="Courier New" panose="02070309020205020404" pitchFamily="49" charset="0"/>
               </a:rPr>
@@ -18835,7 +18925,7 @@
             <a:r>
               <a:rPr lang="en-US" altLang="zh-CN" sz="2000" b="1" dirty="0">
                 <a:solidFill>
-                  <a:schemeClr val="folHlink"/>
+                  <a:srgbClr val="0432FF"/>
                 </a:solidFill>
                 <a:latin typeface="Courier New" panose="02070309020205020404" pitchFamily="49" charset="0"/>
               </a:rPr>
@@ -18853,7 +18943,7 @@
             <a:r>
               <a:rPr lang="en-US" altLang="zh-CN" sz="2000" b="1" dirty="0">
                 <a:solidFill>
-                  <a:schemeClr val="folHlink"/>
+                  <a:srgbClr val="0432FF"/>
                 </a:solidFill>
                 <a:latin typeface="Courier New" panose="02070309020205020404" pitchFamily="49" charset="0"/>
               </a:rPr>
@@ -18871,7 +18961,7 @@
             <a:r>
               <a:rPr lang="en-US" altLang="zh-CN" sz="2000" b="1" dirty="0">
                 <a:solidFill>
-                  <a:schemeClr val="folHlink"/>
+                  <a:srgbClr val="0432FF"/>
                 </a:solidFill>
                 <a:latin typeface="Courier New" panose="02070309020205020404" pitchFamily="49" charset="0"/>
               </a:rPr>
@@ -18889,7 +18979,7 @@
             <a:r>
               <a:rPr lang="en-US" altLang="zh-CN" sz="2000" b="1" dirty="0">
                 <a:solidFill>
-                  <a:schemeClr val="folHlink"/>
+                  <a:srgbClr val="0432FF"/>
                 </a:solidFill>
                 <a:latin typeface="Courier New" panose="02070309020205020404" pitchFamily="49" charset="0"/>
               </a:rPr>
@@ -20216,7 +20306,7 @@
             <a:r>
               <a:rPr lang="en-US" altLang="zh-CN" sz="2000" b="1" dirty="0">
                 <a:solidFill>
-                  <a:schemeClr val="folHlink"/>
+                  <a:srgbClr val="0432FF"/>
                 </a:solidFill>
                 <a:latin typeface="Courier New" panose="02070309020205020404" pitchFamily="49" charset="0"/>
               </a:rPr>
@@ -20234,29 +20324,47 @@
             <a:r>
               <a:rPr lang="en-US" altLang="zh-CN" sz="2000" b="1" dirty="0">
                 <a:solidFill>
-                  <a:schemeClr val="folHlink"/>
-                </a:solidFill>
-                <a:latin typeface="Courier New" panose="02070309020205020404" pitchFamily="49" charset="0"/>
-              </a:rPr>
-              <a:t>	int temp = </a:t>
-            </a:r>
-            <a:r>
-              <a:rPr lang="en-US" altLang="zh-CN" sz="2000" b="1" dirty="0" err="1">
-                <a:solidFill>
-                  <a:schemeClr val="folHlink"/>
-                </a:solidFill>
-                <a:latin typeface="Courier New" panose="02070309020205020404" pitchFamily="49" charset="0"/>
-              </a:rPr>
-              <a:t>x+y</a:t>
-            </a:r>
-            <a:r>
-              <a:rPr lang="en-US" altLang="zh-CN" sz="2000" b="1" dirty="0">
-                <a:solidFill>
-                  <a:schemeClr val="folHlink"/>
-                </a:solidFill>
-                <a:latin typeface="Courier New" panose="02070309020205020404" pitchFamily="49" charset="0"/>
-              </a:rPr>
-              <a:t>;</a:t>
+                  <a:srgbClr val="0432FF"/>
+                </a:solidFill>
+                <a:latin typeface="Courier New" panose="02070309020205020404" pitchFamily="49" charset="0"/>
+              </a:rPr>
+              <a:t>	int temp = x</a:t>
+            </a:r>
+            <a:r>
+              <a:rPr lang="zh-CN" altLang="en-US" sz="2000" b="1" dirty="0">
+                <a:solidFill>
+                  <a:srgbClr val="0432FF"/>
+                </a:solidFill>
+                <a:latin typeface="Courier New" panose="02070309020205020404" pitchFamily="49" charset="0"/>
+              </a:rPr>
+              <a:t> </a:t>
+            </a:r>
+            <a:r>
+              <a:rPr lang="en-US" altLang="zh-CN" sz="2000" b="1" dirty="0">
+                <a:solidFill>
+                  <a:srgbClr val="0432FF"/>
+                </a:solidFill>
+                <a:latin typeface="Courier New" panose="02070309020205020404" pitchFamily="49" charset="0"/>
+              </a:rPr>
+              <a:t>+</a:t>
+            </a:r>
+            <a:r>
+              <a:rPr lang="zh-CN" altLang="en-US" sz="2000" b="1" dirty="0">
+                <a:solidFill>
+                  <a:srgbClr val="0432FF"/>
+                </a:solidFill>
+                <a:latin typeface="Courier New" panose="02070309020205020404" pitchFamily="49" charset="0"/>
+              </a:rPr>
+              <a:t> </a:t>
+            </a:r>
+            <a:r>
+              <a:rPr lang="en-US" altLang="zh-CN" sz="2000" b="1" dirty="0">
+                <a:solidFill>
+                  <a:srgbClr val="0432FF"/>
+                </a:solidFill>
+                <a:latin typeface="Courier New" panose="02070309020205020404" pitchFamily="49" charset="0"/>
+              </a:rPr>
+              <a:t>y;</a:t>
             </a:r>
           </a:p>
           <a:p>
@@ -20270,7 +20378,7 @@
             <a:r>
               <a:rPr lang="en-US" altLang="zh-CN" sz="2000" b="1" dirty="0">
                 <a:solidFill>
-                  <a:schemeClr val="folHlink"/>
+                  <a:srgbClr val="0432FF"/>
                 </a:solidFill>
                 <a:latin typeface="Courier New" panose="02070309020205020404" pitchFamily="49" charset="0"/>
               </a:rPr>
@@ -20288,7 +20396,7 @@
             <a:r>
               <a:rPr lang="en-US" altLang="zh-CN" sz="2000" b="1" dirty="0">
                 <a:solidFill>
-                  <a:schemeClr val="folHlink"/>
+                  <a:srgbClr val="0432FF"/>
                 </a:solidFill>
                 <a:latin typeface="Courier New" panose="02070309020205020404" pitchFamily="49" charset="0"/>
               </a:rPr>
@@ -20306,7 +20414,7 @@
             <a:r>
               <a:rPr lang="en-US" altLang="zh-CN" sz="2000" b="1" dirty="0">
                 <a:solidFill>
-                  <a:schemeClr val="folHlink"/>
+                  <a:srgbClr val="0432FF"/>
                 </a:solidFill>
                 <a:latin typeface="Courier New" panose="02070309020205020404" pitchFamily="49" charset="0"/>
               </a:rPr>
@@ -20324,7 +20432,7 @@
             <a:r>
               <a:rPr lang="en-US" altLang="zh-CN" sz="2000" b="1" dirty="0">
                 <a:solidFill>
-                  <a:schemeClr val="folHlink"/>
+                  <a:srgbClr val="0432FF"/>
                 </a:solidFill>
                 <a:latin typeface="Courier New" panose="02070309020205020404" pitchFamily="49" charset="0"/>
               </a:rPr>
@@ -20341,7 +20449,7 @@
             </a:pPr>
             <a:endParaRPr lang="en-US" altLang="zh-CN" sz="2000" b="1" dirty="0">
               <a:solidFill>
-                <a:schemeClr val="folHlink"/>
+                <a:srgbClr val="0432FF"/>
               </a:solidFill>
               <a:latin typeface="Courier New" panose="02070309020205020404" pitchFamily="49" charset="0"/>
             </a:endParaRPr>
@@ -20357,7 +20465,7 @@
             <a:r>
               <a:rPr lang="en-US" altLang="zh-CN" sz="2000" b="1" dirty="0">
                 <a:solidFill>
-                  <a:schemeClr val="folHlink"/>
+                  <a:srgbClr val="0432FF"/>
                 </a:solidFill>
                 <a:latin typeface="Courier New" panose="02070309020205020404" pitchFamily="49" charset="0"/>
               </a:rPr>
@@ -20373,22 +20481,13 @@
               <a:buNone/>
             </a:pPr>
             <a:r>
-              <a:rPr lang="en-US" altLang="zh-CN" sz="2000" b="1">
-                <a:solidFill>
-                  <a:schemeClr val="folHlink"/>
-                </a:solidFill>
-                <a:latin typeface="Courier New" panose="02070309020205020404" pitchFamily="49" charset="0"/>
-              </a:rPr>
-              <a:t>	f(</a:t>
-            </a:r>
-            <a:r>
-              <a:rPr lang="en-US" altLang="zh-CN" sz="2000" b="1" dirty="0">
-                <a:solidFill>
-                  <a:schemeClr val="folHlink"/>
-                </a:solidFill>
-                <a:latin typeface="Courier New" panose="02070309020205020404" pitchFamily="49" charset="0"/>
-              </a:rPr>
-              <a:t>3, 4);</a:t>
+              <a:rPr lang="en-US" altLang="zh-CN" sz="2000" b="1" dirty="0">
+                <a:solidFill>
+                  <a:srgbClr val="0432FF"/>
+                </a:solidFill>
+                <a:latin typeface="Courier New" panose="02070309020205020404" pitchFamily="49" charset="0"/>
+              </a:rPr>
+              <a:t>	f(3, 4);</a:t>
             </a:r>
           </a:p>
           <a:p>
@@ -20402,7 +20501,7 @@
             <a:r>
               <a:rPr lang="en-US" altLang="zh-CN" sz="2000" b="1" dirty="0">
                 <a:solidFill>
-                  <a:schemeClr val="folHlink"/>
+                  <a:srgbClr val="0432FF"/>
                 </a:solidFill>
                 <a:latin typeface="Courier New" panose="02070309020205020404" pitchFamily="49" charset="0"/>
               </a:rPr>
@@ -20426,7 +20525,7 @@
             <a:r>
               <a:rPr lang="en-US" altLang="zh-CN" sz="2000" b="1" dirty="0">
                 <a:solidFill>
-                  <a:schemeClr val="folHlink"/>
+                  <a:srgbClr val="0432FF"/>
                 </a:solidFill>
                 <a:latin typeface="Courier New" panose="02070309020205020404" pitchFamily="49" charset="0"/>
               </a:rPr>
@@ -20444,7 +20543,7 @@
             <a:r>
               <a:rPr lang="en-US" altLang="zh-CN" sz="2000" b="1" dirty="0">
                 <a:solidFill>
-                  <a:schemeClr val="folHlink"/>
+                  <a:srgbClr val="0432FF"/>
                 </a:solidFill>
                 <a:latin typeface="Courier New" panose="02070309020205020404" pitchFamily="49" charset="0"/>
               </a:rPr>
@@ -20552,7 +20651,7 @@
             <a:r>
               <a:rPr lang="en-US" altLang="zh-CN" sz="2000" b="1" dirty="0">
                 <a:solidFill>
-                  <a:schemeClr val="folHlink"/>
+                  <a:srgbClr val="0432FF"/>
                 </a:solidFill>
                 <a:latin typeface="Courier New" panose="02070309020205020404" pitchFamily="49" charset="0"/>
               </a:rPr>
@@ -20583,19 +20682,7 @@
               <a:rPr lang="en-US" altLang="zh-CN" sz="2000" b="1" dirty="0">
                 <a:latin typeface="Courier New" panose="02070309020205020404" pitchFamily="49" charset="0"/>
               </a:rPr>
-              <a:t>// And the </a:t>
-            </a:r>
-            <a:r>
-              <a:rPr lang="en-US" altLang="zh-CN" sz="2000" b="1" dirty="0" err="1">
-                <a:latin typeface="Courier New" panose="02070309020205020404" pitchFamily="49" charset="0"/>
-              </a:rPr>
-              <a:t>sameple</a:t>
-            </a:r>
-            <a:r>
-              <a:rPr lang="en-US" altLang="zh-CN" sz="2000" b="1" dirty="0">
-                <a:latin typeface="Courier New" panose="02070309020205020404" pitchFamily="49" charset="0"/>
-              </a:rPr>
-              <a:t> definition of “high”:</a:t>
+              <a:t>// And the sample definition of “high”:</a:t>
             </a:r>
           </a:p>
           <a:p>
@@ -20609,7 +20696,7 @@
             <a:r>
               <a:rPr lang="en-US" altLang="zh-CN" sz="2000" b="1" dirty="0">
                 <a:solidFill>
-                  <a:schemeClr val="folHlink"/>
+                  <a:srgbClr val="0432FF"/>
                 </a:solidFill>
                 <a:latin typeface="Courier New" panose="02070309020205020404" pitchFamily="49" charset="0"/>
               </a:rPr>
@@ -20627,29 +20714,11 @@
             <a:r>
               <a:rPr lang="en-US" altLang="zh-CN" sz="2000" b="1" dirty="0">
                 <a:solidFill>
-                  <a:schemeClr val="folHlink"/>
-                </a:solidFill>
-                <a:latin typeface="Courier New" panose="02070309020205020404" pitchFamily="49" charset="0"/>
-              </a:rPr>
-              <a:t>  </a:t>
-            </a:r>
-            <a:r>
-              <a:rPr lang="en-US" altLang="zh-CN" sz="2000" b="1">
-                <a:solidFill>
-                  <a:schemeClr val="folHlink"/>
-                </a:solidFill>
-                <a:latin typeface="Courier New" panose="02070309020205020404" pitchFamily="49" charset="0"/>
-              </a:rPr>
-              <a:t>return f(</a:t>
-            </a:r>
-            <a:r>
-              <a:rPr lang="en-US" altLang="zh-CN" sz="2000" b="1" dirty="0">
-                <a:solidFill>
-                  <a:schemeClr val="folHlink"/>
-                </a:solidFill>
-                <a:latin typeface="Courier New" panose="02070309020205020404" pitchFamily="49" charset="0"/>
-              </a:rPr>
-              <a:t>x, y);</a:t>
+                  <a:srgbClr val="0432FF"/>
+                </a:solidFill>
+                <a:latin typeface="Courier New" panose="02070309020205020404" pitchFamily="49" charset="0"/>
+              </a:rPr>
+              <a:t>  return f(x, y);</a:t>
             </a:r>
           </a:p>
           <a:p>
@@ -20663,7 +20732,7 @@
             <a:r>
               <a:rPr lang="en-US" altLang="zh-CN" sz="2000" b="1" dirty="0">
                 <a:solidFill>
-                  <a:schemeClr val="folHlink"/>
+                  <a:srgbClr val="0432FF"/>
                 </a:solidFill>
                 <a:latin typeface="Courier New" panose="02070309020205020404" pitchFamily="49" charset="0"/>
               </a:rPr>
@@ -20991,7 +21060,7 @@
             <a:r>
               <a:rPr lang="en-US" altLang="zh-CN" sz="2000" b="1" dirty="0">
                 <a:solidFill>
-                  <a:schemeClr val="folHlink"/>
+                  <a:srgbClr val="0432FF"/>
                 </a:solidFill>
                 <a:latin typeface="Courier New" panose="02070309020205020404" pitchFamily="49" charset="0"/>
               </a:rPr>
@@ -21000,7 +21069,7 @@
             <a:r>
               <a:rPr lang="en-US" altLang="zh-CN" sz="2000" b="1" dirty="0" err="1">
                 <a:solidFill>
-                  <a:schemeClr val="folHlink"/>
+                  <a:srgbClr val="0432FF"/>
                 </a:solidFill>
                 <a:latin typeface="Courier New" panose="02070309020205020404" pitchFamily="49" charset="0"/>
               </a:rPr>
@@ -21009,7 +21078,7 @@
             <a:r>
               <a:rPr lang="en-US" altLang="zh-CN" sz="2000" b="1" dirty="0">
                 <a:solidFill>
-                  <a:schemeClr val="folHlink"/>
+                  <a:srgbClr val="0432FF"/>
                 </a:solidFill>
                 <a:latin typeface="Courier New" panose="02070309020205020404" pitchFamily="49" charset="0"/>
               </a:rPr>
@@ -21027,7 +21096,7 @@
             <a:r>
               <a:rPr lang="en-US" altLang="zh-CN" sz="2000" b="1" dirty="0">
                 <a:solidFill>
-                  <a:schemeClr val="folHlink"/>
+                  <a:srgbClr val="0432FF"/>
                 </a:solidFill>
                 <a:latin typeface="Courier New" panose="02070309020205020404" pitchFamily="49" charset="0"/>
               </a:rPr>
@@ -21036,7 +21105,7 @@
             <a:r>
               <a:rPr lang="en-US" altLang="zh-CN" sz="2000" b="1" dirty="0" err="1">
                 <a:solidFill>
-                  <a:schemeClr val="folHlink"/>
+                  <a:srgbClr val="0432FF"/>
                 </a:solidFill>
                 <a:latin typeface="Courier New" panose="02070309020205020404" pitchFamily="49" charset="0"/>
               </a:rPr>
@@ -21045,7 +21114,7 @@
             <a:r>
               <a:rPr lang="en-US" altLang="zh-CN" sz="2000" b="1" dirty="0">
                 <a:solidFill>
-                  <a:schemeClr val="folHlink"/>
+                  <a:srgbClr val="0432FF"/>
                 </a:solidFill>
                 <a:latin typeface="Courier New" panose="02070309020205020404" pitchFamily="49" charset="0"/>
               </a:rPr>
@@ -21063,7 +21132,7 @@
             <a:r>
               <a:rPr lang="en-US" altLang="zh-CN" sz="2000" b="1" dirty="0">
                 <a:solidFill>
-                  <a:schemeClr val="folHlink"/>
+                  <a:srgbClr val="0432FF"/>
                 </a:solidFill>
                 <a:latin typeface="Courier New" panose="02070309020205020404" pitchFamily="49" charset="0"/>
               </a:rPr>
@@ -21080,7 +21149,7 @@
             </a:pPr>
             <a:endParaRPr lang="en-US" altLang="zh-CN" sz="2000" b="1" dirty="0">
               <a:solidFill>
-                <a:schemeClr val="folHlink"/>
+                <a:srgbClr val="0432FF"/>
               </a:solidFill>
               <a:latin typeface="Courier New" panose="02070309020205020404" pitchFamily="49" charset="0"/>
             </a:endParaRPr>
@@ -21096,7 +21165,7 @@
             <a:r>
               <a:rPr lang="en-US" altLang="zh-CN" sz="2000" b="1" dirty="0">
                 <a:solidFill>
-                  <a:schemeClr val="folHlink"/>
+                  <a:srgbClr val="0432FF"/>
                 </a:solidFill>
                 <a:latin typeface="Courier New" panose="02070309020205020404" pitchFamily="49" charset="0"/>
               </a:rPr>
@@ -21105,7 +21174,7 @@
             <a:r>
               <a:rPr lang="en-US" altLang="zh-CN" sz="2000" b="1" dirty="0" err="1">
                 <a:solidFill>
-                  <a:schemeClr val="folHlink"/>
+                  <a:srgbClr val="0432FF"/>
                 </a:solidFill>
                 <a:latin typeface="Courier New" panose="02070309020205020404" pitchFamily="49" charset="0"/>
               </a:rPr>
@@ -21114,7 +21183,7 @@
             <a:r>
               <a:rPr lang="en-US" altLang="zh-CN" sz="2000" b="1" dirty="0">
                 <a:solidFill>
-                  <a:schemeClr val="folHlink"/>
+                  <a:srgbClr val="0432FF"/>
                 </a:solidFill>
                 <a:latin typeface="Courier New" panose="02070309020205020404" pitchFamily="49" charset="0"/>
               </a:rPr>
@@ -21123,7 +21192,7 @@
             <a:r>
               <a:rPr lang="en-US" altLang="zh-CN" sz="2000" b="1" dirty="0" err="1">
                 <a:solidFill>
-                  <a:schemeClr val="folHlink"/>
+                  <a:srgbClr val="0432FF"/>
                 </a:solidFill>
                 <a:latin typeface="Courier New" panose="02070309020205020404" pitchFamily="49" charset="0"/>
               </a:rPr>
@@ -21132,7 +21201,7 @@
             <a:r>
               <a:rPr lang="en-US" altLang="zh-CN" sz="2000" b="1" dirty="0">
                 <a:solidFill>
-                  <a:schemeClr val="folHlink"/>
+                  <a:srgbClr val="0432FF"/>
                 </a:solidFill>
                 <a:latin typeface="Courier New" panose="02070309020205020404" pitchFamily="49" charset="0"/>
               </a:rPr>
@@ -21150,7 +21219,7 @@
             <a:r>
               <a:rPr lang="en-US" altLang="zh-CN" sz="2000" b="1" dirty="0">
                 <a:solidFill>
-                  <a:schemeClr val="folHlink"/>
+                  <a:srgbClr val="0432FF"/>
                 </a:solidFill>
                 <a:latin typeface="Courier New" panose="02070309020205020404" pitchFamily="49" charset="0"/>
               </a:rPr>
@@ -21159,7 +21228,7 @@
             <a:r>
               <a:rPr lang="en-US" altLang="zh-CN" sz="2000" b="1" dirty="0" err="1">
                 <a:solidFill>
-                  <a:schemeClr val="folHlink"/>
+                  <a:srgbClr val="0432FF"/>
                 </a:solidFill>
                 <a:latin typeface="Courier New" panose="02070309020205020404" pitchFamily="49" charset="0"/>
               </a:rPr>
@@ -21168,7 +21237,7 @@
             <a:r>
               <a:rPr lang="en-US" altLang="zh-CN" sz="2000" b="1" dirty="0">
                 <a:solidFill>
-                  <a:schemeClr val="folHlink"/>
+                  <a:srgbClr val="0432FF"/>
                 </a:solidFill>
                 <a:latin typeface="Courier New" panose="02070309020205020404" pitchFamily="49" charset="0"/>
               </a:rPr>
@@ -21186,7 +21255,7 @@
             <a:r>
               <a:rPr lang="en-US" altLang="zh-CN" sz="2000" b="1" dirty="0">
                 <a:solidFill>
-                  <a:schemeClr val="folHlink"/>
+                  <a:srgbClr val="0432FF"/>
                 </a:solidFill>
                 <a:latin typeface="Courier New" panose="02070309020205020404" pitchFamily="49" charset="0"/>
               </a:rPr>
@@ -21205,7 +21274,31 @@
               <a:rPr lang="en-US" altLang="zh-CN" sz="2000" b="1" dirty="0">
                 <a:latin typeface="Courier New" panose="02070309020205020404" pitchFamily="49" charset="0"/>
               </a:rPr>
-              <a:t>// Now I may call function “hf” with:</a:t>
+              <a:t>// Now we</a:t>
+            </a:r>
+            <a:r>
+              <a:rPr lang="zh-CN" altLang="en-US" sz="2000" b="1" dirty="0">
+                <a:latin typeface="Courier New" panose="02070309020205020404" pitchFamily="49" charset="0"/>
+              </a:rPr>
+              <a:t> </a:t>
+            </a:r>
+            <a:r>
+              <a:rPr lang="en-US" altLang="zh-CN" sz="2000" b="1" dirty="0">
+                <a:latin typeface="Courier New" panose="02070309020205020404" pitchFamily="49" charset="0"/>
+              </a:rPr>
+              <a:t>can</a:t>
+            </a:r>
+            <a:r>
+              <a:rPr lang="zh-CN" altLang="en-US" sz="2000" b="1" dirty="0">
+                <a:latin typeface="Courier New" panose="02070309020205020404" pitchFamily="49" charset="0"/>
+              </a:rPr>
+              <a:t> </a:t>
+            </a:r>
+            <a:r>
+              <a:rPr lang="en-US" altLang="zh-CN" sz="2000" b="1" dirty="0">
+                <a:latin typeface="Courier New" panose="02070309020205020404" pitchFamily="49" charset="0"/>
+              </a:rPr>
+              <a:t>call function “hf” with:</a:t>
             </a:r>
           </a:p>
           <a:p>
@@ -21219,7 +21312,7 @@
             <a:r>
               <a:rPr lang="en-US" altLang="zh-CN" sz="2000" b="1" dirty="0">
                 <a:solidFill>
-                  <a:schemeClr val="folHlink"/>
+                  <a:srgbClr val="0432FF"/>
                 </a:solidFill>
                 <a:latin typeface="Courier New" panose="02070309020205020404" pitchFamily="49" charset="0"/>
               </a:rPr>
@@ -21252,7 +21345,7 @@
             <a:r>
               <a:rPr lang="en-US" altLang="zh-CN" sz="2000" b="1" dirty="0">
                 <a:solidFill>
-                  <a:schemeClr val="folHlink"/>
+                  <a:srgbClr val="0432FF"/>
                 </a:solidFill>
                 <a:latin typeface="Courier New" panose="02070309020205020404" pitchFamily="49" charset="0"/>
               </a:rPr>
@@ -21261,7 +21354,7 @@
             <a:r>
               <a:rPr lang="en-US" altLang="zh-CN" sz="2000" b="1" dirty="0" err="1">
                 <a:solidFill>
-                  <a:schemeClr val="folHlink"/>
+                  <a:srgbClr val="0432FF"/>
                 </a:solidFill>
                 <a:latin typeface="Courier New" panose="02070309020205020404" pitchFamily="49" charset="0"/>
               </a:rPr>
@@ -21270,7 +21363,7 @@
             <a:r>
               <a:rPr lang="en-US" altLang="zh-CN" sz="2000" b="1" dirty="0">
                 <a:solidFill>
-                  <a:schemeClr val="folHlink"/>
+                  <a:srgbClr val="0432FF"/>
                 </a:solidFill>
                 <a:latin typeface="Courier New" panose="02070309020205020404" pitchFamily="49" charset="0"/>
               </a:rPr>
@@ -21378,7 +21471,7 @@
             <a:r>
               <a:rPr lang="en-US" altLang="zh-CN" sz="2000" b="1" dirty="0">
                 <a:solidFill>
-                  <a:schemeClr val="folHlink"/>
+                  <a:srgbClr val="0432FF"/>
                 </a:solidFill>
                 <a:latin typeface="Courier New" panose="02070309020205020404" pitchFamily="49" charset="0"/>
               </a:rPr>
@@ -21395,7 +21488,7 @@
             </a:pPr>
             <a:endParaRPr lang="en-US" altLang="zh-CN" sz="2000" b="1" dirty="0">
               <a:solidFill>
-                <a:schemeClr val="folHlink"/>
+                <a:srgbClr val="0432FF"/>
               </a:solidFill>
               <a:latin typeface="Courier New" panose="02070309020205020404" pitchFamily="49" charset="0"/>
             </a:endParaRPr>
@@ -21411,7 +21504,7 @@
             <a:r>
               <a:rPr lang="en-US" altLang="zh-CN" sz="2000" b="1" dirty="0">
                 <a:solidFill>
-                  <a:schemeClr val="folHlink"/>
+                  <a:srgbClr val="0432FF"/>
                 </a:solidFill>
                 <a:latin typeface="Courier New" panose="02070309020205020404" pitchFamily="49" charset="0"/>
               </a:rPr>
@@ -21429,11 +21522,11 @@
             <a:r>
               <a:rPr lang="en-US" altLang="zh-CN" sz="2000" b="1" dirty="0">
                 <a:solidFill>
-                  <a:schemeClr val="folHlink"/>
-                </a:solidFill>
-                <a:latin typeface="Courier New" panose="02070309020205020404" pitchFamily="49" charset="0"/>
-              </a:rPr>
-              <a:t> 	switch (kind) {</a:t>
+                  <a:srgbClr val="0432FF"/>
+                </a:solidFill>
+                <a:latin typeface="Courier New" panose="02070309020205020404" pitchFamily="49" charset="0"/>
+              </a:rPr>
+              <a:t> 	switch (kind){</a:t>
             </a:r>
           </a:p>
           <a:p>
@@ -21447,7 +21540,7 @@
             <a:r>
               <a:rPr lang="en-US" altLang="zh-CN" sz="2000" b="1" dirty="0">
                 <a:solidFill>
-                  <a:schemeClr val="folHlink"/>
+                  <a:srgbClr val="0432FF"/>
                 </a:solidFill>
                 <a:latin typeface="Courier New" panose="02070309020205020404" pitchFamily="49" charset="0"/>
               </a:rPr>
@@ -21465,7 +21558,7 @@
             <a:r>
               <a:rPr lang="en-US" altLang="zh-CN" sz="2000" b="1" dirty="0">
                 <a:solidFill>
-                  <a:schemeClr val="folHlink"/>
+                  <a:srgbClr val="0432FF"/>
                 </a:solidFill>
                 <a:latin typeface="Courier New" panose="02070309020205020404" pitchFamily="49" charset="0"/>
               </a:rPr>
@@ -21483,7 +21576,7 @@
             <a:r>
               <a:rPr lang="en-US" altLang="zh-CN" sz="2000" b="1" dirty="0">
                 <a:solidFill>
-                  <a:schemeClr val="folHlink"/>
+                  <a:srgbClr val="0432FF"/>
                 </a:solidFill>
                 <a:latin typeface="Courier New" panose="02070309020205020404" pitchFamily="49" charset="0"/>
               </a:rPr>
@@ -21501,7 +21594,7 @@
             <a:r>
               <a:rPr lang="en-US" altLang="zh-CN" sz="2000" b="1" dirty="0">
                 <a:solidFill>
-                  <a:schemeClr val="folHlink"/>
+                  <a:srgbClr val="0432FF"/>
                 </a:solidFill>
                 <a:latin typeface="Courier New" panose="02070309020205020404" pitchFamily="49" charset="0"/>
               </a:rPr>
@@ -21510,7 +21603,7 @@
             <a:r>
               <a:rPr lang="en-US" altLang="zh-CN" sz="2000" b="1" dirty="0" err="1">
                 <a:solidFill>
-                  <a:schemeClr val="folHlink"/>
+                  <a:srgbClr val="0432FF"/>
                 </a:solidFill>
                 <a:latin typeface="Courier New" panose="02070309020205020404" pitchFamily="49" charset="0"/>
               </a:rPr>
@@ -21519,7 +21612,7 @@
             <a:r>
               <a:rPr lang="en-US" altLang="zh-CN" sz="2000" b="1" dirty="0">
                 <a:solidFill>
-                  <a:schemeClr val="folHlink"/>
+                  <a:srgbClr val="0432FF"/>
                 </a:solidFill>
                 <a:latin typeface="Courier New" panose="02070309020205020404" pitchFamily="49" charset="0"/>
               </a:rPr>
@@ -21537,7 +21630,7 @@
             <a:r>
               <a:rPr lang="en-US" altLang="zh-CN" sz="2000" b="1" dirty="0">
                 <a:solidFill>
-                  <a:schemeClr val="folHlink"/>
+                  <a:srgbClr val="0432FF"/>
                 </a:solidFill>
                 <a:latin typeface="Courier New" panose="02070309020205020404" pitchFamily="49" charset="0"/>
               </a:rPr>
@@ -21555,11 +21648,11 @@
             <a:r>
               <a:rPr lang="en-US" altLang="zh-CN" sz="2000" b="1" dirty="0">
                 <a:solidFill>
-                  <a:schemeClr val="folHlink"/>
-                </a:solidFill>
-                <a:latin typeface="Courier New" panose="02070309020205020404" pitchFamily="49" charset="0"/>
-              </a:rPr>
-              <a:t>	  error (“…”); </a:t>
+                  <a:srgbClr val="0432FF"/>
+                </a:solidFill>
+                <a:latin typeface="Courier New" panose="02070309020205020404" pitchFamily="49" charset="0"/>
+              </a:rPr>
+              <a:t>	  error(“…”); </a:t>
             </a:r>
           </a:p>
           <a:p>
@@ -21573,7 +21666,7 @@
             <a:r>
               <a:rPr lang="en-US" altLang="zh-CN" sz="2000" b="1" dirty="0">
                 <a:solidFill>
-                  <a:schemeClr val="folHlink"/>
+                  <a:srgbClr val="0432FF"/>
                 </a:solidFill>
                 <a:latin typeface="Courier New" panose="02070309020205020404" pitchFamily="49" charset="0"/>
               </a:rPr>
@@ -21591,7 +21684,7 @@
             <a:r>
               <a:rPr lang="en-US" altLang="zh-CN" sz="2000" b="1" dirty="0">
                 <a:solidFill>
-                  <a:schemeClr val="folHlink"/>
+                  <a:srgbClr val="0432FF"/>
                 </a:solidFill>
                 <a:latin typeface="Courier New" panose="02070309020205020404" pitchFamily="49" charset="0"/>
               </a:rPr>
@@ -21609,7 +21702,7 @@
             <a:r>
               <a:rPr lang="en-US" altLang="zh-CN" sz="2000" b="1" dirty="0">
                 <a:solidFill>
-                  <a:schemeClr val="folHlink"/>
+                  <a:srgbClr val="0432FF"/>
                 </a:solidFill>
                 <a:latin typeface="Courier New" panose="02070309020205020404" pitchFamily="49" charset="0"/>
               </a:rPr>
@@ -21700,7 +21793,7 @@
               <a:buNone/>
             </a:pPr>
             <a:r>
-              <a:rPr lang="en-US" altLang="zh-CN" sz="2000" b="1">
+              <a:rPr lang="en-US" altLang="zh-CN" sz="2000" b="1" dirty="0">
                 <a:latin typeface="Courier New" panose="02070309020205020404" pitchFamily="49" charset="0"/>
               </a:rPr>
               <a:t>// As the function name is just a pointer, so it </a:t>
@@ -21715,7 +21808,7 @@
               <a:buNone/>
             </a:pPr>
             <a:r>
-              <a:rPr lang="en-US" altLang="zh-CN" sz="2000" b="1">
+              <a:rPr lang="en-US" altLang="zh-CN" sz="2000" b="1" dirty="0">
                 <a:latin typeface="Courier New" panose="02070309020205020404" pitchFamily="49" charset="0"/>
               </a:rPr>
               <a:t>// is possible to store functions in any other </a:t>
@@ -21730,7 +21823,7 @@
               <a:buNone/>
             </a:pPr>
             <a:r>
-              <a:rPr lang="en-US" altLang="zh-CN" sz="2000" b="1">
+              <a:rPr lang="en-US" altLang="zh-CN" sz="2000" b="1" dirty="0">
                 <a:latin typeface="Courier New" panose="02070309020205020404" pitchFamily="49" charset="0"/>
               </a:rPr>
               <a:t>// data structures.</a:t>
@@ -21745,7 +21838,7 @@
               <a:buNone/>
             </a:pPr>
             <a:r>
-              <a:rPr lang="en-US" altLang="zh-CN" sz="2000" b="1">
+              <a:rPr lang="en-US" altLang="zh-CN" sz="2000" b="1" dirty="0">
                 <a:latin typeface="Courier New" panose="02070309020205020404" pitchFamily="49" charset="0"/>
               </a:rPr>
               <a:t>// For instance:</a:t>
@@ -21760,9 +21853,9 @@
               <a:buNone/>
             </a:pPr>
             <a:r>
-              <a:rPr lang="en-US" altLang="zh-CN" sz="2000" b="1">
-                <a:solidFill>
-                  <a:schemeClr val="folHlink"/>
+              <a:rPr lang="en-US" altLang="zh-CN" sz="2000" b="1" dirty="0">
+                <a:solidFill>
+                  <a:srgbClr val="0432FF"/>
                 </a:solidFill>
                 <a:latin typeface="Courier New" panose="02070309020205020404" pitchFamily="49" charset="0"/>
               </a:rPr>
@@ -21778,7 +21871,7 @@
               <a:buNone/>
             </a:pPr>
             <a:r>
-              <a:rPr lang="en-US" altLang="zh-CN" sz="2000" b="1">
+              <a:rPr lang="en-US" altLang="zh-CN" sz="2000" b="1" dirty="0">
                 <a:latin typeface="Courier New" panose="02070309020205020404" pitchFamily="49" charset="0"/>
               </a:rPr>
               <a:t>// declares a 3-element array A, with each slot a</a:t>
@@ -21793,7 +21886,7 @@
               <a:buNone/>
             </a:pPr>
             <a:r>
-              <a:rPr lang="en-US" altLang="zh-CN" sz="2000" b="1">
+              <a:rPr lang="en-US" altLang="zh-CN" sz="2000" b="1" dirty="0">
                 <a:latin typeface="Courier New" panose="02070309020205020404" pitchFamily="49" charset="0"/>
               </a:rPr>
               <a:t>// function of type “int * int -&gt; int”.</a:t>
@@ -21808,7 +21901,7 @@
               <a:buNone/>
             </a:pPr>
             <a:r>
-              <a:rPr lang="en-US" altLang="zh-CN" sz="2000" b="1">
+              <a:rPr lang="en-US" altLang="zh-CN" sz="2000" b="1" dirty="0">
                 <a:latin typeface="Courier New" panose="02070309020205020404" pitchFamily="49" charset="0"/>
               </a:rPr>
               <a:t>// Sample operations on this array A:</a:t>
@@ -21823,9 +21916,9 @@
               <a:buNone/>
             </a:pPr>
             <a:r>
-              <a:rPr lang="en-US" altLang="zh-CN" sz="2000" b="1">
-                <a:solidFill>
-                  <a:schemeClr val="folHlink"/>
+              <a:rPr lang="en-US" altLang="zh-CN" sz="2000" b="1" dirty="0">
+                <a:solidFill>
+                  <a:srgbClr val="0432FF"/>
                 </a:solidFill>
                 <a:latin typeface="Courier New" panose="02070309020205020404" pitchFamily="49" charset="0"/>
               </a:rPr>
@@ -21841,13 +21934,31 @@
               <a:buNone/>
             </a:pPr>
             <a:r>
-              <a:rPr lang="en-US" altLang="zh-CN" sz="2000" b="1">
-                <a:solidFill>
-                  <a:schemeClr val="folHlink"/>
-                </a:solidFill>
-                <a:latin typeface="Courier New" panose="02070309020205020404" pitchFamily="49" charset="0"/>
-              </a:rPr>
-              <a:t>A[1] = mult;</a:t>
+              <a:rPr lang="en-US" altLang="zh-CN" sz="2000" b="1" dirty="0">
+                <a:solidFill>
+                  <a:srgbClr val="0432FF"/>
+                </a:solidFill>
+                <a:latin typeface="Courier New" panose="02070309020205020404" pitchFamily="49" charset="0"/>
+              </a:rPr>
+              <a:t>A[1] = </a:t>
+            </a:r>
+            <a:r>
+              <a:rPr lang="en-US" altLang="zh-CN" sz="2000" b="1" dirty="0" err="1">
+                <a:solidFill>
+                  <a:srgbClr val="0432FF"/>
+                </a:solidFill>
+                <a:latin typeface="Courier New" panose="02070309020205020404" pitchFamily="49" charset="0"/>
+              </a:rPr>
+              <a:t>mult</a:t>
+            </a:r>
+            <a:r>
+              <a:rPr lang="en-US" altLang="zh-CN" sz="2000" b="1" dirty="0">
+                <a:solidFill>
+                  <a:srgbClr val="0432FF"/>
+                </a:solidFill>
+                <a:latin typeface="Courier New" panose="02070309020205020404" pitchFamily="49" charset="0"/>
+              </a:rPr>
+              <a:t>;</a:t>
             </a:r>
           </a:p>
           <a:p>
@@ -21859,9 +21970,9 @@
               <a:buNone/>
             </a:pPr>
             <a:r>
-              <a:rPr lang="en-US" altLang="zh-CN" sz="2000" b="1">
-                <a:solidFill>
-                  <a:schemeClr val="folHlink"/>
+              <a:rPr lang="en-US" altLang="zh-CN" sz="2000" b="1" dirty="0">
+                <a:solidFill>
+                  <a:srgbClr val="0432FF"/>
                 </a:solidFill>
                 <a:latin typeface="Courier New" panose="02070309020205020404" pitchFamily="49" charset="0"/>
               </a:rPr>
@@ -21877,7 +21988,7 @@
               <a:buNone/>
             </a:pPr>
             <a:r>
-              <a:rPr lang="en-US" altLang="zh-CN" sz="2000" b="1">
+              <a:rPr lang="en-US" altLang="zh-CN" sz="2000" b="1" dirty="0">
                 <a:latin typeface="Courier New" panose="02070309020205020404" pitchFamily="49" charset="0"/>
               </a:rPr>
               <a:t>// … and a call:</a:t>
@@ -21892,9 +22003,9 @@
               <a:buNone/>
             </a:pPr>
             <a:r>
-              <a:rPr lang="en-US" altLang="zh-CN" sz="2000" b="1">
-                <a:solidFill>
-                  <a:schemeClr val="folHlink"/>
+              <a:rPr lang="en-US" altLang="zh-CN" sz="2000" b="1" dirty="0">
+                <a:solidFill>
+                  <a:srgbClr val="0432FF"/>
                 </a:solidFill>
                 <a:latin typeface="Courier New" panose="02070309020205020404" pitchFamily="49" charset="0"/>
               </a:rPr>
@@ -22419,11 +22530,11 @@
             <a:r>
               <a:rPr lang="en-US" altLang="zh-CN" sz="2000" b="1" dirty="0">
                 <a:solidFill>
-                  <a:schemeClr val="folHlink"/>
-                </a:solidFill>
-                <a:latin typeface="Courier New" panose="02070309020205020404" pitchFamily="49" charset="0"/>
-              </a:rPr>
-              <a:t>int (*foo (int x))(int, int){</a:t>
+                  <a:srgbClr val="0432FF"/>
+                </a:solidFill>
+                <a:latin typeface="Courier New" panose="02070309020205020404" pitchFamily="49" charset="0"/>
+              </a:rPr>
+              <a:t>int (*foo(int x))(int){</a:t>
             </a:r>
           </a:p>
           <a:p>
@@ -22437,7 +22548,7 @@
             <a:r>
               <a:rPr lang="en-US" altLang="zh-CN" sz="2000" b="1" dirty="0">
                 <a:solidFill>
-                  <a:schemeClr val="folHlink"/>
+                  <a:srgbClr val="0432FF"/>
                 </a:solidFill>
                 <a:latin typeface="Courier New" panose="02070309020205020404" pitchFamily="49" charset="0"/>
               </a:rPr>
@@ -22455,7 +22566,7 @@
             <a:r>
               <a:rPr lang="en-US" altLang="zh-CN" sz="2000" b="1" dirty="0">
                 <a:solidFill>
-                  <a:schemeClr val="folHlink"/>
+                  <a:srgbClr val="0432FF"/>
                 </a:solidFill>
                 <a:latin typeface="Courier New" panose="02070309020205020404" pitchFamily="49" charset="0"/>
               </a:rPr>
@@ -22473,29 +22584,47 @@
             <a:r>
               <a:rPr lang="en-US" altLang="zh-CN" sz="2000" b="1" dirty="0">
                 <a:solidFill>
-                  <a:schemeClr val="folHlink"/>
-                </a:solidFill>
-                <a:latin typeface="Courier New" panose="02070309020205020404" pitchFamily="49" charset="0"/>
-              </a:rPr>
-              <a:t>	  return </a:t>
-            </a:r>
-            <a:r>
-              <a:rPr lang="en-US" altLang="zh-CN" sz="2000" b="1" dirty="0" err="1">
-                <a:solidFill>
-                  <a:schemeClr val="folHlink"/>
-                </a:solidFill>
-                <a:latin typeface="Courier New" panose="02070309020205020404" pitchFamily="49" charset="0"/>
-              </a:rPr>
-              <a:t>local+y</a:t>
-            </a:r>
-            <a:r>
-              <a:rPr lang="en-US" altLang="zh-CN" sz="2000" b="1" dirty="0">
-                <a:solidFill>
-                  <a:schemeClr val="folHlink"/>
-                </a:solidFill>
-                <a:latin typeface="Courier New" panose="02070309020205020404" pitchFamily="49" charset="0"/>
-              </a:rPr>
-              <a:t>;</a:t>
+                  <a:srgbClr val="0432FF"/>
+                </a:solidFill>
+                <a:latin typeface="Courier New" panose="02070309020205020404" pitchFamily="49" charset="0"/>
+              </a:rPr>
+              <a:t>	  return local</a:t>
+            </a:r>
+            <a:r>
+              <a:rPr lang="zh-CN" altLang="en-US" sz="2000" b="1" dirty="0">
+                <a:solidFill>
+                  <a:srgbClr val="0432FF"/>
+                </a:solidFill>
+                <a:latin typeface="Courier New" panose="02070309020205020404" pitchFamily="49" charset="0"/>
+              </a:rPr>
+              <a:t> </a:t>
+            </a:r>
+            <a:r>
+              <a:rPr lang="en-US" altLang="zh-CN" sz="2000" b="1" dirty="0">
+                <a:solidFill>
+                  <a:srgbClr val="0432FF"/>
+                </a:solidFill>
+                <a:latin typeface="Courier New" panose="02070309020205020404" pitchFamily="49" charset="0"/>
+              </a:rPr>
+              <a:t>+</a:t>
+            </a:r>
+            <a:r>
+              <a:rPr lang="zh-CN" altLang="en-US" sz="2000" b="1" dirty="0">
+                <a:solidFill>
+                  <a:srgbClr val="0432FF"/>
+                </a:solidFill>
+                <a:latin typeface="Courier New" panose="02070309020205020404" pitchFamily="49" charset="0"/>
+              </a:rPr>
+              <a:t> </a:t>
+            </a:r>
+            <a:r>
+              <a:rPr lang="en-US" altLang="zh-CN" sz="2000" b="1" dirty="0">
+                <a:solidFill>
+                  <a:srgbClr val="0432FF"/>
+                </a:solidFill>
+                <a:latin typeface="Courier New" panose="02070309020205020404" pitchFamily="49" charset="0"/>
+              </a:rPr>
+              <a:t>y;</a:t>
             </a:r>
           </a:p>
           <a:p>
@@ -22509,7 +22638,7 @@
             <a:r>
               <a:rPr lang="en-US" altLang="zh-CN" sz="2000" b="1" dirty="0">
                 <a:solidFill>
-                  <a:schemeClr val="folHlink"/>
+                  <a:srgbClr val="0432FF"/>
                 </a:solidFill>
                 <a:latin typeface="Courier New" panose="02070309020205020404" pitchFamily="49" charset="0"/>
               </a:rPr>
@@ -22527,7 +22656,7 @@
             <a:r>
               <a:rPr lang="en-US" altLang="zh-CN" sz="2000" b="1" dirty="0">
                 <a:solidFill>
-                  <a:schemeClr val="folHlink"/>
+                  <a:srgbClr val="0432FF"/>
                 </a:solidFill>
                 <a:latin typeface="Courier New" panose="02070309020205020404" pitchFamily="49" charset="0"/>
               </a:rPr>
@@ -22545,7 +22674,7 @@
             <a:r>
               <a:rPr lang="en-US" altLang="zh-CN" sz="2000" b="1" dirty="0">
                 <a:solidFill>
-                  <a:schemeClr val="folHlink"/>
+                  <a:srgbClr val="0432FF"/>
                 </a:solidFill>
                 <a:latin typeface="Courier New" panose="02070309020205020404" pitchFamily="49" charset="0"/>
               </a:rPr>
@@ -22576,22 +22705,13 @@
               <a:buNone/>
             </a:pPr>
             <a:r>
-              <a:rPr lang="en-US" altLang="zh-CN" sz="2000" b="1">
-                <a:solidFill>
-                  <a:schemeClr val="folHlink"/>
-                </a:solidFill>
-                <a:latin typeface="Courier New" panose="02070309020205020404" pitchFamily="49" charset="0"/>
-              </a:rPr>
-              <a:t>foo(</a:t>
-            </a:r>
-            <a:r>
-              <a:rPr lang="en-US" altLang="zh-CN" sz="2000" b="1" dirty="0">
-                <a:solidFill>
-                  <a:schemeClr val="folHlink"/>
-                </a:solidFill>
-                <a:latin typeface="Courier New" panose="02070309020205020404" pitchFamily="49" charset="0"/>
-              </a:rPr>
-              <a:t>3)(4);</a:t>
+              <a:rPr lang="en-US" altLang="zh-CN" sz="2000" b="1" dirty="0">
+                <a:solidFill>
+                  <a:srgbClr val="0432FF"/>
+                </a:solidFill>
+                <a:latin typeface="Courier New" panose="02070309020205020404" pitchFamily="49" charset="0"/>
+              </a:rPr>
+              <a:t>foo(3)(4);</a:t>
             </a:r>
           </a:p>
           <a:p>
@@ -22812,7 +22932,7 @@
               <a:buNone/>
             </a:pPr>
             <a:r>
-              <a:rPr lang="en-US" altLang="zh-CN" sz="2000" b="1">
+              <a:rPr lang="en-US" altLang="zh-CN" sz="2000" b="1" dirty="0">
                 <a:latin typeface="Courier New" panose="02070309020205020404" pitchFamily="49" charset="0"/>
               </a:rPr>
               <a:t>// in C’s syntax:</a:t>
@@ -22824,7 +22944,7 @@
               <a:buNone/>
             </a:pPr>
             <a:r>
-              <a:rPr lang="en-US" altLang="zh-CN" sz="2000" b="1">
+              <a:rPr lang="en-US" altLang="zh-CN" sz="2000" b="1" dirty="0">
                 <a:latin typeface="Courier New" panose="02070309020205020404" pitchFamily="49" charset="0"/>
               </a:rPr>
               <a:t>// x is declared as an integer</a:t>
@@ -22836,9 +22956,9 @@
               <a:buNone/>
             </a:pPr>
             <a:r>
-              <a:rPr lang="en-US" altLang="zh-CN" sz="2000" b="1">
-                <a:solidFill>
-                  <a:schemeClr val="folHlink"/>
+              <a:rPr lang="en-US" altLang="zh-CN" sz="2000" b="1" dirty="0">
+                <a:solidFill>
+                  <a:srgbClr val="0432FF"/>
                 </a:solidFill>
                 <a:latin typeface="Courier New" panose="02070309020205020404" pitchFamily="49" charset="0"/>
               </a:rPr>
@@ -22851,7 +22971,7 @@
               <a:buNone/>
             </a:pPr>
             <a:r>
-              <a:rPr lang="en-US" altLang="zh-CN" sz="2000" b="1">
+              <a:rPr lang="en-US" altLang="zh-CN" sz="2000" b="1" dirty="0">
                 <a:latin typeface="Courier New" panose="02070309020205020404" pitchFamily="49" charset="0"/>
               </a:rPr>
               <a:t>// p is declared as a pointer to an integer</a:t>
@@ -22863,9 +22983,9 @@
               <a:buNone/>
             </a:pPr>
             <a:r>
-              <a:rPr lang="en-US" altLang="zh-CN" sz="2000" b="1">
-                <a:solidFill>
-                  <a:schemeClr val="folHlink"/>
+              <a:rPr lang="en-US" altLang="zh-CN" sz="2000" b="1" dirty="0">
+                <a:solidFill>
+                  <a:srgbClr val="0432FF"/>
                 </a:solidFill>
                 <a:latin typeface="Courier New" panose="02070309020205020404" pitchFamily="49" charset="0"/>
               </a:rPr>
@@ -22877,7 +22997,7 @@
               <a:buFont typeface="Wingdings" panose="05000000000000000000" pitchFamily="2" charset="2"/>
               <a:buNone/>
             </a:pPr>
-            <a:endParaRPr lang="en-US" altLang="zh-CN" sz="2000" b="1">
+            <a:endParaRPr lang="en-US" altLang="zh-CN" sz="2000" b="1" dirty="0">
               <a:solidFill>
                 <a:schemeClr val="folHlink"/>
               </a:solidFill>
@@ -23686,7 +23806,7 @@
               <a:buNone/>
             </a:pPr>
             <a:r>
-              <a:rPr lang="en-US" altLang="zh-CN" sz="2000" b="1">
+              <a:rPr lang="en-US" altLang="zh-CN" sz="2000" b="1" dirty="0">
                 <a:latin typeface="Courier New" panose="02070309020205020404" pitchFamily="49" charset="0"/>
               </a:rPr>
               <a:t>// in C’s syntax:</a:t>
@@ -23701,7 +23821,7 @@
               <a:buNone/>
             </a:pPr>
             <a:r>
-              <a:rPr lang="en-US" altLang="zh-CN" sz="2000" b="1">
+              <a:rPr lang="en-US" altLang="zh-CN" sz="2000" b="1" dirty="0">
                 <a:latin typeface="Courier New" panose="02070309020205020404" pitchFamily="49" charset="0"/>
               </a:rPr>
               <a:t>// x is declared as an integer</a:t>
@@ -23716,9 +23836,9 @@
               <a:buNone/>
             </a:pPr>
             <a:r>
-              <a:rPr lang="en-US" altLang="zh-CN" sz="2000" b="1">
-                <a:solidFill>
-                  <a:schemeClr val="folHlink"/>
+              <a:rPr lang="en-US" altLang="zh-CN" sz="2000" b="1" dirty="0">
+                <a:solidFill>
+                  <a:srgbClr val="0432FF"/>
                 </a:solidFill>
                 <a:latin typeface="Courier New" panose="02070309020205020404" pitchFamily="49" charset="0"/>
               </a:rPr>
@@ -23734,7 +23854,7 @@
               <a:buNone/>
             </a:pPr>
             <a:r>
-              <a:rPr lang="en-US" altLang="zh-CN" sz="2000" b="1">
+              <a:rPr lang="en-US" altLang="zh-CN" sz="2000" b="1" dirty="0">
                 <a:latin typeface="Courier New" panose="02070309020205020404" pitchFamily="49" charset="0"/>
               </a:rPr>
               <a:t>// p is declared as a pointer to an integer</a:t>
@@ -23749,9 +23869,9 @@
               <a:buNone/>
             </a:pPr>
             <a:r>
-              <a:rPr lang="en-US" altLang="zh-CN" sz="2000" b="1">
-                <a:solidFill>
-                  <a:schemeClr val="folHlink"/>
+              <a:rPr lang="en-US" altLang="zh-CN" sz="2000" b="1" dirty="0">
+                <a:solidFill>
+                  <a:srgbClr val="0432FF"/>
                 </a:solidFill>
                 <a:latin typeface="Courier New" panose="02070309020205020404" pitchFamily="49" charset="0"/>
               </a:rPr>
@@ -23766,7 +23886,7 @@
               <a:buFont typeface="Wingdings" panose="05000000000000000000" pitchFamily="2" charset="2"/>
               <a:buNone/>
             </a:pPr>
-            <a:endParaRPr lang="en-US" altLang="zh-CN" sz="2000" b="1">
+            <a:endParaRPr lang="en-US" altLang="zh-CN" sz="2000" b="1" dirty="0">
               <a:solidFill>
                 <a:schemeClr val="folHlink"/>
               </a:solidFill>
@@ -23782,7 +23902,7 @@
               <a:buNone/>
             </a:pPr>
             <a:r>
-              <a:rPr lang="en-US" altLang="zh-CN" sz="2000" b="1">
+              <a:rPr lang="en-US" altLang="zh-CN" sz="2000" b="1" dirty="0">
                 <a:latin typeface="Courier New" panose="02070309020205020404" pitchFamily="49" charset="0"/>
               </a:rPr>
               <a:t>// p points to x</a:t>
@@ -23797,9 +23917,9 @@
               <a:buNone/>
             </a:pPr>
             <a:r>
-              <a:rPr lang="en-US" altLang="zh-CN" sz="2000" b="1">
-                <a:solidFill>
-                  <a:schemeClr val="folHlink"/>
+              <a:rPr lang="en-US" altLang="zh-CN" sz="2000" b="1" dirty="0">
+                <a:solidFill>
+                  <a:srgbClr val="0432FF"/>
                 </a:solidFill>
                 <a:latin typeface="Courier New" panose="02070309020205020404" pitchFamily="49" charset="0"/>
               </a:rPr>
@@ -23814,7 +23934,7 @@
               <a:buFont typeface="Wingdings" panose="05000000000000000000" pitchFamily="2" charset="2"/>
               <a:buNone/>
             </a:pPr>
-            <a:endParaRPr lang="en-US" altLang="zh-CN" sz="2000" b="1">
+            <a:endParaRPr lang="en-US" altLang="zh-CN" sz="2000" b="1" dirty="0">
               <a:solidFill>
                 <a:schemeClr val="folHlink"/>
               </a:solidFill>
@@ -23829,7 +23949,7 @@
               <a:buFont typeface="Wingdings" panose="05000000000000000000" pitchFamily="2" charset="2"/>
               <a:buNone/>
             </a:pPr>
-            <a:endParaRPr lang="en-US" altLang="zh-CN" sz="2000" b="1">
+            <a:endParaRPr lang="en-US" altLang="zh-CN" sz="2000" b="1" dirty="0">
               <a:solidFill>
                 <a:schemeClr val="folHlink"/>
               </a:solidFill>
@@ -23844,7 +23964,7 @@
               <a:buFont typeface="Wingdings" panose="05000000000000000000" pitchFamily="2" charset="2"/>
               <a:buNone/>
             </a:pPr>
-            <a:endParaRPr lang="en-US" altLang="zh-CN" sz="2000" b="1">
+            <a:endParaRPr lang="en-US" altLang="zh-CN" sz="2000" b="1" dirty="0">
               <a:solidFill>
                 <a:schemeClr val="folHlink"/>
               </a:solidFill>
@@ -23859,7 +23979,7 @@
               <a:buFont typeface="Wingdings" panose="05000000000000000000" pitchFamily="2" charset="2"/>
               <a:buNone/>
             </a:pPr>
-            <a:endParaRPr lang="en-US" altLang="zh-CN" sz="2000" b="1">
+            <a:endParaRPr lang="en-US" altLang="zh-CN" sz="2000" b="1" dirty="0">
               <a:solidFill>
                 <a:schemeClr val="folHlink"/>
               </a:solidFill>
@@ -23875,7 +23995,7 @@
               <a:buNone/>
             </a:pPr>
             <a:r>
-              <a:rPr lang="en-US" altLang="zh-CN" sz="2000" b="1">
+              <a:rPr lang="en-US" altLang="zh-CN" sz="2000" b="1" dirty="0">
                 <a:latin typeface="Courier New" panose="02070309020205020404" pitchFamily="49" charset="0"/>
               </a:rPr>
               <a:t>// Question: could we write this?</a:t>
@@ -23890,9 +24010,9 @@
               <a:buNone/>
             </a:pPr>
             <a:r>
-              <a:rPr lang="en-US" altLang="zh-CN" sz="2000" b="1">
-                <a:solidFill>
-                  <a:schemeClr val="folHlink"/>
+              <a:rPr lang="en-US" altLang="zh-CN" sz="2000" b="1" dirty="0">
+                <a:solidFill>
+                  <a:srgbClr val="0432FF"/>
                 </a:solidFill>
                 <a:latin typeface="Courier New" panose="02070309020205020404" pitchFamily="49" charset="0"/>
               </a:rPr>
@@ -24889,7 +25009,7 @@
               <a:buNone/>
             </a:pPr>
             <a:r>
-              <a:rPr lang="en-US" altLang="zh-CN" sz="2000" b="1">
+              <a:rPr lang="en-US" altLang="zh-CN" sz="2000" b="1" dirty="0">
                 <a:latin typeface="Courier New" panose="02070309020205020404" pitchFamily="49" charset="0"/>
               </a:rPr>
               <a:t>// symbol * has another meaning as dereference</a:t>
@@ -24901,9 +25021,9 @@
               <a:buNone/>
             </a:pPr>
             <a:r>
-              <a:rPr lang="en-US" altLang="zh-CN" sz="2000" b="1">
-                <a:solidFill>
-                  <a:schemeClr val="folHlink"/>
+              <a:rPr lang="en-US" altLang="zh-CN" sz="2000" b="1" dirty="0">
+                <a:solidFill>
+                  <a:srgbClr val="0432FF"/>
                 </a:solidFill>
                 <a:latin typeface="Courier New" panose="02070309020205020404" pitchFamily="49" charset="0"/>
               </a:rPr>
@@ -24916,16 +25036,16 @@
               <a:buNone/>
             </a:pPr>
             <a:r>
-              <a:rPr lang="en-US" altLang="zh-CN" sz="2000" b="1">
-                <a:solidFill>
-                  <a:schemeClr val="folHlink"/>
+              <a:rPr lang="en-US" altLang="zh-CN" sz="2000" b="1" dirty="0">
+                <a:solidFill>
+                  <a:srgbClr val="0432FF"/>
                 </a:solidFill>
                 <a:latin typeface="Courier New" panose="02070309020205020404" pitchFamily="49" charset="0"/>
               </a:rPr>
               <a:t>int *p;</a:t>
             </a:r>
             <a:r>
-              <a:rPr lang="en-US" altLang="zh-CN" sz="2000" b="1">
+              <a:rPr lang="en-US" altLang="zh-CN" sz="2000" b="1" dirty="0">
                 <a:latin typeface="Courier New" panose="02070309020205020404" pitchFamily="49" charset="0"/>
               </a:rPr>
               <a:t>  // p’s value is junk</a:t>
@@ -24936,7 +25056,7 @@
               <a:buFont typeface="Wingdings" panose="05000000000000000000" pitchFamily="2" charset="2"/>
               <a:buNone/>
             </a:pPr>
-            <a:endParaRPr lang="en-US" altLang="zh-CN" sz="2000" b="1">
+            <a:endParaRPr lang="en-US" altLang="zh-CN" sz="2000" b="1" dirty="0">
               <a:latin typeface="Courier New" panose="02070309020205020404" pitchFamily="49" charset="0"/>
             </a:endParaRPr>
           </a:p>
@@ -24946,9 +25066,9 @@
               <a:buNone/>
             </a:pPr>
             <a:r>
-              <a:rPr lang="en-US" altLang="zh-CN" sz="2000" b="1">
-                <a:solidFill>
-                  <a:schemeClr val="folHlink"/>
+              <a:rPr lang="en-US" altLang="zh-CN" sz="2000" b="1" dirty="0">
+                <a:solidFill>
+                  <a:srgbClr val="0432FF"/>
                 </a:solidFill>
                 <a:latin typeface="Courier New" panose="02070309020205020404" pitchFamily="49" charset="0"/>
               </a:rPr>
@@ -24960,7 +25080,7 @@
               <a:buFont typeface="Wingdings" panose="05000000000000000000" pitchFamily="2" charset="2"/>
               <a:buNone/>
             </a:pPr>
-            <a:endParaRPr lang="en-US" altLang="zh-CN" sz="2000" b="1">
+            <a:endParaRPr lang="en-US" altLang="zh-CN" sz="2000" b="1" dirty="0">
               <a:solidFill>
                 <a:schemeClr val="folHlink"/>
               </a:solidFill>
@@ -24973,7 +25093,7 @@
               <a:buNone/>
             </a:pPr>
             <a:r>
-              <a:rPr lang="en-US" altLang="zh-CN" sz="2000" b="1">
+              <a:rPr lang="en-US" altLang="zh-CN" sz="2000" b="1" dirty="0">
                 <a:latin typeface="Courier New" panose="02070309020205020404" pitchFamily="49" charset="0"/>
               </a:rPr>
               <a:t>// *p takes the value in</a:t>
@@ -24985,7 +25105,7 @@
               <a:buNone/>
             </a:pPr>
             <a:r>
-              <a:rPr lang="en-US" altLang="zh-CN" sz="2000" b="1">
+              <a:rPr lang="en-US" altLang="zh-CN" sz="2000" b="1" dirty="0">
                 <a:latin typeface="Courier New" panose="02070309020205020404" pitchFamily="49" charset="0"/>
               </a:rPr>
               <a:t>// the memory slot p points to</a:t>
@@ -24997,9 +25117,9 @@
               <a:buNone/>
             </a:pPr>
             <a:r>
-              <a:rPr lang="en-US" altLang="zh-CN" sz="2000" b="1">
-                <a:solidFill>
-                  <a:schemeClr val="folHlink"/>
+              <a:rPr lang="en-US" altLang="zh-CN" sz="2000" b="1" dirty="0">
+                <a:solidFill>
+                  <a:srgbClr val="0432FF"/>
                 </a:solidFill>
                 <a:latin typeface="Courier New" panose="02070309020205020404" pitchFamily="49" charset="0"/>
               </a:rPr>
@@ -25862,9 +25982,9 @@
               <a:buNone/>
             </a:pPr>
             <a:r>
-              <a:rPr lang="en-US" altLang="zh-CN" sz="2000" b="1">
-                <a:solidFill>
-                  <a:schemeClr val="folHlink"/>
+              <a:rPr lang="en-US" altLang="zh-CN" sz="2000" b="1" dirty="0">
+                <a:solidFill>
+                  <a:srgbClr val="0432FF"/>
                 </a:solidFill>
                 <a:latin typeface="Courier New" panose="02070309020205020404" pitchFamily="49" charset="0"/>
               </a:rPr>
@@ -25877,9 +25997,9 @@
               <a:buNone/>
             </a:pPr>
             <a:r>
-              <a:rPr lang="en-US" altLang="zh-CN" sz="2000" b="1">
-                <a:solidFill>
-                  <a:schemeClr val="folHlink"/>
+              <a:rPr lang="en-US" altLang="zh-CN" sz="2000" b="1" dirty="0">
+                <a:solidFill>
+                  <a:srgbClr val="0432FF"/>
                 </a:solidFill>
                 <a:latin typeface="Courier New" panose="02070309020205020404" pitchFamily="49" charset="0"/>
               </a:rPr>
@@ -25891,7 +26011,73 @@
               <a:buFont typeface="Wingdings" panose="05000000000000000000" pitchFamily="2" charset="2"/>
               <a:buNone/>
             </a:pPr>
-            <a:endParaRPr lang="en-US" altLang="zh-CN" sz="2000" b="1">
+            <a:endParaRPr lang="en-US" altLang="zh-CN" sz="2000" b="1" dirty="0">
+              <a:solidFill>
+                <a:srgbClr val="0432FF"/>
+              </a:solidFill>
+              <a:latin typeface="Courier New" panose="02070309020205020404" pitchFamily="49" charset="0"/>
+            </a:endParaRPr>
+          </a:p>
+          <a:p>
+            <a:pPr>
+              <a:buFont typeface="Wingdings" panose="05000000000000000000" pitchFamily="2" charset="2"/>
+              <a:buNone/>
+            </a:pPr>
+            <a:r>
+              <a:rPr lang="en-US" altLang="zh-CN" sz="2000" b="1" dirty="0">
+                <a:solidFill>
+                  <a:srgbClr val="0432FF"/>
+                </a:solidFill>
+                <a:latin typeface="Courier New" panose="02070309020205020404" pitchFamily="49" charset="0"/>
+              </a:rPr>
+              <a:t>p = &amp;x;</a:t>
+            </a:r>
+          </a:p>
+          <a:p>
+            <a:pPr>
+              <a:buFont typeface="Wingdings" panose="05000000000000000000" pitchFamily="2" charset="2"/>
+              <a:buNone/>
+            </a:pPr>
+            <a:r>
+              <a:rPr lang="en-US" altLang="zh-CN" sz="2000" b="1" dirty="0">
+                <a:latin typeface="Courier New" panose="02070309020205020404" pitchFamily="49" charset="0"/>
+              </a:rPr>
+              <a:t>// here, *p and x denotes the same memory slot</a:t>
+            </a:r>
+          </a:p>
+          <a:p>
+            <a:pPr>
+              <a:buFont typeface="Wingdings" panose="05000000000000000000" pitchFamily="2" charset="2"/>
+              <a:buNone/>
+            </a:pPr>
+            <a:r>
+              <a:rPr lang="en-US" altLang="zh-CN" sz="2000" b="1" dirty="0">
+                <a:latin typeface="Courier New" panose="02070309020205020404" pitchFamily="49" charset="0"/>
+              </a:rPr>
+              <a:t>// as we can see:</a:t>
+            </a:r>
+          </a:p>
+          <a:p>
+            <a:pPr>
+              <a:buFont typeface="Wingdings" panose="05000000000000000000" pitchFamily="2" charset="2"/>
+              <a:buNone/>
+            </a:pPr>
+            <a:r>
+              <a:rPr lang="en-US" altLang="zh-CN" sz="2000" b="1" dirty="0">
+                <a:solidFill>
+                  <a:srgbClr val="0432FF"/>
+                </a:solidFill>
+                <a:latin typeface="Courier New" panose="02070309020205020404" pitchFamily="49" charset="0"/>
+              </a:rPr>
+              <a:t>*p = 99;</a:t>
+            </a:r>
+          </a:p>
+          <a:p>
+            <a:pPr>
+              <a:buFont typeface="Wingdings" panose="05000000000000000000" pitchFamily="2" charset="2"/>
+              <a:buNone/>
+            </a:pPr>
+            <a:endParaRPr lang="en-US" altLang="zh-CN" sz="2000" b="1" dirty="0">
               <a:solidFill>
                 <a:schemeClr val="folHlink"/>
               </a:solidFill>
@@ -25904,73 +26090,7 @@
               <a:buNone/>
             </a:pPr>
             <a:r>
-              <a:rPr lang="en-US" altLang="zh-CN" sz="2000" b="1">
-                <a:solidFill>
-                  <a:schemeClr val="folHlink"/>
-                </a:solidFill>
-                <a:latin typeface="Courier New" panose="02070309020205020404" pitchFamily="49" charset="0"/>
-              </a:rPr>
-              <a:t>p = &amp;x;</a:t>
-            </a:r>
-          </a:p>
-          <a:p>
-            <a:pPr>
-              <a:buFont typeface="Wingdings" panose="05000000000000000000" pitchFamily="2" charset="2"/>
-              <a:buNone/>
-            </a:pPr>
-            <a:r>
-              <a:rPr lang="en-US" altLang="zh-CN" sz="2000" b="1">
-                <a:latin typeface="Courier New" panose="02070309020205020404" pitchFamily="49" charset="0"/>
-              </a:rPr>
-              <a:t>// here, *p and x denotes the same memory slot</a:t>
-            </a:r>
-          </a:p>
-          <a:p>
-            <a:pPr>
-              <a:buFont typeface="Wingdings" panose="05000000000000000000" pitchFamily="2" charset="2"/>
-              <a:buNone/>
-            </a:pPr>
-            <a:r>
-              <a:rPr lang="en-US" altLang="zh-CN" sz="2000" b="1">
-                <a:latin typeface="Courier New" panose="02070309020205020404" pitchFamily="49" charset="0"/>
-              </a:rPr>
-              <a:t>// as we can see:</a:t>
-            </a:r>
-          </a:p>
-          <a:p>
-            <a:pPr>
-              <a:buFont typeface="Wingdings" panose="05000000000000000000" pitchFamily="2" charset="2"/>
-              <a:buNone/>
-            </a:pPr>
-            <a:r>
-              <a:rPr lang="en-US" altLang="zh-CN" sz="2000" b="1">
-                <a:solidFill>
-                  <a:schemeClr val="folHlink"/>
-                </a:solidFill>
-                <a:latin typeface="Courier New" panose="02070309020205020404" pitchFamily="49" charset="0"/>
-              </a:rPr>
-              <a:t>*p = 99;</a:t>
-            </a:r>
-          </a:p>
-          <a:p>
-            <a:pPr>
-              <a:buFont typeface="Wingdings" panose="05000000000000000000" pitchFamily="2" charset="2"/>
-              <a:buNone/>
-            </a:pPr>
-            <a:endParaRPr lang="en-US" altLang="zh-CN" sz="2000" b="1">
-              <a:solidFill>
-                <a:schemeClr val="folHlink"/>
-              </a:solidFill>
-              <a:latin typeface="Courier New" panose="02070309020205020404" pitchFamily="49" charset="0"/>
-            </a:endParaRPr>
-          </a:p>
-          <a:p>
-            <a:pPr>
-              <a:buFont typeface="Wingdings" panose="05000000000000000000" pitchFamily="2" charset="2"/>
-              <a:buNone/>
-            </a:pPr>
-            <a:r>
-              <a:rPr lang="en-US" altLang="zh-CN" sz="2000" b="1">
+              <a:rPr lang="en-US" altLang="zh-CN" sz="2000" b="1" dirty="0">
                 <a:latin typeface="Courier New" panose="02070309020205020404" pitchFamily="49" charset="0"/>
               </a:rPr>
               <a:t>// or try this:</a:t>
@@ -25982,9 +26102,9 @@
               <a:buNone/>
             </a:pPr>
             <a:r>
-              <a:rPr lang="en-US" altLang="zh-CN" sz="2000" b="1">
-                <a:solidFill>
-                  <a:schemeClr val="folHlink"/>
+              <a:rPr lang="en-US" altLang="zh-CN" sz="2000" b="1" dirty="0">
+                <a:solidFill>
+                  <a:srgbClr val="0432FF"/>
                 </a:solidFill>
                 <a:latin typeface="Courier New" panose="02070309020205020404" pitchFamily="49" charset="0"/>
               </a:rPr>
@@ -26847,7 +26967,7 @@
               <a:buNone/>
             </a:pPr>
             <a:r>
-              <a:rPr lang="en-US" altLang="zh-CN" sz="2000" b="1">
+              <a:rPr lang="en-US" altLang="zh-CN" sz="2000" b="1" dirty="0">
                 <a:latin typeface="Courier New" panose="02070309020205020404" pitchFamily="49" charset="0"/>
               </a:rPr>
               <a:t>// Pointers are just ordinary variables, so</a:t>
@@ -26859,7 +26979,7 @@
               <a:buNone/>
             </a:pPr>
             <a:r>
-              <a:rPr lang="en-US" altLang="zh-CN" sz="2000" b="1">
+              <a:rPr lang="en-US" altLang="zh-CN" sz="2000" b="1" dirty="0">
                 <a:latin typeface="Courier New" panose="02070309020205020404" pitchFamily="49" charset="0"/>
               </a:rPr>
               <a:t>// they could also be used in assignment</a:t>
@@ -26871,9 +26991,9 @@
               <a:buNone/>
             </a:pPr>
             <a:r>
-              <a:rPr lang="en-US" altLang="zh-CN" sz="2000" b="1">
-                <a:solidFill>
-                  <a:schemeClr val="folHlink"/>
+              <a:rPr lang="en-US" altLang="zh-CN" sz="2000" b="1" dirty="0">
+                <a:solidFill>
+                  <a:srgbClr val="0432FF"/>
                 </a:solidFill>
                 <a:latin typeface="Courier New" panose="02070309020205020404" pitchFamily="49" charset="0"/>
               </a:rPr>
@@ -26886,9 +27006,9 @@
               <a:buNone/>
             </a:pPr>
             <a:r>
-              <a:rPr lang="en-US" altLang="zh-CN" sz="2000" b="1">
-                <a:solidFill>
-                  <a:schemeClr val="folHlink"/>
+              <a:rPr lang="en-US" altLang="zh-CN" sz="2000" b="1" dirty="0">
+                <a:solidFill>
+                  <a:srgbClr val="0432FF"/>
                 </a:solidFill>
                 <a:latin typeface="Courier New" panose="02070309020205020404" pitchFamily="49" charset="0"/>
               </a:rPr>
@@ -26900,9 +27020,9 @@
               <a:buFont typeface="Wingdings" panose="05000000000000000000" pitchFamily="2" charset="2"/>
               <a:buNone/>
             </a:pPr>
-            <a:endParaRPr lang="en-US" altLang="zh-CN" sz="2000" b="1">
+            <a:endParaRPr lang="en-US" altLang="zh-CN" sz="2000" b="1" dirty="0">
               <a:solidFill>
-                <a:schemeClr val="folHlink"/>
+                <a:srgbClr val="0432FF"/>
               </a:solidFill>
               <a:latin typeface="Courier New" panose="02070309020205020404" pitchFamily="49" charset="0"/>
             </a:endParaRPr>
@@ -26913,9 +27033,9 @@
               <a:buNone/>
             </a:pPr>
             <a:r>
-              <a:rPr lang="en-US" altLang="zh-CN" sz="2000" b="1">
-                <a:solidFill>
-                  <a:schemeClr val="folHlink"/>
+              <a:rPr lang="en-US" altLang="zh-CN" sz="2000" b="1" dirty="0">
+                <a:solidFill>
+                  <a:srgbClr val="0432FF"/>
                 </a:solidFill>
                 <a:latin typeface="Courier New" panose="02070309020205020404" pitchFamily="49" charset="0"/>
               </a:rPr>
@@ -26928,9 +27048,9 @@
               <a:buNone/>
             </a:pPr>
             <a:r>
-              <a:rPr lang="en-US" altLang="zh-CN" sz="2000" b="1">
-                <a:solidFill>
-                  <a:schemeClr val="folHlink"/>
+              <a:rPr lang="en-US" altLang="zh-CN" sz="2000" b="1" dirty="0">
+                <a:solidFill>
+                  <a:srgbClr val="0432FF"/>
                 </a:solidFill>
                 <a:latin typeface="Courier New" panose="02070309020205020404" pitchFamily="49" charset="0"/>
               </a:rPr>
@@ -26943,17 +27063,14 @@
               <a:buNone/>
             </a:pPr>
             <a:r>
-              <a:rPr lang="en-US" altLang="zh-CN" sz="2000" b="1">
-                <a:solidFill>
-                  <a:schemeClr val="folHlink"/>
+              <a:rPr lang="en-US" altLang="zh-CN" sz="2000" b="1" dirty="0">
+                <a:solidFill>
+                  <a:srgbClr val="0432FF"/>
                 </a:solidFill>
                 <a:latin typeface="Courier New" panose="02070309020205020404" pitchFamily="49" charset="0"/>
               </a:rPr>
               <a:t>r = q + 1;</a:t>
             </a:r>
-            <a:endParaRPr lang="en-US" altLang="zh-CN" sz="2000" b="1">
-              <a:latin typeface="Courier New" panose="02070309020205020404" pitchFamily="49" charset="0"/>
-            </a:endParaRPr>
           </a:p>
         </p:txBody>
       </p:sp>
@@ -28277,7 +28394,7 @@
             <a:r>
               <a:rPr lang="en-US" altLang="zh-CN" sz="2000" b="1" dirty="0">
                 <a:solidFill>
-                  <a:schemeClr val="folHlink"/>
+                  <a:srgbClr val="0432FF"/>
                 </a:solidFill>
                 <a:latin typeface="Courier New" panose="02070309020205020404" pitchFamily="49" charset="0"/>
               </a:rPr>
@@ -28292,7 +28409,7 @@
             <a:r>
               <a:rPr lang="en-US" altLang="zh-CN" sz="2000" b="1" dirty="0">
                 <a:solidFill>
-                  <a:schemeClr val="folHlink"/>
+                  <a:srgbClr val="0432FF"/>
                 </a:solidFill>
                 <a:latin typeface="Courier New" panose="02070309020205020404" pitchFamily="49" charset="0"/>
               </a:rPr>
@@ -28307,7 +28424,7 @@
             <a:r>
               <a:rPr lang="en-US" altLang="zh-CN" sz="2000" b="1" dirty="0">
                 <a:solidFill>
-                  <a:schemeClr val="folHlink"/>
+                  <a:srgbClr val="0432FF"/>
                 </a:solidFill>
                 <a:latin typeface="Courier New" panose="02070309020205020404" pitchFamily="49" charset="0"/>
               </a:rPr>
@@ -28322,7 +28439,7 @@
             <a:r>
               <a:rPr lang="en-US" altLang="zh-CN" sz="2000" b="1" dirty="0">
                 <a:solidFill>
-                  <a:schemeClr val="folHlink"/>
+                  <a:srgbClr val="0432FF"/>
                 </a:solidFill>
                 <a:latin typeface="Courier New" panose="02070309020205020404" pitchFamily="49" charset="0"/>
               </a:rPr>
@@ -28337,7 +28454,7 @@
             <a:r>
               <a:rPr lang="en-US" altLang="zh-CN" sz="2000" b="1" dirty="0">
                 <a:solidFill>
-                  <a:schemeClr val="folHlink"/>
+                  <a:srgbClr val="0432FF"/>
                 </a:solidFill>
                 <a:latin typeface="Courier New" panose="02070309020205020404" pitchFamily="49" charset="0"/>
               </a:rPr>
@@ -28352,17 +28469,11 @@
             <a:r>
               <a:rPr lang="en-US" altLang="zh-CN" sz="2000" b="1" dirty="0">
                 <a:solidFill>
-                  <a:schemeClr val="folHlink"/>
-                </a:solidFill>
-                <a:latin typeface="Courier New" panose="02070309020205020404" pitchFamily="49" charset="0"/>
-              </a:rPr>
-              <a:t>}</a:t>
-            </a:r>
-            <a:r>
-              <a:rPr lang="en-US" altLang="zh-CN" sz="2000" b="1" dirty="0">
-                <a:latin typeface="Courier New" panose="02070309020205020404" pitchFamily="49" charset="0"/>
-              </a:rPr>
-              <a:t> </a:t>
+                  <a:srgbClr val="0432FF"/>
+                </a:solidFill>
+                <a:latin typeface="Courier New" panose="02070309020205020404" pitchFamily="49" charset="0"/>
+              </a:rPr>
+              <a:t>} </a:t>
             </a:r>
           </a:p>
           <a:p>
@@ -28385,7 +28496,7 @@
             <a:r>
               <a:rPr lang="en-US" altLang="zh-CN" sz="2000" b="1" dirty="0">
                 <a:solidFill>
-                  <a:schemeClr val="folHlink"/>
+                  <a:srgbClr val="0432FF"/>
                 </a:solidFill>
                 <a:latin typeface="Courier New" panose="02070309020205020404" pitchFamily="49" charset="0"/>
               </a:rPr>
